--- a/Class_1_pp.pptx
+++ b/Class_1_pp.pptx
@@ -5,21 +5,20 @@
     <p:sldMasterId id="2147483648" r:id="rId1"/>
   </p:sldMasterIdLst>
   <p:notesMasterIdLst>
-    <p:notesMasterId r:id="rId14"/>
+    <p:notesMasterId r:id="rId13"/>
   </p:notesMasterIdLst>
   <p:sldIdLst>
     <p:sldId id="256" r:id="rId2"/>
     <p:sldId id="257" r:id="rId3"/>
-    <p:sldId id="262" r:id="rId4"/>
-    <p:sldId id="268" r:id="rId5"/>
-    <p:sldId id="260" r:id="rId6"/>
-    <p:sldId id="261" r:id="rId7"/>
-    <p:sldId id="263" r:id="rId8"/>
-    <p:sldId id="259" r:id="rId9"/>
-    <p:sldId id="264" r:id="rId10"/>
-    <p:sldId id="265" r:id="rId11"/>
-    <p:sldId id="266" r:id="rId12"/>
-    <p:sldId id="267" r:id="rId13"/>
+    <p:sldId id="268" r:id="rId4"/>
+    <p:sldId id="260" r:id="rId5"/>
+    <p:sldId id="261" r:id="rId6"/>
+    <p:sldId id="263" r:id="rId7"/>
+    <p:sldId id="259" r:id="rId8"/>
+    <p:sldId id="264" r:id="rId9"/>
+    <p:sldId id="265" r:id="rId10"/>
+    <p:sldId id="266" r:id="rId11"/>
+    <p:sldId id="267" r:id="rId12"/>
   </p:sldIdLst>
   <p:sldSz cx="12192000" cy="6858000"/>
   <p:notesSz cx="6858000" cy="9144000"/>
@@ -118,7 +117,33 @@
       </a:defRPr>
     </a:lvl9pPr>
   </p:defaultTextStyle>
+  <p:extLst>
+    <p:ext uri="{EFAFB233-063F-42B5-8137-9DF3F51BA10A}">
+      <p15:sldGuideLst xmlns:p15="http://schemas.microsoft.com/office/powerpoint/2012/main"/>
+    </p:ext>
+  </p:extLst>
 </p:presentation>
+</file>
+
+<file path=ppt/changesInfos/changesInfo1.xml><?xml version="1.0" encoding="utf-8"?>
+<pc:chgInfo xmlns:a="http://schemas.openxmlformats.org/drawingml/2006/main" xmlns:r="http://schemas.openxmlformats.org/officeDocument/2006/relationships" xmlns:ac="http://schemas.microsoft.com/office/drawing/2013/main/command" xmlns:pc="http://schemas.microsoft.com/office/powerpoint/2013/main/command">
+  <pc:docChgLst>
+    <pc:chgData name="William Brown" userId="f5cdd9e1f07807f2" providerId="LiveId" clId="{56BBC5C5-4393-4490-BE3E-54FCEBD30C05}"/>
+    <pc:docChg chg="delSld">
+      <pc:chgData name="William Brown" userId="f5cdd9e1f07807f2" providerId="LiveId" clId="{56BBC5C5-4393-4490-BE3E-54FCEBD30C05}" dt="2020-02-09T03:16:50.082" v="0" actId="2696"/>
+      <pc:docMkLst>
+        <pc:docMk/>
+      </pc:docMkLst>
+      <pc:sldChg chg="del">
+        <pc:chgData name="William Brown" userId="f5cdd9e1f07807f2" providerId="LiveId" clId="{56BBC5C5-4393-4490-BE3E-54FCEBD30C05}" dt="2020-02-09T03:16:50.082" v="0" actId="2696"/>
+        <pc:sldMkLst>
+          <pc:docMk/>
+          <pc:sldMk cId="851500607" sldId="262"/>
+        </pc:sldMkLst>
+      </pc:sldChg>
+    </pc:docChg>
+  </pc:docChgLst>
+</pc:chgInfo>
 </file>
 
 <file path=ppt/notesMasters/notesMaster1.xml><?xml version="1.0" encoding="utf-8"?>
@@ -203,7 +228,7 @@
           <a:p>
             <a:fld id="{536EDA39-381B-4E39-8772-CE1312981EA0}" type="datetimeFigureOut">
               <a:rPr lang="en-US" smtClean="0"/>
-              <a:t>7/22/2019</a:t>
+              <a:t>2/9/2020</a:t>
             </a:fld>
             <a:endParaRPr lang="en-US"/>
           </a:p>
@@ -267,38 +292,37 @@
           <a:p>
             <a:pPr lvl="0"/>
             <a:r>
-              <a:rPr lang="en-US" smtClean="0"/>
+              <a:rPr lang="en-US"/>
               <a:t>Click to edit Master text styles</a:t>
             </a:r>
           </a:p>
           <a:p>
             <a:pPr lvl="1"/>
             <a:r>
-              <a:rPr lang="en-US" smtClean="0"/>
+              <a:rPr lang="en-US"/>
               <a:t>Second level</a:t>
             </a:r>
           </a:p>
           <a:p>
             <a:pPr lvl="2"/>
             <a:r>
-              <a:rPr lang="en-US" smtClean="0"/>
+              <a:rPr lang="en-US"/>
               <a:t>Third level</a:t>
             </a:r>
           </a:p>
           <a:p>
             <a:pPr lvl="3"/>
             <a:r>
-              <a:rPr lang="en-US" smtClean="0"/>
+              <a:rPr lang="en-US"/>
               <a:t>Fourth level</a:t>
             </a:r>
           </a:p>
           <a:p>
             <a:pPr lvl="4"/>
             <a:r>
-              <a:rPr lang="en-US" smtClean="0"/>
+              <a:rPr lang="en-US"/>
               <a:t>Fifth level</a:t>
             </a:r>
-            <a:endParaRPr lang="en-US"/>
           </a:p>
         </p:txBody>
       </p:sp>
@@ -471,91 +495,6 @@
 </p:notesMaster>
 </file>
 
-<file path=ppt/notesSlides/notesSlide1.xml><?xml version="1.0" encoding="utf-8"?>
-<p:notes xmlns:a="http://schemas.openxmlformats.org/drawingml/2006/main" xmlns:r="http://schemas.openxmlformats.org/officeDocument/2006/relationships" xmlns:p="http://schemas.openxmlformats.org/presentationml/2006/main">
-  <p:cSld>
-    <p:spTree>
-      <p:nvGrpSpPr>
-        <p:cNvPr id="1" name=""/>
-        <p:cNvGrpSpPr/>
-        <p:nvPr/>
-      </p:nvGrpSpPr>
-      <p:grpSpPr>
-        <a:xfrm>
-          <a:off x="0" y="0"/>
-          <a:ext cx="0" cy="0"/>
-          <a:chOff x="0" y="0"/>
-          <a:chExt cx="0" cy="0"/>
-        </a:xfrm>
-      </p:grpSpPr>
-      <p:sp>
-        <p:nvSpPr>
-          <p:cNvPr id="2" name="Slide Image Placeholder 1"/>
-          <p:cNvSpPr>
-            <a:spLocks noGrp="1" noRot="1" noChangeAspect="1"/>
-          </p:cNvSpPr>
-          <p:nvPr>
-            <p:ph type="sldImg"/>
-          </p:nvPr>
-        </p:nvSpPr>
-        <p:spPr/>
-      </p:sp>
-      <p:sp>
-        <p:nvSpPr>
-          <p:cNvPr id="3" name="Notes Placeholder 2"/>
-          <p:cNvSpPr>
-            <a:spLocks noGrp="1"/>
-          </p:cNvSpPr>
-          <p:nvPr>
-            <p:ph type="body" idx="1"/>
-          </p:nvPr>
-        </p:nvSpPr>
-        <p:spPr/>
-        <p:txBody>
-          <a:bodyPr/>
-          <a:lstStyle/>
-          <a:p>
-            <a:endParaRPr lang="en-US"/>
-          </a:p>
-        </p:txBody>
-      </p:sp>
-      <p:sp>
-        <p:nvSpPr>
-          <p:cNvPr id="4" name="Slide Number Placeholder 3"/>
-          <p:cNvSpPr>
-            <a:spLocks noGrp="1"/>
-          </p:cNvSpPr>
-          <p:nvPr>
-            <p:ph type="sldNum" sz="quarter" idx="10"/>
-          </p:nvPr>
-        </p:nvSpPr>
-        <p:spPr/>
-        <p:txBody>
-          <a:bodyPr/>
-          <a:lstStyle/>
-          <a:p>
-            <a:fld id="{3CD49DB1-CF9B-2D4C-BCA2-7748C581686D}" type="slidenum">
-              <a:rPr lang="en-US" smtClean="0"/>
-              <a:pPr/>
-              <a:t>3</a:t>
-            </a:fld>
-            <a:endParaRPr lang="en-US" dirty="0"/>
-          </a:p>
-        </p:txBody>
-      </p:sp>
-    </p:spTree>
-    <p:extLst>
-      <p:ext uri="{BB962C8B-B14F-4D97-AF65-F5344CB8AC3E}">
-        <p14:creationId xmlns:p14="http://schemas.microsoft.com/office/powerpoint/2010/main" val="2245840023"/>
-      </p:ext>
-    </p:extLst>
-  </p:cSld>
-  <p:clrMapOvr>
-    <a:masterClrMapping/>
-  </p:clrMapOvr>
-</p:notes>
-</file>
-
 <file path=ppt/slideLayouts/slideLayout1.xml><?xml version="1.0" encoding="utf-8"?>
 <p:sldLayout xmlns:a="http://schemas.openxmlformats.org/drawingml/2006/main" xmlns:r="http://schemas.openxmlformats.org/officeDocument/2006/relationships" xmlns:p="http://schemas.openxmlformats.org/presentationml/2006/main" type="title" preserve="1">
   <p:cSld name="Title Slide">
@@ -598,10 +537,9 @@
           </a:lstStyle>
           <a:p>
             <a:r>
-              <a:rPr lang="en-US" smtClean="0"/>
+              <a:rPr lang="en-US"/>
               <a:t>Click to edit Master title style</a:t>
             </a:r>
-            <a:endParaRPr lang="en-US"/>
           </a:p>
         </p:txBody>
       </p:sp>
@@ -663,10 +601,9 @@
           </a:lstStyle>
           <a:p>
             <a:r>
-              <a:rPr lang="en-US" smtClean="0"/>
+              <a:rPr lang="en-US"/>
               <a:t>Click to edit Master subtitle style</a:t>
             </a:r>
-            <a:endParaRPr lang="en-US"/>
           </a:p>
         </p:txBody>
       </p:sp>
@@ -687,7 +624,7 @@
           <a:p>
             <a:fld id="{B684A81A-D070-4D57-9090-BC00CF2C4451}" type="datetimeFigureOut">
               <a:rPr lang="en-US" smtClean="0"/>
-              <a:t>7/22/2019</a:t>
+              <a:t>2/9/2020</a:t>
             </a:fld>
             <a:endParaRPr lang="en-US"/>
           </a:p>
@@ -781,10 +718,9 @@
           <a:lstStyle/>
           <a:p>
             <a:r>
-              <a:rPr lang="en-US" smtClean="0"/>
+              <a:rPr lang="en-US"/>
               <a:t>Click to edit Master title style</a:t>
             </a:r>
-            <a:endParaRPr lang="en-US"/>
           </a:p>
         </p:txBody>
       </p:sp>
@@ -805,38 +741,37 @@
           <a:p>
             <a:pPr lvl="0"/>
             <a:r>
-              <a:rPr lang="en-US" smtClean="0"/>
+              <a:rPr lang="en-US"/>
               <a:t>Click to edit Master text styles</a:t>
             </a:r>
           </a:p>
           <a:p>
             <a:pPr lvl="1"/>
             <a:r>
-              <a:rPr lang="en-US" smtClean="0"/>
+              <a:rPr lang="en-US"/>
               <a:t>Second level</a:t>
             </a:r>
           </a:p>
           <a:p>
             <a:pPr lvl="2"/>
             <a:r>
-              <a:rPr lang="en-US" smtClean="0"/>
+              <a:rPr lang="en-US"/>
               <a:t>Third level</a:t>
             </a:r>
           </a:p>
           <a:p>
             <a:pPr lvl="3"/>
             <a:r>
-              <a:rPr lang="en-US" smtClean="0"/>
+              <a:rPr lang="en-US"/>
               <a:t>Fourth level</a:t>
             </a:r>
           </a:p>
           <a:p>
             <a:pPr lvl="4"/>
             <a:r>
-              <a:rPr lang="en-US" smtClean="0"/>
+              <a:rPr lang="en-US"/>
               <a:t>Fifth level</a:t>
             </a:r>
-            <a:endParaRPr lang="en-US"/>
           </a:p>
         </p:txBody>
       </p:sp>
@@ -857,7 +792,7 @@
           <a:p>
             <a:fld id="{B684A81A-D070-4D57-9090-BC00CF2C4451}" type="datetimeFigureOut">
               <a:rPr lang="en-US" smtClean="0"/>
-              <a:t>7/22/2019</a:t>
+              <a:t>2/9/2020</a:t>
             </a:fld>
             <a:endParaRPr lang="en-US"/>
           </a:p>
@@ -956,10 +891,9 @@
           <a:lstStyle/>
           <a:p>
             <a:r>
-              <a:rPr lang="en-US" smtClean="0"/>
+              <a:rPr lang="en-US"/>
               <a:t>Click to edit Master title style</a:t>
             </a:r>
-            <a:endParaRPr lang="en-US"/>
           </a:p>
         </p:txBody>
       </p:sp>
@@ -985,38 +919,37 @@
           <a:p>
             <a:pPr lvl="0"/>
             <a:r>
-              <a:rPr lang="en-US" smtClean="0"/>
+              <a:rPr lang="en-US"/>
               <a:t>Click to edit Master text styles</a:t>
             </a:r>
           </a:p>
           <a:p>
             <a:pPr lvl="1"/>
             <a:r>
-              <a:rPr lang="en-US" smtClean="0"/>
+              <a:rPr lang="en-US"/>
               <a:t>Second level</a:t>
             </a:r>
           </a:p>
           <a:p>
             <a:pPr lvl="2"/>
             <a:r>
-              <a:rPr lang="en-US" smtClean="0"/>
+              <a:rPr lang="en-US"/>
               <a:t>Third level</a:t>
             </a:r>
           </a:p>
           <a:p>
             <a:pPr lvl="3"/>
             <a:r>
-              <a:rPr lang="en-US" smtClean="0"/>
+              <a:rPr lang="en-US"/>
               <a:t>Fourth level</a:t>
             </a:r>
           </a:p>
           <a:p>
             <a:pPr lvl="4"/>
             <a:r>
-              <a:rPr lang="en-US" smtClean="0"/>
+              <a:rPr lang="en-US"/>
               <a:t>Fifth level</a:t>
             </a:r>
-            <a:endParaRPr lang="en-US"/>
           </a:p>
         </p:txBody>
       </p:sp>
@@ -1037,7 +970,7 @@
           <a:p>
             <a:fld id="{B684A81A-D070-4D57-9090-BC00CF2C4451}" type="datetimeFigureOut">
               <a:rPr lang="en-US" smtClean="0"/>
-              <a:t>7/22/2019</a:t>
+              <a:t>2/9/2020</a:t>
             </a:fld>
             <a:endParaRPr lang="en-US"/>
           </a:p>
@@ -1131,10 +1064,9 @@
           <a:lstStyle/>
           <a:p>
             <a:r>
-              <a:rPr lang="en-US" smtClean="0"/>
+              <a:rPr lang="en-US"/>
               <a:t>Click to edit Master title style</a:t>
             </a:r>
-            <a:endParaRPr lang="en-US"/>
           </a:p>
         </p:txBody>
       </p:sp>
@@ -1155,38 +1087,37 @@
           <a:p>
             <a:pPr lvl="0"/>
             <a:r>
-              <a:rPr lang="en-US" smtClean="0"/>
+              <a:rPr lang="en-US"/>
               <a:t>Click to edit Master text styles</a:t>
             </a:r>
           </a:p>
           <a:p>
             <a:pPr lvl="1"/>
             <a:r>
-              <a:rPr lang="en-US" smtClean="0"/>
+              <a:rPr lang="en-US"/>
               <a:t>Second level</a:t>
             </a:r>
           </a:p>
           <a:p>
             <a:pPr lvl="2"/>
             <a:r>
-              <a:rPr lang="en-US" smtClean="0"/>
+              <a:rPr lang="en-US"/>
               <a:t>Third level</a:t>
             </a:r>
           </a:p>
           <a:p>
             <a:pPr lvl="3"/>
             <a:r>
-              <a:rPr lang="en-US" smtClean="0"/>
+              <a:rPr lang="en-US"/>
               <a:t>Fourth level</a:t>
             </a:r>
           </a:p>
           <a:p>
             <a:pPr lvl="4"/>
             <a:r>
-              <a:rPr lang="en-US" smtClean="0"/>
+              <a:rPr lang="en-US"/>
               <a:t>Fifth level</a:t>
             </a:r>
-            <a:endParaRPr lang="en-US"/>
           </a:p>
         </p:txBody>
       </p:sp>
@@ -1207,7 +1138,7 @@
           <a:p>
             <a:fld id="{B684A81A-D070-4D57-9090-BC00CF2C4451}" type="datetimeFigureOut">
               <a:rPr lang="en-US" smtClean="0"/>
-              <a:t>7/22/2019</a:t>
+              <a:t>2/9/2020</a:t>
             </a:fld>
             <a:endParaRPr lang="en-US"/>
           </a:p>
@@ -1310,10 +1241,9 @@
           </a:lstStyle>
           <a:p>
             <a:r>
-              <a:rPr lang="en-US" smtClean="0"/>
+              <a:rPr lang="en-US"/>
               <a:t>Click to edit Master title style</a:t>
             </a:r>
-            <a:endParaRPr lang="en-US"/>
           </a:p>
         </p:txBody>
       </p:sp>
@@ -1430,7 +1360,7 @@
           <a:p>
             <a:pPr lvl="0"/>
             <a:r>
-              <a:rPr lang="en-US" smtClean="0"/>
+              <a:rPr lang="en-US"/>
               <a:t>Click to edit Master text styles</a:t>
             </a:r>
           </a:p>
@@ -1453,7 +1383,7 @@
           <a:p>
             <a:fld id="{B684A81A-D070-4D57-9090-BC00CF2C4451}" type="datetimeFigureOut">
               <a:rPr lang="en-US" smtClean="0"/>
-              <a:t>7/22/2019</a:t>
+              <a:t>2/9/2020</a:t>
             </a:fld>
             <a:endParaRPr lang="en-US"/>
           </a:p>
@@ -1547,10 +1477,9 @@
           <a:lstStyle/>
           <a:p>
             <a:r>
-              <a:rPr lang="en-US" smtClean="0"/>
+              <a:rPr lang="en-US"/>
               <a:t>Click to edit Master title style</a:t>
             </a:r>
-            <a:endParaRPr lang="en-US"/>
           </a:p>
         </p:txBody>
       </p:sp>
@@ -1576,38 +1505,37 @@
           <a:p>
             <a:pPr lvl="0"/>
             <a:r>
-              <a:rPr lang="en-US" smtClean="0"/>
+              <a:rPr lang="en-US"/>
               <a:t>Click to edit Master text styles</a:t>
             </a:r>
           </a:p>
           <a:p>
             <a:pPr lvl="1"/>
             <a:r>
-              <a:rPr lang="en-US" smtClean="0"/>
+              <a:rPr lang="en-US"/>
               <a:t>Second level</a:t>
             </a:r>
           </a:p>
           <a:p>
             <a:pPr lvl="2"/>
             <a:r>
-              <a:rPr lang="en-US" smtClean="0"/>
+              <a:rPr lang="en-US"/>
               <a:t>Third level</a:t>
             </a:r>
           </a:p>
           <a:p>
             <a:pPr lvl="3"/>
             <a:r>
-              <a:rPr lang="en-US" smtClean="0"/>
+              <a:rPr lang="en-US"/>
               <a:t>Fourth level</a:t>
             </a:r>
           </a:p>
           <a:p>
             <a:pPr lvl="4"/>
             <a:r>
-              <a:rPr lang="en-US" smtClean="0"/>
+              <a:rPr lang="en-US"/>
               <a:t>Fifth level</a:t>
             </a:r>
-            <a:endParaRPr lang="en-US"/>
           </a:p>
         </p:txBody>
       </p:sp>
@@ -1633,38 +1561,37 @@
           <a:p>
             <a:pPr lvl="0"/>
             <a:r>
-              <a:rPr lang="en-US" smtClean="0"/>
+              <a:rPr lang="en-US"/>
               <a:t>Click to edit Master text styles</a:t>
             </a:r>
           </a:p>
           <a:p>
             <a:pPr lvl="1"/>
             <a:r>
-              <a:rPr lang="en-US" smtClean="0"/>
+              <a:rPr lang="en-US"/>
               <a:t>Second level</a:t>
             </a:r>
           </a:p>
           <a:p>
             <a:pPr lvl="2"/>
             <a:r>
-              <a:rPr lang="en-US" smtClean="0"/>
+              <a:rPr lang="en-US"/>
               <a:t>Third level</a:t>
             </a:r>
           </a:p>
           <a:p>
             <a:pPr lvl="3"/>
             <a:r>
-              <a:rPr lang="en-US" smtClean="0"/>
+              <a:rPr lang="en-US"/>
               <a:t>Fourth level</a:t>
             </a:r>
           </a:p>
           <a:p>
             <a:pPr lvl="4"/>
             <a:r>
-              <a:rPr lang="en-US" smtClean="0"/>
+              <a:rPr lang="en-US"/>
               <a:t>Fifth level</a:t>
             </a:r>
-            <a:endParaRPr lang="en-US"/>
           </a:p>
         </p:txBody>
       </p:sp>
@@ -1685,7 +1612,7 @@
           <a:p>
             <a:fld id="{B684A81A-D070-4D57-9090-BC00CF2C4451}" type="datetimeFigureOut">
               <a:rPr lang="en-US" smtClean="0"/>
-              <a:t>7/22/2019</a:t>
+              <a:t>2/9/2020</a:t>
             </a:fld>
             <a:endParaRPr lang="en-US"/>
           </a:p>
@@ -1784,10 +1711,9 @@
           <a:lstStyle/>
           <a:p>
             <a:r>
-              <a:rPr lang="en-US" smtClean="0"/>
+              <a:rPr lang="en-US"/>
               <a:t>Click to edit Master title style</a:t>
             </a:r>
-            <a:endParaRPr lang="en-US"/>
           </a:p>
         </p:txBody>
       </p:sp>
@@ -1850,7 +1776,7 @@
           <a:p>
             <a:pPr lvl="0"/>
             <a:r>
-              <a:rPr lang="en-US" smtClean="0"/>
+              <a:rPr lang="en-US"/>
               <a:t>Click to edit Master text styles</a:t>
             </a:r>
           </a:p>
@@ -1878,38 +1804,37 @@
           <a:p>
             <a:pPr lvl="0"/>
             <a:r>
-              <a:rPr lang="en-US" smtClean="0"/>
+              <a:rPr lang="en-US"/>
               <a:t>Click to edit Master text styles</a:t>
             </a:r>
           </a:p>
           <a:p>
             <a:pPr lvl="1"/>
             <a:r>
-              <a:rPr lang="en-US" smtClean="0"/>
+              <a:rPr lang="en-US"/>
               <a:t>Second level</a:t>
             </a:r>
           </a:p>
           <a:p>
             <a:pPr lvl="2"/>
             <a:r>
-              <a:rPr lang="en-US" smtClean="0"/>
+              <a:rPr lang="en-US"/>
               <a:t>Third level</a:t>
             </a:r>
           </a:p>
           <a:p>
             <a:pPr lvl="3"/>
             <a:r>
-              <a:rPr lang="en-US" smtClean="0"/>
+              <a:rPr lang="en-US"/>
               <a:t>Fourth level</a:t>
             </a:r>
           </a:p>
           <a:p>
             <a:pPr lvl="4"/>
             <a:r>
-              <a:rPr lang="en-US" smtClean="0"/>
+              <a:rPr lang="en-US"/>
               <a:t>Fifth level</a:t>
             </a:r>
-            <a:endParaRPr lang="en-US"/>
           </a:p>
         </p:txBody>
       </p:sp>
@@ -1972,7 +1897,7 @@
           <a:p>
             <a:pPr lvl="0"/>
             <a:r>
-              <a:rPr lang="en-US" smtClean="0"/>
+              <a:rPr lang="en-US"/>
               <a:t>Click to edit Master text styles</a:t>
             </a:r>
           </a:p>
@@ -2000,38 +1925,37 @@
           <a:p>
             <a:pPr lvl="0"/>
             <a:r>
-              <a:rPr lang="en-US" smtClean="0"/>
+              <a:rPr lang="en-US"/>
               <a:t>Click to edit Master text styles</a:t>
             </a:r>
           </a:p>
           <a:p>
             <a:pPr lvl="1"/>
             <a:r>
-              <a:rPr lang="en-US" smtClean="0"/>
+              <a:rPr lang="en-US"/>
               <a:t>Second level</a:t>
             </a:r>
           </a:p>
           <a:p>
             <a:pPr lvl="2"/>
             <a:r>
-              <a:rPr lang="en-US" smtClean="0"/>
+              <a:rPr lang="en-US"/>
               <a:t>Third level</a:t>
             </a:r>
           </a:p>
           <a:p>
             <a:pPr lvl="3"/>
             <a:r>
-              <a:rPr lang="en-US" smtClean="0"/>
+              <a:rPr lang="en-US"/>
               <a:t>Fourth level</a:t>
             </a:r>
           </a:p>
           <a:p>
             <a:pPr lvl="4"/>
             <a:r>
-              <a:rPr lang="en-US" smtClean="0"/>
+              <a:rPr lang="en-US"/>
               <a:t>Fifth level</a:t>
             </a:r>
-            <a:endParaRPr lang="en-US"/>
           </a:p>
         </p:txBody>
       </p:sp>
@@ -2052,7 +1976,7 @@
           <a:p>
             <a:fld id="{B684A81A-D070-4D57-9090-BC00CF2C4451}" type="datetimeFigureOut">
               <a:rPr lang="en-US" smtClean="0"/>
-              <a:t>7/22/2019</a:t>
+              <a:t>2/9/2020</a:t>
             </a:fld>
             <a:endParaRPr lang="en-US"/>
           </a:p>
@@ -2146,10 +2070,9 @@
           <a:lstStyle/>
           <a:p>
             <a:r>
-              <a:rPr lang="en-US" smtClean="0"/>
+              <a:rPr lang="en-US"/>
               <a:t>Click to edit Master title style</a:t>
             </a:r>
-            <a:endParaRPr lang="en-US"/>
           </a:p>
         </p:txBody>
       </p:sp>
@@ -2170,7 +2093,7 @@
           <a:p>
             <a:fld id="{B684A81A-D070-4D57-9090-BC00CF2C4451}" type="datetimeFigureOut">
               <a:rPr lang="en-US" smtClean="0"/>
-              <a:t>7/22/2019</a:t>
+              <a:t>2/9/2020</a:t>
             </a:fld>
             <a:endParaRPr lang="en-US"/>
           </a:p>
@@ -2265,7 +2188,7 @@
           <a:p>
             <a:fld id="{B684A81A-D070-4D57-9090-BC00CF2C4451}" type="datetimeFigureOut">
               <a:rPr lang="en-US" smtClean="0"/>
-              <a:t>7/22/2019</a:t>
+              <a:t>2/9/2020</a:t>
             </a:fld>
             <a:endParaRPr lang="en-US"/>
           </a:p>
@@ -2368,10 +2291,9 @@
           </a:lstStyle>
           <a:p>
             <a:r>
-              <a:rPr lang="en-US" smtClean="0"/>
+              <a:rPr lang="en-US"/>
               <a:t>Click to edit Master title style</a:t>
             </a:r>
-            <a:endParaRPr lang="en-US"/>
           </a:p>
         </p:txBody>
       </p:sp>
@@ -2425,38 +2347,37 @@
           <a:p>
             <a:pPr lvl="0"/>
             <a:r>
-              <a:rPr lang="en-US" smtClean="0"/>
+              <a:rPr lang="en-US"/>
               <a:t>Click to edit Master text styles</a:t>
             </a:r>
           </a:p>
           <a:p>
             <a:pPr lvl="1"/>
             <a:r>
-              <a:rPr lang="en-US" smtClean="0"/>
+              <a:rPr lang="en-US"/>
               <a:t>Second level</a:t>
             </a:r>
           </a:p>
           <a:p>
             <a:pPr lvl="2"/>
             <a:r>
-              <a:rPr lang="en-US" smtClean="0"/>
+              <a:rPr lang="en-US"/>
               <a:t>Third level</a:t>
             </a:r>
           </a:p>
           <a:p>
             <a:pPr lvl="3"/>
             <a:r>
-              <a:rPr lang="en-US" smtClean="0"/>
+              <a:rPr lang="en-US"/>
               <a:t>Fourth level</a:t>
             </a:r>
           </a:p>
           <a:p>
             <a:pPr lvl="4"/>
             <a:r>
-              <a:rPr lang="en-US" smtClean="0"/>
+              <a:rPr lang="en-US"/>
               <a:t>Fifth level</a:t>
             </a:r>
-            <a:endParaRPr lang="en-US"/>
           </a:p>
         </p:txBody>
       </p:sp>
@@ -2519,7 +2440,7 @@
           <a:p>
             <a:pPr lvl="0"/>
             <a:r>
-              <a:rPr lang="en-US" smtClean="0"/>
+              <a:rPr lang="en-US"/>
               <a:t>Click to edit Master text styles</a:t>
             </a:r>
           </a:p>
@@ -2542,7 +2463,7 @@
           <a:p>
             <a:fld id="{B684A81A-D070-4D57-9090-BC00CF2C4451}" type="datetimeFigureOut">
               <a:rPr lang="en-US" smtClean="0"/>
-              <a:t>7/22/2019</a:t>
+              <a:t>2/9/2020</a:t>
             </a:fld>
             <a:endParaRPr lang="en-US"/>
           </a:p>
@@ -2645,10 +2566,9 @@
           </a:lstStyle>
           <a:p>
             <a:r>
-              <a:rPr lang="en-US" smtClean="0"/>
+              <a:rPr lang="en-US"/>
               <a:t>Click to edit Master title style</a:t>
             </a:r>
-            <a:endParaRPr lang="en-US"/>
           </a:p>
         </p:txBody>
       </p:sp>
@@ -2772,7 +2692,7 @@
           <a:p>
             <a:pPr lvl="0"/>
             <a:r>
-              <a:rPr lang="en-US" smtClean="0"/>
+              <a:rPr lang="en-US"/>
               <a:t>Click to edit Master text styles</a:t>
             </a:r>
           </a:p>
@@ -2795,7 +2715,7 @@
           <a:p>
             <a:fld id="{B684A81A-D070-4D57-9090-BC00CF2C4451}" type="datetimeFigureOut">
               <a:rPr lang="en-US" smtClean="0"/>
-              <a:t>7/22/2019</a:t>
+              <a:t>2/9/2020</a:t>
             </a:fld>
             <a:endParaRPr lang="en-US"/>
           </a:p>
@@ -2904,10 +2824,9 @@
           <a:lstStyle/>
           <a:p>
             <a:r>
-              <a:rPr lang="en-US" smtClean="0"/>
+              <a:rPr lang="en-US"/>
               <a:t>Click to edit Master title style</a:t>
             </a:r>
-            <a:endParaRPr lang="en-US"/>
           </a:p>
         </p:txBody>
       </p:sp>
@@ -2938,38 +2857,37 @@
           <a:p>
             <a:pPr lvl="0"/>
             <a:r>
-              <a:rPr lang="en-US" smtClean="0"/>
+              <a:rPr lang="en-US"/>
               <a:t>Click to edit Master text styles</a:t>
             </a:r>
           </a:p>
           <a:p>
             <a:pPr lvl="1"/>
             <a:r>
-              <a:rPr lang="en-US" smtClean="0"/>
+              <a:rPr lang="en-US"/>
               <a:t>Second level</a:t>
             </a:r>
           </a:p>
           <a:p>
             <a:pPr lvl="2"/>
             <a:r>
-              <a:rPr lang="en-US" smtClean="0"/>
+              <a:rPr lang="en-US"/>
               <a:t>Third level</a:t>
             </a:r>
           </a:p>
           <a:p>
             <a:pPr lvl="3"/>
             <a:r>
-              <a:rPr lang="en-US" smtClean="0"/>
+              <a:rPr lang="en-US"/>
               <a:t>Fourth level</a:t>
             </a:r>
           </a:p>
           <a:p>
             <a:pPr lvl="4"/>
             <a:r>
-              <a:rPr lang="en-US" smtClean="0"/>
+              <a:rPr lang="en-US"/>
               <a:t>Fifth level</a:t>
             </a:r>
-            <a:endParaRPr lang="en-US"/>
           </a:p>
         </p:txBody>
       </p:sp>
@@ -3008,7 +2926,7 @@
           <a:p>
             <a:fld id="{B684A81A-D070-4D57-9090-BC00CF2C4451}" type="datetimeFigureOut">
               <a:rPr lang="en-US" smtClean="0"/>
-              <a:t>7/22/2019</a:t>
+              <a:t>2/9/2020</a:t>
             </a:fld>
             <a:endParaRPr lang="en-US"/>
           </a:p>
@@ -3429,10 +3347,9 @@
           <a:lstStyle/>
           <a:p>
             <a:r>
-              <a:rPr lang="en-US" dirty="0" smtClean="0"/>
+              <a:rPr lang="en-US" dirty="0"/>
               <a:t>Python Automation Basics</a:t>
             </a:r>
-            <a:endParaRPr lang="en-US" dirty="0"/>
           </a:p>
         </p:txBody>
       </p:sp>
@@ -3446,13 +3363,6 @@
   <p:clrMapOvr>
     <a:masterClrMapping/>
   </p:clrMapOvr>
-  <p:timing>
-    <p:tnLst>
-      <p:par>
-        <p:cTn id="1" dur="indefinite" restart="never" nodeType="tmRoot"/>
-      </p:par>
-    </p:tnLst>
-  </p:timing>
 </p:sld>
 </file>
 
@@ -3489,10 +3399,2704 @@
           <a:lstStyle/>
           <a:p>
             <a:r>
-              <a:rPr lang="en-US" dirty="0" smtClean="0"/>
+              <a:rPr lang="en-US" dirty="0"/>
+              <a:t>Flow Control - </a:t>
+            </a:r>
+            <a:r>
+              <a:rPr lang="en-US" dirty="0" err="1"/>
+              <a:t>Pseudocode</a:t>
+            </a:r>
+            <a:endParaRPr lang="en-US" dirty="0"/>
+          </a:p>
+        </p:txBody>
+      </p:sp>
+      <p:sp>
+        <p:nvSpPr>
+          <p:cNvPr id="26" name="TextBox 25"/>
+          <p:cNvSpPr txBox="1"/>
+          <p:nvPr/>
+        </p:nvSpPr>
+        <p:spPr>
+          <a:xfrm>
+            <a:off x="838200" y="1690688"/>
+            <a:ext cx="4828822" cy="2308324"/>
+          </a:xfrm>
+          <a:prstGeom prst="rect">
+            <a:avLst/>
+          </a:prstGeom>
+          <a:noFill/>
+        </p:spPr>
+        <p:txBody>
+          <a:bodyPr wrap="none" rtlCol="0">
+            <a:spAutoFit/>
+          </a:bodyPr>
+          <a:lstStyle/>
+          <a:p>
+            <a:pPr defTabSz="457200">
+              <a:tabLst>
+                <a:tab pos="0" algn="l"/>
+              </a:tabLst>
+            </a:pPr>
+            <a:r>
+              <a:rPr lang="en-US" dirty="0"/>
+              <a:t>if it's raining then </a:t>
+            </a:r>
+          </a:p>
+          <a:p>
+            <a:pPr defTabSz="457200">
+              <a:tabLst>
+                <a:tab pos="0" algn="l"/>
+              </a:tabLst>
+            </a:pPr>
+            <a:r>
+              <a:rPr lang="en-US" dirty="0"/>
+              <a:t>		if you have an umbrella then </a:t>
+            </a:r>
+          </a:p>
+          <a:p>
+            <a:pPr defTabSz="457200">
+              <a:tabLst>
+                <a:tab pos="0" algn="l"/>
+              </a:tabLst>
+            </a:pPr>
+            <a:r>
+              <a:rPr lang="en-US" dirty="0"/>
+              <a:t>			grab your umbrella and go to work </a:t>
+            </a:r>
+          </a:p>
+          <a:p>
+            <a:pPr defTabSz="457200">
+              <a:tabLst>
+                <a:tab pos="0" algn="l"/>
+              </a:tabLst>
+            </a:pPr>
+            <a:r>
+              <a:rPr lang="en-US" dirty="0"/>
+              <a:t>		otherwise </a:t>
+            </a:r>
+          </a:p>
+          <a:p>
+            <a:pPr defTabSz="457200">
+              <a:tabLst>
+                <a:tab pos="0" algn="l"/>
+              </a:tabLst>
+            </a:pPr>
+            <a:r>
+              <a:rPr lang="en-US" dirty="0"/>
+              <a:t>			if you have a jacket then </a:t>
+            </a:r>
+          </a:p>
+          <a:p>
+            <a:pPr defTabSz="457200">
+              <a:tabLst>
+                <a:tab pos="0" algn="l"/>
+              </a:tabLst>
+            </a:pPr>
+            <a:r>
+              <a:rPr lang="en-US" dirty="0"/>
+              <a:t>				grab your jacket and go to work </a:t>
+            </a:r>
+          </a:p>
+          <a:p>
+            <a:pPr defTabSz="457200">
+              <a:tabLst>
+                <a:tab pos="0" algn="l"/>
+              </a:tabLst>
+            </a:pPr>
+            <a:r>
+              <a:rPr lang="en-US" dirty="0"/>
+              <a:t>			otherwise </a:t>
+            </a:r>
+          </a:p>
+          <a:p>
+            <a:pPr defTabSz="457200">
+              <a:tabLst>
+                <a:tab pos="0" algn="l"/>
+              </a:tabLst>
+            </a:pPr>
+            <a:r>
+              <a:rPr lang="en-US" dirty="0"/>
+              <a:t>				Sadly, you're going to get soaked :/</a:t>
+            </a:r>
+          </a:p>
+        </p:txBody>
+      </p:sp>
+      <p:pic>
+        <p:nvPicPr>
+          <p:cNvPr id="3" name="Picture 2"/>
+          <p:cNvPicPr>
+            <a:picLocks noChangeAspect="1"/>
+          </p:cNvPicPr>
+          <p:nvPr/>
+        </p:nvPicPr>
+        <p:blipFill>
+          <a:blip r:embed="rId2"/>
+          <a:stretch>
+            <a:fillRect/>
+          </a:stretch>
+        </p:blipFill>
+        <p:spPr>
+          <a:xfrm>
+            <a:off x="1304925" y="3999012"/>
+            <a:ext cx="9582150" cy="2162175"/>
+          </a:xfrm>
+          <a:prstGeom prst="rect">
+            <a:avLst/>
+          </a:prstGeom>
+        </p:spPr>
+      </p:pic>
+    </p:spTree>
+    <p:extLst>
+      <p:ext uri="{BB962C8B-B14F-4D97-AF65-F5344CB8AC3E}">
+        <p14:creationId xmlns:p14="http://schemas.microsoft.com/office/powerpoint/2010/main" val="1630613848"/>
+      </p:ext>
+    </p:extLst>
+  </p:cSld>
+  <p:clrMapOvr>
+    <a:masterClrMapping/>
+  </p:clrMapOvr>
+  <p:timing>
+    <p:tnLst>
+      <p:par>
+        <p:cTn id="1" dur="indefinite" restart="never" nodeType="tmRoot">
+          <p:childTnLst>
+            <p:seq concurrent="1" nextAc="seek">
+              <p:cTn id="2" dur="indefinite" nodeType="mainSeq">
+                <p:childTnLst>
+                  <p:par>
+                    <p:cTn id="3" fill="hold">
+                      <p:stCondLst>
+                        <p:cond delay="indefinite"/>
+                      </p:stCondLst>
+                      <p:childTnLst>
+                        <p:par>
+                          <p:cTn id="4" fill="hold">
+                            <p:stCondLst>
+                              <p:cond delay="0"/>
+                            </p:stCondLst>
+                            <p:childTnLst>
+                              <p:par>
+                                <p:cTn id="5" presetID="1" presetClass="entr" presetSubtype="0" fill="hold" nodeType="clickEffect">
+                                  <p:stCondLst>
+                                    <p:cond delay="0"/>
+                                  </p:stCondLst>
+                                  <p:childTnLst>
+                                    <p:set>
+                                      <p:cBhvr>
+                                        <p:cTn id="6" dur="1" fill="hold">
+                                          <p:stCondLst>
+                                            <p:cond delay="0"/>
+                                          </p:stCondLst>
+                                        </p:cTn>
+                                        <p:tgtEl>
+                                          <p:spTgt spid="26">
+                                            <p:txEl>
+                                              <p:pRg st="0" end="0"/>
+                                            </p:txEl>
+                                          </p:spTgt>
+                                        </p:tgtEl>
+                                        <p:attrNameLst>
+                                          <p:attrName>style.visibility</p:attrName>
+                                        </p:attrNameLst>
+                                      </p:cBhvr>
+                                      <p:to>
+                                        <p:strVal val="visible"/>
+                                      </p:to>
+                                    </p:set>
+                                  </p:childTnLst>
+                                </p:cTn>
+                              </p:par>
+                            </p:childTnLst>
+                          </p:cTn>
+                        </p:par>
+                      </p:childTnLst>
+                    </p:cTn>
+                  </p:par>
+                  <p:par>
+                    <p:cTn id="7" fill="hold">
+                      <p:stCondLst>
+                        <p:cond delay="indefinite"/>
+                      </p:stCondLst>
+                      <p:childTnLst>
+                        <p:par>
+                          <p:cTn id="8" fill="hold">
+                            <p:stCondLst>
+                              <p:cond delay="0"/>
+                            </p:stCondLst>
+                            <p:childTnLst>
+                              <p:par>
+                                <p:cTn id="9" presetID="1" presetClass="entr" presetSubtype="0" fill="hold" nodeType="clickEffect">
+                                  <p:stCondLst>
+                                    <p:cond delay="0"/>
+                                  </p:stCondLst>
+                                  <p:childTnLst>
+                                    <p:set>
+                                      <p:cBhvr>
+                                        <p:cTn id="10" dur="1" fill="hold">
+                                          <p:stCondLst>
+                                            <p:cond delay="0"/>
+                                          </p:stCondLst>
+                                        </p:cTn>
+                                        <p:tgtEl>
+                                          <p:spTgt spid="26">
+                                            <p:txEl>
+                                              <p:pRg st="1" end="1"/>
+                                            </p:txEl>
+                                          </p:spTgt>
+                                        </p:tgtEl>
+                                        <p:attrNameLst>
+                                          <p:attrName>style.visibility</p:attrName>
+                                        </p:attrNameLst>
+                                      </p:cBhvr>
+                                      <p:to>
+                                        <p:strVal val="visible"/>
+                                      </p:to>
+                                    </p:set>
+                                  </p:childTnLst>
+                                </p:cTn>
+                              </p:par>
+                            </p:childTnLst>
+                          </p:cTn>
+                        </p:par>
+                      </p:childTnLst>
+                    </p:cTn>
+                  </p:par>
+                  <p:par>
+                    <p:cTn id="11" fill="hold">
+                      <p:stCondLst>
+                        <p:cond delay="indefinite"/>
+                      </p:stCondLst>
+                      <p:childTnLst>
+                        <p:par>
+                          <p:cTn id="12" fill="hold">
+                            <p:stCondLst>
+                              <p:cond delay="0"/>
+                            </p:stCondLst>
+                            <p:childTnLst>
+                              <p:par>
+                                <p:cTn id="13" presetID="1" presetClass="entr" presetSubtype="0" fill="hold" nodeType="clickEffect">
+                                  <p:stCondLst>
+                                    <p:cond delay="0"/>
+                                  </p:stCondLst>
+                                  <p:childTnLst>
+                                    <p:set>
+                                      <p:cBhvr>
+                                        <p:cTn id="14" dur="1" fill="hold">
+                                          <p:stCondLst>
+                                            <p:cond delay="0"/>
+                                          </p:stCondLst>
+                                        </p:cTn>
+                                        <p:tgtEl>
+                                          <p:spTgt spid="26">
+                                            <p:txEl>
+                                              <p:pRg st="2" end="2"/>
+                                            </p:txEl>
+                                          </p:spTgt>
+                                        </p:tgtEl>
+                                        <p:attrNameLst>
+                                          <p:attrName>style.visibility</p:attrName>
+                                        </p:attrNameLst>
+                                      </p:cBhvr>
+                                      <p:to>
+                                        <p:strVal val="visible"/>
+                                      </p:to>
+                                    </p:set>
+                                  </p:childTnLst>
+                                </p:cTn>
+                              </p:par>
+                            </p:childTnLst>
+                          </p:cTn>
+                        </p:par>
+                      </p:childTnLst>
+                    </p:cTn>
+                  </p:par>
+                  <p:par>
+                    <p:cTn id="15" fill="hold">
+                      <p:stCondLst>
+                        <p:cond delay="indefinite"/>
+                      </p:stCondLst>
+                      <p:childTnLst>
+                        <p:par>
+                          <p:cTn id="16" fill="hold">
+                            <p:stCondLst>
+                              <p:cond delay="0"/>
+                            </p:stCondLst>
+                            <p:childTnLst>
+                              <p:par>
+                                <p:cTn id="17" presetID="1" presetClass="entr" presetSubtype="0" fill="hold" nodeType="clickEffect">
+                                  <p:stCondLst>
+                                    <p:cond delay="0"/>
+                                  </p:stCondLst>
+                                  <p:childTnLst>
+                                    <p:set>
+                                      <p:cBhvr>
+                                        <p:cTn id="18" dur="1" fill="hold">
+                                          <p:stCondLst>
+                                            <p:cond delay="0"/>
+                                          </p:stCondLst>
+                                        </p:cTn>
+                                        <p:tgtEl>
+                                          <p:spTgt spid="26">
+                                            <p:txEl>
+                                              <p:pRg st="3" end="3"/>
+                                            </p:txEl>
+                                          </p:spTgt>
+                                        </p:tgtEl>
+                                        <p:attrNameLst>
+                                          <p:attrName>style.visibility</p:attrName>
+                                        </p:attrNameLst>
+                                      </p:cBhvr>
+                                      <p:to>
+                                        <p:strVal val="visible"/>
+                                      </p:to>
+                                    </p:set>
+                                  </p:childTnLst>
+                                </p:cTn>
+                              </p:par>
+                            </p:childTnLst>
+                          </p:cTn>
+                        </p:par>
+                      </p:childTnLst>
+                    </p:cTn>
+                  </p:par>
+                  <p:par>
+                    <p:cTn id="19" fill="hold">
+                      <p:stCondLst>
+                        <p:cond delay="indefinite"/>
+                      </p:stCondLst>
+                      <p:childTnLst>
+                        <p:par>
+                          <p:cTn id="20" fill="hold">
+                            <p:stCondLst>
+                              <p:cond delay="0"/>
+                            </p:stCondLst>
+                            <p:childTnLst>
+                              <p:par>
+                                <p:cTn id="21" presetID="1" presetClass="entr" presetSubtype="0" fill="hold" nodeType="clickEffect">
+                                  <p:stCondLst>
+                                    <p:cond delay="0"/>
+                                  </p:stCondLst>
+                                  <p:childTnLst>
+                                    <p:set>
+                                      <p:cBhvr>
+                                        <p:cTn id="22" dur="1" fill="hold">
+                                          <p:stCondLst>
+                                            <p:cond delay="0"/>
+                                          </p:stCondLst>
+                                        </p:cTn>
+                                        <p:tgtEl>
+                                          <p:spTgt spid="26">
+                                            <p:txEl>
+                                              <p:pRg st="4" end="4"/>
+                                            </p:txEl>
+                                          </p:spTgt>
+                                        </p:tgtEl>
+                                        <p:attrNameLst>
+                                          <p:attrName>style.visibility</p:attrName>
+                                        </p:attrNameLst>
+                                      </p:cBhvr>
+                                      <p:to>
+                                        <p:strVal val="visible"/>
+                                      </p:to>
+                                    </p:set>
+                                  </p:childTnLst>
+                                </p:cTn>
+                              </p:par>
+                            </p:childTnLst>
+                          </p:cTn>
+                        </p:par>
+                      </p:childTnLst>
+                    </p:cTn>
+                  </p:par>
+                  <p:par>
+                    <p:cTn id="23" fill="hold">
+                      <p:stCondLst>
+                        <p:cond delay="indefinite"/>
+                      </p:stCondLst>
+                      <p:childTnLst>
+                        <p:par>
+                          <p:cTn id="24" fill="hold">
+                            <p:stCondLst>
+                              <p:cond delay="0"/>
+                            </p:stCondLst>
+                            <p:childTnLst>
+                              <p:par>
+                                <p:cTn id="25" presetID="1" presetClass="entr" presetSubtype="0" fill="hold" nodeType="clickEffect">
+                                  <p:stCondLst>
+                                    <p:cond delay="0"/>
+                                  </p:stCondLst>
+                                  <p:childTnLst>
+                                    <p:set>
+                                      <p:cBhvr>
+                                        <p:cTn id="26" dur="1" fill="hold">
+                                          <p:stCondLst>
+                                            <p:cond delay="0"/>
+                                          </p:stCondLst>
+                                        </p:cTn>
+                                        <p:tgtEl>
+                                          <p:spTgt spid="26">
+                                            <p:txEl>
+                                              <p:pRg st="5" end="5"/>
+                                            </p:txEl>
+                                          </p:spTgt>
+                                        </p:tgtEl>
+                                        <p:attrNameLst>
+                                          <p:attrName>style.visibility</p:attrName>
+                                        </p:attrNameLst>
+                                      </p:cBhvr>
+                                      <p:to>
+                                        <p:strVal val="visible"/>
+                                      </p:to>
+                                    </p:set>
+                                  </p:childTnLst>
+                                </p:cTn>
+                              </p:par>
+                            </p:childTnLst>
+                          </p:cTn>
+                        </p:par>
+                      </p:childTnLst>
+                    </p:cTn>
+                  </p:par>
+                  <p:par>
+                    <p:cTn id="27" fill="hold">
+                      <p:stCondLst>
+                        <p:cond delay="indefinite"/>
+                      </p:stCondLst>
+                      <p:childTnLst>
+                        <p:par>
+                          <p:cTn id="28" fill="hold">
+                            <p:stCondLst>
+                              <p:cond delay="0"/>
+                            </p:stCondLst>
+                            <p:childTnLst>
+                              <p:par>
+                                <p:cTn id="29" presetID="1" presetClass="entr" presetSubtype="0" fill="hold" nodeType="clickEffect">
+                                  <p:stCondLst>
+                                    <p:cond delay="0"/>
+                                  </p:stCondLst>
+                                  <p:childTnLst>
+                                    <p:set>
+                                      <p:cBhvr>
+                                        <p:cTn id="30" dur="1" fill="hold">
+                                          <p:stCondLst>
+                                            <p:cond delay="0"/>
+                                          </p:stCondLst>
+                                        </p:cTn>
+                                        <p:tgtEl>
+                                          <p:spTgt spid="26">
+                                            <p:txEl>
+                                              <p:pRg st="6" end="6"/>
+                                            </p:txEl>
+                                          </p:spTgt>
+                                        </p:tgtEl>
+                                        <p:attrNameLst>
+                                          <p:attrName>style.visibility</p:attrName>
+                                        </p:attrNameLst>
+                                      </p:cBhvr>
+                                      <p:to>
+                                        <p:strVal val="visible"/>
+                                      </p:to>
+                                    </p:set>
+                                  </p:childTnLst>
+                                </p:cTn>
+                              </p:par>
+                            </p:childTnLst>
+                          </p:cTn>
+                        </p:par>
+                      </p:childTnLst>
+                    </p:cTn>
+                  </p:par>
+                  <p:par>
+                    <p:cTn id="31" fill="hold">
+                      <p:stCondLst>
+                        <p:cond delay="indefinite"/>
+                      </p:stCondLst>
+                      <p:childTnLst>
+                        <p:par>
+                          <p:cTn id="32" fill="hold">
+                            <p:stCondLst>
+                              <p:cond delay="0"/>
+                            </p:stCondLst>
+                            <p:childTnLst>
+                              <p:par>
+                                <p:cTn id="33" presetID="1" presetClass="entr" presetSubtype="0" fill="hold" nodeType="clickEffect">
+                                  <p:stCondLst>
+                                    <p:cond delay="0"/>
+                                  </p:stCondLst>
+                                  <p:childTnLst>
+                                    <p:set>
+                                      <p:cBhvr>
+                                        <p:cTn id="34" dur="1" fill="hold">
+                                          <p:stCondLst>
+                                            <p:cond delay="0"/>
+                                          </p:stCondLst>
+                                        </p:cTn>
+                                        <p:tgtEl>
+                                          <p:spTgt spid="26">
+                                            <p:txEl>
+                                              <p:pRg st="7" end="7"/>
+                                            </p:txEl>
+                                          </p:spTgt>
+                                        </p:tgtEl>
+                                        <p:attrNameLst>
+                                          <p:attrName>style.visibility</p:attrName>
+                                        </p:attrNameLst>
+                                      </p:cBhvr>
+                                      <p:to>
+                                        <p:strVal val="visible"/>
+                                      </p:to>
+                                    </p:set>
+                                  </p:childTnLst>
+                                </p:cTn>
+                              </p:par>
+                            </p:childTnLst>
+                          </p:cTn>
+                        </p:par>
+                      </p:childTnLst>
+                    </p:cTn>
+                  </p:par>
+                  <p:par>
+                    <p:cTn id="35" fill="hold">
+                      <p:stCondLst>
+                        <p:cond delay="indefinite"/>
+                      </p:stCondLst>
+                      <p:childTnLst>
+                        <p:par>
+                          <p:cTn id="36" fill="hold">
+                            <p:stCondLst>
+                              <p:cond delay="0"/>
+                            </p:stCondLst>
+                            <p:childTnLst>
+                              <p:par>
+                                <p:cTn id="37" presetID="1" presetClass="entr" presetSubtype="0" fill="hold" nodeType="clickEffect">
+                                  <p:stCondLst>
+                                    <p:cond delay="0"/>
+                                  </p:stCondLst>
+                                  <p:childTnLst>
+                                    <p:set>
+                                      <p:cBhvr>
+                                        <p:cTn id="38" dur="1" fill="hold">
+                                          <p:stCondLst>
+                                            <p:cond delay="0"/>
+                                          </p:stCondLst>
+                                        </p:cTn>
+                                        <p:tgtEl>
+                                          <p:spTgt spid="3"/>
+                                        </p:tgtEl>
+                                        <p:attrNameLst>
+                                          <p:attrName>style.visibility</p:attrName>
+                                        </p:attrNameLst>
+                                      </p:cBhvr>
+                                      <p:to>
+                                        <p:strVal val="visible"/>
+                                      </p:to>
+                                    </p:set>
+                                  </p:childTnLst>
+                                </p:cTn>
+                              </p:par>
+                            </p:childTnLst>
+                          </p:cTn>
+                        </p:par>
+                      </p:childTnLst>
+                    </p:cTn>
+                  </p:par>
+                </p:childTnLst>
+              </p:cTn>
+              <p:prevCondLst>
+                <p:cond evt="onPrev" delay="0">
+                  <p:tgtEl>
+                    <p:sldTgt/>
+                  </p:tgtEl>
+                </p:cond>
+              </p:prevCondLst>
+              <p:nextCondLst>
+                <p:cond evt="onNext" delay="0">
+                  <p:tgtEl>
+                    <p:sldTgt/>
+                  </p:tgtEl>
+                </p:cond>
+              </p:nextCondLst>
+            </p:seq>
+          </p:childTnLst>
+        </p:cTn>
+      </p:par>
+    </p:tnLst>
+  </p:timing>
+</p:sld>
+</file>
+
+<file path=ppt/slides/slide11.xml><?xml version="1.0" encoding="utf-8"?>
+<p:sld xmlns:a="http://schemas.openxmlformats.org/drawingml/2006/main" xmlns:r="http://schemas.openxmlformats.org/officeDocument/2006/relationships" xmlns:p="http://schemas.openxmlformats.org/presentationml/2006/main">
+  <p:cSld>
+    <p:spTree>
+      <p:nvGrpSpPr>
+        <p:cNvPr id="1" name=""/>
+        <p:cNvGrpSpPr/>
+        <p:nvPr/>
+      </p:nvGrpSpPr>
+      <p:grpSpPr>
+        <a:xfrm>
+          <a:off x="0" y="0"/>
+          <a:ext cx="0" cy="0"/>
+          <a:chOff x="0" y="0"/>
+          <a:chExt cx="0" cy="0"/>
+        </a:xfrm>
+      </p:grpSpPr>
+      <p:sp>
+        <p:nvSpPr>
+          <p:cNvPr id="2" name="Title 1"/>
+          <p:cNvSpPr>
+            <a:spLocks noGrp="1"/>
+          </p:cNvSpPr>
+          <p:nvPr>
+            <p:ph type="title"/>
+          </p:nvPr>
+        </p:nvSpPr>
+        <p:spPr/>
+        <p:txBody>
+          <a:bodyPr/>
+          <a:lstStyle/>
+          <a:p>
+            <a:r>
+              <a:rPr lang="en-US" dirty="0"/>
+              <a:t>Questions &amp; Examples</a:t>
+            </a:r>
+          </a:p>
+        </p:txBody>
+      </p:sp>
+    </p:spTree>
+    <p:extLst>
+      <p:ext uri="{BB962C8B-B14F-4D97-AF65-F5344CB8AC3E}">
+        <p14:creationId xmlns:p14="http://schemas.microsoft.com/office/powerpoint/2010/main" val="142855638"/>
+      </p:ext>
+    </p:extLst>
+  </p:cSld>
+  <p:clrMapOvr>
+    <a:masterClrMapping/>
+  </p:clrMapOvr>
+</p:sld>
+</file>
+
+<file path=ppt/slides/slide2.xml><?xml version="1.0" encoding="utf-8"?>
+<p:sld xmlns:a="http://schemas.openxmlformats.org/drawingml/2006/main" xmlns:r="http://schemas.openxmlformats.org/officeDocument/2006/relationships" xmlns:p="http://schemas.openxmlformats.org/presentationml/2006/main">
+  <p:cSld>
+    <p:spTree>
+      <p:nvGrpSpPr>
+        <p:cNvPr id="1" name=""/>
+        <p:cNvGrpSpPr/>
+        <p:nvPr/>
+      </p:nvGrpSpPr>
+      <p:grpSpPr>
+        <a:xfrm>
+          <a:off x="0" y="0"/>
+          <a:ext cx="0" cy="0"/>
+          <a:chOff x="0" y="0"/>
+          <a:chExt cx="0" cy="0"/>
+        </a:xfrm>
+      </p:grpSpPr>
+      <p:sp>
+        <p:nvSpPr>
+          <p:cNvPr id="2" name="Title 1"/>
+          <p:cNvSpPr>
+            <a:spLocks noGrp="1"/>
+          </p:cNvSpPr>
+          <p:nvPr>
+            <p:ph type="title"/>
+          </p:nvPr>
+        </p:nvSpPr>
+        <p:spPr/>
+        <p:txBody>
+          <a:bodyPr/>
+          <a:lstStyle/>
+          <a:p>
+            <a:r>
+              <a:rPr lang="en-US" dirty="0"/>
+              <a:t>Agenda</a:t>
+            </a:r>
+          </a:p>
+        </p:txBody>
+      </p:sp>
+      <p:sp>
+        <p:nvSpPr>
+          <p:cNvPr id="3" name="Content Placeholder 2"/>
+          <p:cNvSpPr>
+            <a:spLocks noGrp="1"/>
+          </p:cNvSpPr>
+          <p:nvPr>
+            <p:ph idx="1"/>
+          </p:nvPr>
+        </p:nvSpPr>
+        <p:spPr/>
+        <p:txBody>
+          <a:bodyPr>
+            <a:normAutofit lnSpcReduction="10000"/>
+          </a:bodyPr>
+          <a:lstStyle/>
+          <a:p>
+            <a:r>
+              <a:rPr lang="en-US" dirty="0"/>
+              <a:t>Introduction</a:t>
+            </a:r>
+          </a:p>
+          <a:p>
+            <a:r>
+              <a:rPr lang="en-US" dirty="0"/>
+              <a:t>Course Goals</a:t>
+            </a:r>
+          </a:p>
+          <a:p>
+            <a:r>
+              <a:rPr lang="en-US" dirty="0"/>
+              <a:t>Innovation</a:t>
+            </a:r>
+          </a:p>
+          <a:p>
+            <a:r>
+              <a:rPr lang="en-US" dirty="0"/>
+              <a:t>Development Environment</a:t>
+            </a:r>
+          </a:p>
+          <a:p>
+            <a:r>
+              <a:rPr lang="en-US" dirty="0"/>
+              <a:t>Coding Tools</a:t>
+            </a:r>
+          </a:p>
+          <a:p>
+            <a:r>
+              <a:rPr lang="en-US" dirty="0"/>
+              <a:t>Programming Basics</a:t>
+            </a:r>
+          </a:p>
+          <a:p>
+            <a:r>
+              <a:rPr lang="en-US" dirty="0"/>
+              <a:t>Functions</a:t>
+            </a:r>
+          </a:p>
+          <a:p>
+            <a:r>
+              <a:rPr lang="en-US" dirty="0"/>
               <a:t>Flow Control</a:t>
             </a:r>
+          </a:p>
+          <a:p>
+            <a:r>
+              <a:rPr lang="en-US" dirty="0"/>
+              <a:t>Questions &amp; Examples</a:t>
+            </a:r>
+          </a:p>
+        </p:txBody>
+      </p:sp>
+    </p:spTree>
+    <p:extLst>
+      <p:ext uri="{BB962C8B-B14F-4D97-AF65-F5344CB8AC3E}">
+        <p14:creationId xmlns:p14="http://schemas.microsoft.com/office/powerpoint/2010/main" val="3001369235"/>
+      </p:ext>
+    </p:extLst>
+  </p:cSld>
+  <p:clrMapOvr>
+    <a:masterClrMapping/>
+  </p:clrMapOvr>
+</p:sld>
+</file>
+
+<file path=ppt/slides/slide3.xml><?xml version="1.0" encoding="utf-8"?>
+<p:sld xmlns:a="http://schemas.openxmlformats.org/drawingml/2006/main" xmlns:r="http://schemas.openxmlformats.org/officeDocument/2006/relationships" xmlns:p="http://schemas.openxmlformats.org/presentationml/2006/main">
+  <p:cSld>
+    <p:spTree>
+      <p:nvGrpSpPr>
+        <p:cNvPr id="1" name=""/>
+        <p:cNvGrpSpPr/>
+        <p:nvPr/>
+      </p:nvGrpSpPr>
+      <p:grpSpPr>
+        <a:xfrm>
+          <a:off x="0" y="0"/>
+          <a:ext cx="0" cy="0"/>
+          <a:chOff x="0" y="0"/>
+          <a:chExt cx="0" cy="0"/>
+        </a:xfrm>
+      </p:grpSpPr>
+      <p:sp>
+        <p:nvSpPr>
+          <p:cNvPr id="2" name="Title 1"/>
+          <p:cNvSpPr>
+            <a:spLocks noGrp="1"/>
+          </p:cNvSpPr>
+          <p:nvPr>
+            <p:ph type="title"/>
+          </p:nvPr>
+        </p:nvSpPr>
+        <p:spPr/>
+        <p:txBody>
+          <a:bodyPr/>
+          <a:lstStyle/>
+          <a:p>
+            <a:r>
+              <a:rPr lang="en-US" dirty="0"/>
+              <a:t>Course Goals</a:t>
+            </a:r>
+          </a:p>
+        </p:txBody>
+      </p:sp>
+      <p:sp>
+        <p:nvSpPr>
+          <p:cNvPr id="3" name="Content Placeholder 2"/>
+          <p:cNvSpPr>
+            <a:spLocks noGrp="1"/>
+          </p:cNvSpPr>
+          <p:nvPr>
+            <p:ph idx="1"/>
+          </p:nvPr>
+        </p:nvSpPr>
+        <p:spPr/>
+        <p:txBody>
+          <a:bodyPr/>
+          <a:lstStyle/>
+          <a:p>
+            <a:r>
+              <a:rPr lang="en-US" dirty="0"/>
+              <a:t>Achieve an understanding of programming basics.</a:t>
+            </a:r>
+          </a:p>
+          <a:p>
+            <a:r>
+              <a:rPr lang="en-US" dirty="0"/>
+              <a:t>Learn to identify automatable processes.</a:t>
+            </a:r>
+          </a:p>
+          <a:p>
+            <a:r>
+              <a:rPr lang="en-US" dirty="0"/>
+              <a:t>Develop a recipe book for working with data.</a:t>
+            </a:r>
+          </a:p>
+          <a:p>
+            <a:r>
+              <a:rPr lang="en-US" dirty="0"/>
+              <a:t>Build curiosity.</a:t>
+            </a:r>
+          </a:p>
+          <a:p>
+            <a:endParaRPr lang="en-US" b="1" i="1" u="sng" dirty="0"/>
+          </a:p>
+          <a:p>
             <a:endParaRPr lang="en-US" dirty="0"/>
+          </a:p>
+        </p:txBody>
+      </p:sp>
+    </p:spTree>
+    <p:extLst>
+      <p:ext uri="{BB962C8B-B14F-4D97-AF65-F5344CB8AC3E}">
+        <p14:creationId xmlns:p14="http://schemas.microsoft.com/office/powerpoint/2010/main" val="1662356381"/>
+      </p:ext>
+    </p:extLst>
+  </p:cSld>
+  <p:clrMapOvr>
+    <a:masterClrMapping/>
+  </p:clrMapOvr>
+  <p:timing>
+    <p:tnLst>
+      <p:par>
+        <p:cTn id="1" dur="indefinite" restart="never" nodeType="tmRoot">
+          <p:childTnLst>
+            <p:seq concurrent="1" nextAc="seek">
+              <p:cTn id="2" dur="indefinite" nodeType="mainSeq">
+                <p:childTnLst>
+                  <p:par>
+                    <p:cTn id="3" fill="hold">
+                      <p:stCondLst>
+                        <p:cond delay="indefinite"/>
+                      </p:stCondLst>
+                      <p:childTnLst>
+                        <p:par>
+                          <p:cTn id="4" fill="hold">
+                            <p:stCondLst>
+                              <p:cond delay="0"/>
+                            </p:stCondLst>
+                            <p:childTnLst>
+                              <p:par>
+                                <p:cTn id="5" presetID="1" presetClass="entr" presetSubtype="0" fill="hold" nodeType="clickEffect">
+                                  <p:stCondLst>
+                                    <p:cond delay="0"/>
+                                  </p:stCondLst>
+                                  <p:childTnLst>
+                                    <p:set>
+                                      <p:cBhvr>
+                                        <p:cTn id="6" dur="1" fill="hold">
+                                          <p:stCondLst>
+                                            <p:cond delay="0"/>
+                                          </p:stCondLst>
+                                        </p:cTn>
+                                        <p:tgtEl>
+                                          <p:spTgt spid="3">
+                                            <p:txEl>
+                                              <p:pRg st="0" end="0"/>
+                                            </p:txEl>
+                                          </p:spTgt>
+                                        </p:tgtEl>
+                                        <p:attrNameLst>
+                                          <p:attrName>style.visibility</p:attrName>
+                                        </p:attrNameLst>
+                                      </p:cBhvr>
+                                      <p:to>
+                                        <p:strVal val="visible"/>
+                                      </p:to>
+                                    </p:set>
+                                  </p:childTnLst>
+                                </p:cTn>
+                              </p:par>
+                            </p:childTnLst>
+                          </p:cTn>
+                        </p:par>
+                      </p:childTnLst>
+                    </p:cTn>
+                  </p:par>
+                  <p:par>
+                    <p:cTn id="7" fill="hold">
+                      <p:stCondLst>
+                        <p:cond delay="indefinite"/>
+                      </p:stCondLst>
+                      <p:childTnLst>
+                        <p:par>
+                          <p:cTn id="8" fill="hold">
+                            <p:stCondLst>
+                              <p:cond delay="0"/>
+                            </p:stCondLst>
+                            <p:childTnLst>
+                              <p:par>
+                                <p:cTn id="9" presetID="1" presetClass="entr" presetSubtype="0" fill="hold" nodeType="clickEffect">
+                                  <p:stCondLst>
+                                    <p:cond delay="0"/>
+                                  </p:stCondLst>
+                                  <p:childTnLst>
+                                    <p:set>
+                                      <p:cBhvr>
+                                        <p:cTn id="10" dur="1" fill="hold">
+                                          <p:stCondLst>
+                                            <p:cond delay="0"/>
+                                          </p:stCondLst>
+                                        </p:cTn>
+                                        <p:tgtEl>
+                                          <p:spTgt spid="3">
+                                            <p:txEl>
+                                              <p:pRg st="1" end="1"/>
+                                            </p:txEl>
+                                          </p:spTgt>
+                                        </p:tgtEl>
+                                        <p:attrNameLst>
+                                          <p:attrName>style.visibility</p:attrName>
+                                        </p:attrNameLst>
+                                      </p:cBhvr>
+                                      <p:to>
+                                        <p:strVal val="visible"/>
+                                      </p:to>
+                                    </p:set>
+                                  </p:childTnLst>
+                                </p:cTn>
+                              </p:par>
+                            </p:childTnLst>
+                          </p:cTn>
+                        </p:par>
+                      </p:childTnLst>
+                    </p:cTn>
+                  </p:par>
+                  <p:par>
+                    <p:cTn id="11" fill="hold">
+                      <p:stCondLst>
+                        <p:cond delay="indefinite"/>
+                      </p:stCondLst>
+                      <p:childTnLst>
+                        <p:par>
+                          <p:cTn id="12" fill="hold">
+                            <p:stCondLst>
+                              <p:cond delay="0"/>
+                            </p:stCondLst>
+                            <p:childTnLst>
+                              <p:par>
+                                <p:cTn id="13" presetID="1" presetClass="entr" presetSubtype="0" fill="hold" nodeType="clickEffect">
+                                  <p:stCondLst>
+                                    <p:cond delay="0"/>
+                                  </p:stCondLst>
+                                  <p:childTnLst>
+                                    <p:set>
+                                      <p:cBhvr>
+                                        <p:cTn id="14" dur="1" fill="hold">
+                                          <p:stCondLst>
+                                            <p:cond delay="0"/>
+                                          </p:stCondLst>
+                                        </p:cTn>
+                                        <p:tgtEl>
+                                          <p:spTgt spid="3">
+                                            <p:txEl>
+                                              <p:pRg st="2" end="2"/>
+                                            </p:txEl>
+                                          </p:spTgt>
+                                        </p:tgtEl>
+                                        <p:attrNameLst>
+                                          <p:attrName>style.visibility</p:attrName>
+                                        </p:attrNameLst>
+                                      </p:cBhvr>
+                                      <p:to>
+                                        <p:strVal val="visible"/>
+                                      </p:to>
+                                    </p:set>
+                                  </p:childTnLst>
+                                </p:cTn>
+                              </p:par>
+                            </p:childTnLst>
+                          </p:cTn>
+                        </p:par>
+                      </p:childTnLst>
+                    </p:cTn>
+                  </p:par>
+                  <p:par>
+                    <p:cTn id="15" fill="hold">
+                      <p:stCondLst>
+                        <p:cond delay="indefinite"/>
+                      </p:stCondLst>
+                      <p:childTnLst>
+                        <p:par>
+                          <p:cTn id="16" fill="hold">
+                            <p:stCondLst>
+                              <p:cond delay="0"/>
+                            </p:stCondLst>
+                            <p:childTnLst>
+                              <p:par>
+                                <p:cTn id="17" presetID="1" presetClass="entr" presetSubtype="0" fill="hold" nodeType="clickEffect">
+                                  <p:stCondLst>
+                                    <p:cond delay="0"/>
+                                  </p:stCondLst>
+                                  <p:childTnLst>
+                                    <p:set>
+                                      <p:cBhvr>
+                                        <p:cTn id="18" dur="1" fill="hold">
+                                          <p:stCondLst>
+                                            <p:cond delay="0"/>
+                                          </p:stCondLst>
+                                        </p:cTn>
+                                        <p:tgtEl>
+                                          <p:spTgt spid="3">
+                                            <p:txEl>
+                                              <p:pRg st="3" end="3"/>
+                                            </p:txEl>
+                                          </p:spTgt>
+                                        </p:tgtEl>
+                                        <p:attrNameLst>
+                                          <p:attrName>style.visibility</p:attrName>
+                                        </p:attrNameLst>
+                                      </p:cBhvr>
+                                      <p:to>
+                                        <p:strVal val="visible"/>
+                                      </p:to>
+                                    </p:set>
+                                  </p:childTnLst>
+                                </p:cTn>
+                              </p:par>
+                            </p:childTnLst>
+                          </p:cTn>
+                        </p:par>
+                      </p:childTnLst>
+                    </p:cTn>
+                  </p:par>
+                </p:childTnLst>
+              </p:cTn>
+              <p:prevCondLst>
+                <p:cond evt="onPrev" delay="0">
+                  <p:tgtEl>
+                    <p:sldTgt/>
+                  </p:tgtEl>
+                </p:cond>
+              </p:prevCondLst>
+              <p:nextCondLst>
+                <p:cond evt="onNext" delay="0">
+                  <p:tgtEl>
+                    <p:sldTgt/>
+                  </p:tgtEl>
+                </p:cond>
+              </p:nextCondLst>
+            </p:seq>
+          </p:childTnLst>
+        </p:cTn>
+      </p:par>
+    </p:tnLst>
+  </p:timing>
+</p:sld>
+</file>
+
+<file path=ppt/slides/slide4.xml><?xml version="1.0" encoding="utf-8"?>
+<p:sld xmlns:a="http://schemas.openxmlformats.org/drawingml/2006/main" xmlns:r="http://schemas.openxmlformats.org/officeDocument/2006/relationships" xmlns:p="http://schemas.openxmlformats.org/presentationml/2006/main">
+  <p:cSld>
+    <p:spTree>
+      <p:nvGrpSpPr>
+        <p:cNvPr id="1" name=""/>
+        <p:cNvGrpSpPr/>
+        <p:nvPr/>
+      </p:nvGrpSpPr>
+      <p:grpSpPr>
+        <a:xfrm>
+          <a:off x="0" y="0"/>
+          <a:ext cx="0" cy="0"/>
+          <a:chOff x="0" y="0"/>
+          <a:chExt cx="0" cy="0"/>
+        </a:xfrm>
+      </p:grpSpPr>
+      <p:sp>
+        <p:nvSpPr>
+          <p:cNvPr id="2" name="Title 1"/>
+          <p:cNvSpPr>
+            <a:spLocks noGrp="1"/>
+          </p:cNvSpPr>
+          <p:nvPr>
+            <p:ph type="title"/>
+          </p:nvPr>
+        </p:nvSpPr>
+        <p:spPr/>
+        <p:txBody>
+          <a:bodyPr/>
+          <a:lstStyle/>
+          <a:p>
+            <a:r>
+              <a:rPr lang="en-US" dirty="0"/>
+              <a:t>Innovation</a:t>
+            </a:r>
+          </a:p>
+        </p:txBody>
+      </p:sp>
+      <p:sp>
+        <p:nvSpPr>
+          <p:cNvPr id="3" name="Content Placeholder 2"/>
+          <p:cNvSpPr>
+            <a:spLocks noGrp="1"/>
+          </p:cNvSpPr>
+          <p:nvPr>
+            <p:ph idx="1"/>
+          </p:nvPr>
+        </p:nvSpPr>
+        <p:spPr/>
+        <p:txBody>
+          <a:bodyPr/>
+          <a:lstStyle/>
+          <a:p>
+            <a:r>
+              <a:rPr lang="en-US" dirty="0"/>
+              <a:t>What drives innovation at a company like UPS?</a:t>
+            </a:r>
+          </a:p>
+          <a:p>
+            <a:r>
+              <a:rPr lang="en-US" dirty="0"/>
+              <a:t>What </a:t>
+            </a:r>
+            <a:r>
+              <a:rPr lang="en-US" b="1" i="1" u="sng" dirty="0"/>
+              <a:t>should</a:t>
+            </a:r>
+            <a:r>
+              <a:rPr lang="en-US" dirty="0"/>
+              <a:t> drive innovation at UPS?</a:t>
+            </a:r>
+          </a:p>
+          <a:p>
+            <a:endParaRPr lang="en-US" b="1" i="1" u="sng" dirty="0"/>
+          </a:p>
+          <a:p>
+            <a:endParaRPr lang="en-US" dirty="0"/>
+          </a:p>
+        </p:txBody>
+      </p:sp>
+    </p:spTree>
+    <p:extLst>
+      <p:ext uri="{BB962C8B-B14F-4D97-AF65-F5344CB8AC3E}">
+        <p14:creationId xmlns:p14="http://schemas.microsoft.com/office/powerpoint/2010/main" val="2830499643"/>
+      </p:ext>
+    </p:extLst>
+  </p:cSld>
+  <p:clrMapOvr>
+    <a:masterClrMapping/>
+  </p:clrMapOvr>
+  <p:timing>
+    <p:tnLst>
+      <p:par>
+        <p:cTn id="1" dur="indefinite" restart="never" nodeType="tmRoot">
+          <p:childTnLst>
+            <p:seq concurrent="1" nextAc="seek">
+              <p:cTn id="2" dur="indefinite" nodeType="mainSeq">
+                <p:childTnLst>
+                  <p:par>
+                    <p:cTn id="3" fill="hold">
+                      <p:stCondLst>
+                        <p:cond delay="indefinite"/>
+                      </p:stCondLst>
+                      <p:childTnLst>
+                        <p:par>
+                          <p:cTn id="4" fill="hold">
+                            <p:stCondLst>
+                              <p:cond delay="0"/>
+                            </p:stCondLst>
+                            <p:childTnLst>
+                              <p:par>
+                                <p:cTn id="5" presetID="1" presetClass="entr" presetSubtype="0" fill="hold" nodeType="clickEffect">
+                                  <p:stCondLst>
+                                    <p:cond delay="0"/>
+                                  </p:stCondLst>
+                                  <p:childTnLst>
+                                    <p:set>
+                                      <p:cBhvr>
+                                        <p:cTn id="6" dur="1" fill="hold">
+                                          <p:stCondLst>
+                                            <p:cond delay="0"/>
+                                          </p:stCondLst>
+                                        </p:cTn>
+                                        <p:tgtEl>
+                                          <p:spTgt spid="3">
+                                            <p:txEl>
+                                              <p:pRg st="0" end="0"/>
+                                            </p:txEl>
+                                          </p:spTgt>
+                                        </p:tgtEl>
+                                        <p:attrNameLst>
+                                          <p:attrName>style.visibility</p:attrName>
+                                        </p:attrNameLst>
+                                      </p:cBhvr>
+                                      <p:to>
+                                        <p:strVal val="visible"/>
+                                      </p:to>
+                                    </p:set>
+                                  </p:childTnLst>
+                                </p:cTn>
+                              </p:par>
+                            </p:childTnLst>
+                          </p:cTn>
+                        </p:par>
+                      </p:childTnLst>
+                    </p:cTn>
+                  </p:par>
+                  <p:par>
+                    <p:cTn id="7" fill="hold">
+                      <p:stCondLst>
+                        <p:cond delay="indefinite"/>
+                      </p:stCondLst>
+                      <p:childTnLst>
+                        <p:par>
+                          <p:cTn id="8" fill="hold">
+                            <p:stCondLst>
+                              <p:cond delay="0"/>
+                            </p:stCondLst>
+                            <p:childTnLst>
+                              <p:par>
+                                <p:cTn id="9" presetID="1" presetClass="entr" presetSubtype="0" fill="hold" nodeType="clickEffect">
+                                  <p:stCondLst>
+                                    <p:cond delay="0"/>
+                                  </p:stCondLst>
+                                  <p:childTnLst>
+                                    <p:set>
+                                      <p:cBhvr>
+                                        <p:cTn id="10" dur="1" fill="hold">
+                                          <p:stCondLst>
+                                            <p:cond delay="0"/>
+                                          </p:stCondLst>
+                                        </p:cTn>
+                                        <p:tgtEl>
+                                          <p:spTgt spid="3">
+                                            <p:txEl>
+                                              <p:pRg st="1" end="1"/>
+                                            </p:txEl>
+                                          </p:spTgt>
+                                        </p:tgtEl>
+                                        <p:attrNameLst>
+                                          <p:attrName>style.visibility</p:attrName>
+                                        </p:attrNameLst>
+                                      </p:cBhvr>
+                                      <p:to>
+                                        <p:strVal val="visible"/>
+                                      </p:to>
+                                    </p:set>
+                                  </p:childTnLst>
+                                </p:cTn>
+                              </p:par>
+                            </p:childTnLst>
+                          </p:cTn>
+                        </p:par>
+                      </p:childTnLst>
+                    </p:cTn>
+                  </p:par>
+                </p:childTnLst>
+              </p:cTn>
+              <p:prevCondLst>
+                <p:cond evt="onPrev" delay="0">
+                  <p:tgtEl>
+                    <p:sldTgt/>
+                  </p:tgtEl>
+                </p:cond>
+              </p:prevCondLst>
+              <p:nextCondLst>
+                <p:cond evt="onNext" delay="0">
+                  <p:tgtEl>
+                    <p:sldTgt/>
+                  </p:tgtEl>
+                </p:cond>
+              </p:nextCondLst>
+            </p:seq>
+          </p:childTnLst>
+        </p:cTn>
+      </p:par>
+    </p:tnLst>
+  </p:timing>
+</p:sld>
+</file>
+
+<file path=ppt/slides/slide5.xml><?xml version="1.0" encoding="utf-8"?>
+<p:sld xmlns:a="http://schemas.openxmlformats.org/drawingml/2006/main" xmlns:r="http://schemas.openxmlformats.org/officeDocument/2006/relationships" xmlns:p="http://schemas.openxmlformats.org/presentationml/2006/main">
+  <p:cSld>
+    <p:spTree>
+      <p:nvGrpSpPr>
+        <p:cNvPr id="1" name=""/>
+        <p:cNvGrpSpPr/>
+        <p:nvPr/>
+      </p:nvGrpSpPr>
+      <p:grpSpPr>
+        <a:xfrm>
+          <a:off x="0" y="0"/>
+          <a:ext cx="0" cy="0"/>
+          <a:chOff x="0" y="0"/>
+          <a:chExt cx="0" cy="0"/>
+        </a:xfrm>
+      </p:grpSpPr>
+      <p:sp>
+        <p:nvSpPr>
+          <p:cNvPr id="2" name="Title 1"/>
+          <p:cNvSpPr>
+            <a:spLocks noGrp="1"/>
+          </p:cNvSpPr>
+          <p:nvPr>
+            <p:ph type="title"/>
+          </p:nvPr>
+        </p:nvSpPr>
+        <p:spPr/>
+        <p:txBody>
+          <a:bodyPr/>
+          <a:lstStyle/>
+          <a:p>
+            <a:r>
+              <a:rPr lang="en-US" dirty="0"/>
+              <a:t>Development Environment</a:t>
+            </a:r>
+          </a:p>
+        </p:txBody>
+      </p:sp>
+      <p:sp>
+        <p:nvSpPr>
+          <p:cNvPr id="3" name="Content Placeholder 2"/>
+          <p:cNvSpPr>
+            <a:spLocks noGrp="1"/>
+          </p:cNvSpPr>
+          <p:nvPr>
+            <p:ph idx="1"/>
+          </p:nvPr>
+        </p:nvSpPr>
+        <p:spPr/>
+        <p:txBody>
+          <a:bodyPr/>
+          <a:lstStyle/>
+          <a:p>
+            <a:r>
+              <a:rPr lang="en-US" dirty="0"/>
+              <a:t>What is a development environment?</a:t>
+            </a:r>
+          </a:p>
+          <a:p>
+            <a:pPr lvl="1"/>
+            <a:r>
+              <a:rPr lang="en-US" dirty="0"/>
+              <a:t>Tools, programs, and computer settings needed to create software.</a:t>
+            </a:r>
+          </a:p>
+          <a:p>
+            <a:r>
+              <a:rPr lang="en-US" dirty="0"/>
+              <a:t>Setting up your “</a:t>
+            </a:r>
+            <a:r>
+              <a:rPr lang="en-US" dirty="0" err="1"/>
+              <a:t>dev</a:t>
+            </a:r>
+            <a:r>
+              <a:rPr lang="en-US" dirty="0"/>
+              <a:t>” environment is one of the more complex (annoying) aspects of programming – even though it should be simple.</a:t>
+            </a:r>
+          </a:p>
+          <a:p>
+            <a:endParaRPr lang="en-US" dirty="0"/>
+          </a:p>
+        </p:txBody>
+      </p:sp>
+    </p:spTree>
+    <p:extLst>
+      <p:ext uri="{BB962C8B-B14F-4D97-AF65-F5344CB8AC3E}">
+        <p14:creationId xmlns:p14="http://schemas.microsoft.com/office/powerpoint/2010/main" val="3189952663"/>
+      </p:ext>
+    </p:extLst>
+  </p:cSld>
+  <p:clrMapOvr>
+    <a:masterClrMapping/>
+  </p:clrMapOvr>
+  <p:timing>
+    <p:tnLst>
+      <p:par>
+        <p:cTn id="1" dur="indefinite" restart="never" nodeType="tmRoot">
+          <p:childTnLst>
+            <p:seq concurrent="1" nextAc="seek">
+              <p:cTn id="2" dur="indefinite" nodeType="mainSeq">
+                <p:childTnLst>
+                  <p:par>
+                    <p:cTn id="3" fill="hold">
+                      <p:stCondLst>
+                        <p:cond delay="indefinite"/>
+                      </p:stCondLst>
+                      <p:childTnLst>
+                        <p:par>
+                          <p:cTn id="4" fill="hold">
+                            <p:stCondLst>
+                              <p:cond delay="0"/>
+                            </p:stCondLst>
+                            <p:childTnLst>
+                              <p:par>
+                                <p:cTn id="5" presetID="1" presetClass="entr" presetSubtype="0" fill="hold" nodeType="clickEffect">
+                                  <p:stCondLst>
+                                    <p:cond delay="0"/>
+                                  </p:stCondLst>
+                                  <p:childTnLst>
+                                    <p:set>
+                                      <p:cBhvr>
+                                        <p:cTn id="6" dur="1" fill="hold">
+                                          <p:stCondLst>
+                                            <p:cond delay="0"/>
+                                          </p:stCondLst>
+                                        </p:cTn>
+                                        <p:tgtEl>
+                                          <p:spTgt spid="3">
+                                            <p:txEl>
+                                              <p:pRg st="0" end="0"/>
+                                            </p:txEl>
+                                          </p:spTgt>
+                                        </p:tgtEl>
+                                        <p:attrNameLst>
+                                          <p:attrName>style.visibility</p:attrName>
+                                        </p:attrNameLst>
+                                      </p:cBhvr>
+                                      <p:to>
+                                        <p:strVal val="visible"/>
+                                      </p:to>
+                                    </p:set>
+                                  </p:childTnLst>
+                                </p:cTn>
+                              </p:par>
+                            </p:childTnLst>
+                          </p:cTn>
+                        </p:par>
+                      </p:childTnLst>
+                    </p:cTn>
+                  </p:par>
+                  <p:par>
+                    <p:cTn id="7" fill="hold">
+                      <p:stCondLst>
+                        <p:cond delay="indefinite"/>
+                      </p:stCondLst>
+                      <p:childTnLst>
+                        <p:par>
+                          <p:cTn id="8" fill="hold">
+                            <p:stCondLst>
+                              <p:cond delay="0"/>
+                            </p:stCondLst>
+                            <p:childTnLst>
+                              <p:par>
+                                <p:cTn id="9" presetID="1" presetClass="entr" presetSubtype="0" fill="hold" nodeType="clickEffect">
+                                  <p:stCondLst>
+                                    <p:cond delay="0"/>
+                                  </p:stCondLst>
+                                  <p:childTnLst>
+                                    <p:set>
+                                      <p:cBhvr>
+                                        <p:cTn id="10" dur="1" fill="hold">
+                                          <p:stCondLst>
+                                            <p:cond delay="0"/>
+                                          </p:stCondLst>
+                                        </p:cTn>
+                                        <p:tgtEl>
+                                          <p:spTgt spid="3">
+                                            <p:txEl>
+                                              <p:pRg st="1" end="1"/>
+                                            </p:txEl>
+                                          </p:spTgt>
+                                        </p:tgtEl>
+                                        <p:attrNameLst>
+                                          <p:attrName>style.visibility</p:attrName>
+                                        </p:attrNameLst>
+                                      </p:cBhvr>
+                                      <p:to>
+                                        <p:strVal val="visible"/>
+                                      </p:to>
+                                    </p:set>
+                                  </p:childTnLst>
+                                </p:cTn>
+                              </p:par>
+                            </p:childTnLst>
+                          </p:cTn>
+                        </p:par>
+                      </p:childTnLst>
+                    </p:cTn>
+                  </p:par>
+                  <p:par>
+                    <p:cTn id="11" fill="hold">
+                      <p:stCondLst>
+                        <p:cond delay="indefinite"/>
+                      </p:stCondLst>
+                      <p:childTnLst>
+                        <p:par>
+                          <p:cTn id="12" fill="hold">
+                            <p:stCondLst>
+                              <p:cond delay="0"/>
+                            </p:stCondLst>
+                            <p:childTnLst>
+                              <p:par>
+                                <p:cTn id="13" presetID="1" presetClass="entr" presetSubtype="0" fill="hold" nodeType="clickEffect">
+                                  <p:stCondLst>
+                                    <p:cond delay="0"/>
+                                  </p:stCondLst>
+                                  <p:childTnLst>
+                                    <p:set>
+                                      <p:cBhvr>
+                                        <p:cTn id="14" dur="1" fill="hold">
+                                          <p:stCondLst>
+                                            <p:cond delay="0"/>
+                                          </p:stCondLst>
+                                        </p:cTn>
+                                        <p:tgtEl>
+                                          <p:spTgt spid="3">
+                                            <p:txEl>
+                                              <p:pRg st="2" end="2"/>
+                                            </p:txEl>
+                                          </p:spTgt>
+                                        </p:tgtEl>
+                                        <p:attrNameLst>
+                                          <p:attrName>style.visibility</p:attrName>
+                                        </p:attrNameLst>
+                                      </p:cBhvr>
+                                      <p:to>
+                                        <p:strVal val="visible"/>
+                                      </p:to>
+                                    </p:set>
+                                  </p:childTnLst>
+                                </p:cTn>
+                              </p:par>
+                            </p:childTnLst>
+                          </p:cTn>
+                        </p:par>
+                      </p:childTnLst>
+                    </p:cTn>
+                  </p:par>
+                </p:childTnLst>
+              </p:cTn>
+              <p:prevCondLst>
+                <p:cond evt="onPrev" delay="0">
+                  <p:tgtEl>
+                    <p:sldTgt/>
+                  </p:tgtEl>
+                </p:cond>
+              </p:prevCondLst>
+              <p:nextCondLst>
+                <p:cond evt="onNext" delay="0">
+                  <p:tgtEl>
+                    <p:sldTgt/>
+                  </p:tgtEl>
+                </p:cond>
+              </p:nextCondLst>
+            </p:seq>
+          </p:childTnLst>
+        </p:cTn>
+      </p:par>
+    </p:tnLst>
+  </p:timing>
+</p:sld>
+</file>
+
+<file path=ppt/slides/slide6.xml><?xml version="1.0" encoding="utf-8"?>
+<p:sld xmlns:a="http://schemas.openxmlformats.org/drawingml/2006/main" xmlns:r="http://schemas.openxmlformats.org/officeDocument/2006/relationships" xmlns:p="http://schemas.openxmlformats.org/presentationml/2006/main">
+  <p:cSld>
+    <p:spTree>
+      <p:nvGrpSpPr>
+        <p:cNvPr id="1" name=""/>
+        <p:cNvGrpSpPr/>
+        <p:nvPr/>
+      </p:nvGrpSpPr>
+      <p:grpSpPr>
+        <a:xfrm>
+          <a:off x="0" y="0"/>
+          <a:ext cx="0" cy="0"/>
+          <a:chOff x="0" y="0"/>
+          <a:chExt cx="0" cy="0"/>
+        </a:xfrm>
+      </p:grpSpPr>
+      <p:sp>
+        <p:nvSpPr>
+          <p:cNvPr id="2" name="Title 1"/>
+          <p:cNvSpPr>
+            <a:spLocks noGrp="1"/>
+          </p:cNvSpPr>
+          <p:nvPr>
+            <p:ph type="title"/>
+          </p:nvPr>
+        </p:nvSpPr>
+        <p:spPr/>
+        <p:txBody>
+          <a:bodyPr/>
+          <a:lstStyle/>
+          <a:p>
+            <a:r>
+              <a:rPr lang="en-US" dirty="0"/>
+              <a:t>Coding Tools</a:t>
+            </a:r>
+          </a:p>
+        </p:txBody>
+      </p:sp>
+      <p:sp>
+        <p:nvSpPr>
+          <p:cNvPr id="3" name="Content Placeholder 2"/>
+          <p:cNvSpPr>
+            <a:spLocks noGrp="1"/>
+          </p:cNvSpPr>
+          <p:nvPr>
+            <p:ph idx="1"/>
+          </p:nvPr>
+        </p:nvSpPr>
+        <p:spPr/>
+        <p:txBody>
+          <a:bodyPr/>
+          <a:lstStyle/>
+          <a:p>
+            <a:r>
+              <a:rPr lang="en-US" dirty="0"/>
+              <a:t>Python –  an easy-to-use programming language that can do simple automation as well as incredibly advanced AI projects.</a:t>
+            </a:r>
+          </a:p>
+          <a:p>
+            <a:r>
+              <a:rPr lang="en-US" dirty="0" err="1"/>
+              <a:t>Jupyter</a:t>
+            </a:r>
+            <a:r>
+              <a:rPr lang="en-US" dirty="0"/>
+              <a:t> Notebook – a tool which allows us to mix human-readable information with executable code and visualizations. </a:t>
+            </a:r>
+          </a:p>
+          <a:p>
+            <a:endParaRPr lang="en-US" dirty="0"/>
+          </a:p>
+        </p:txBody>
+      </p:sp>
+    </p:spTree>
+    <p:extLst>
+      <p:ext uri="{BB962C8B-B14F-4D97-AF65-F5344CB8AC3E}">
+        <p14:creationId xmlns:p14="http://schemas.microsoft.com/office/powerpoint/2010/main" val="2952392093"/>
+      </p:ext>
+    </p:extLst>
+  </p:cSld>
+  <p:clrMapOvr>
+    <a:masterClrMapping/>
+  </p:clrMapOvr>
+  <p:timing>
+    <p:tnLst>
+      <p:par>
+        <p:cTn id="1" dur="indefinite" restart="never" nodeType="tmRoot">
+          <p:childTnLst>
+            <p:seq concurrent="1" nextAc="seek">
+              <p:cTn id="2" dur="indefinite" nodeType="mainSeq">
+                <p:childTnLst>
+                  <p:par>
+                    <p:cTn id="3" fill="hold">
+                      <p:stCondLst>
+                        <p:cond delay="indefinite"/>
+                      </p:stCondLst>
+                      <p:childTnLst>
+                        <p:par>
+                          <p:cTn id="4" fill="hold">
+                            <p:stCondLst>
+                              <p:cond delay="0"/>
+                            </p:stCondLst>
+                            <p:childTnLst>
+                              <p:par>
+                                <p:cTn id="5" presetID="1" presetClass="entr" presetSubtype="0" fill="hold" nodeType="clickEffect">
+                                  <p:stCondLst>
+                                    <p:cond delay="0"/>
+                                  </p:stCondLst>
+                                  <p:childTnLst>
+                                    <p:set>
+                                      <p:cBhvr>
+                                        <p:cTn id="6" dur="1" fill="hold">
+                                          <p:stCondLst>
+                                            <p:cond delay="0"/>
+                                          </p:stCondLst>
+                                        </p:cTn>
+                                        <p:tgtEl>
+                                          <p:spTgt spid="3">
+                                            <p:txEl>
+                                              <p:pRg st="0" end="0"/>
+                                            </p:txEl>
+                                          </p:spTgt>
+                                        </p:tgtEl>
+                                        <p:attrNameLst>
+                                          <p:attrName>style.visibility</p:attrName>
+                                        </p:attrNameLst>
+                                      </p:cBhvr>
+                                      <p:to>
+                                        <p:strVal val="visible"/>
+                                      </p:to>
+                                    </p:set>
+                                  </p:childTnLst>
+                                </p:cTn>
+                              </p:par>
+                            </p:childTnLst>
+                          </p:cTn>
+                        </p:par>
+                      </p:childTnLst>
+                    </p:cTn>
+                  </p:par>
+                  <p:par>
+                    <p:cTn id="7" fill="hold">
+                      <p:stCondLst>
+                        <p:cond delay="indefinite"/>
+                      </p:stCondLst>
+                      <p:childTnLst>
+                        <p:par>
+                          <p:cTn id="8" fill="hold">
+                            <p:stCondLst>
+                              <p:cond delay="0"/>
+                            </p:stCondLst>
+                            <p:childTnLst>
+                              <p:par>
+                                <p:cTn id="9" presetID="1" presetClass="entr" presetSubtype="0" fill="hold" nodeType="clickEffect">
+                                  <p:stCondLst>
+                                    <p:cond delay="0"/>
+                                  </p:stCondLst>
+                                  <p:childTnLst>
+                                    <p:set>
+                                      <p:cBhvr>
+                                        <p:cTn id="10" dur="1" fill="hold">
+                                          <p:stCondLst>
+                                            <p:cond delay="0"/>
+                                          </p:stCondLst>
+                                        </p:cTn>
+                                        <p:tgtEl>
+                                          <p:spTgt spid="3">
+                                            <p:txEl>
+                                              <p:pRg st="1" end="1"/>
+                                            </p:txEl>
+                                          </p:spTgt>
+                                        </p:tgtEl>
+                                        <p:attrNameLst>
+                                          <p:attrName>style.visibility</p:attrName>
+                                        </p:attrNameLst>
+                                      </p:cBhvr>
+                                      <p:to>
+                                        <p:strVal val="visible"/>
+                                      </p:to>
+                                    </p:set>
+                                  </p:childTnLst>
+                                </p:cTn>
+                              </p:par>
+                            </p:childTnLst>
+                          </p:cTn>
+                        </p:par>
+                      </p:childTnLst>
+                    </p:cTn>
+                  </p:par>
+                </p:childTnLst>
+              </p:cTn>
+              <p:prevCondLst>
+                <p:cond evt="onPrev" delay="0">
+                  <p:tgtEl>
+                    <p:sldTgt/>
+                  </p:tgtEl>
+                </p:cond>
+              </p:prevCondLst>
+              <p:nextCondLst>
+                <p:cond evt="onNext" delay="0">
+                  <p:tgtEl>
+                    <p:sldTgt/>
+                  </p:tgtEl>
+                </p:cond>
+              </p:nextCondLst>
+            </p:seq>
+          </p:childTnLst>
+        </p:cTn>
+      </p:par>
+    </p:tnLst>
+  </p:timing>
+</p:sld>
+</file>
+
+<file path=ppt/slides/slide7.xml><?xml version="1.0" encoding="utf-8"?>
+<p:sld xmlns:a="http://schemas.openxmlformats.org/drawingml/2006/main" xmlns:r="http://schemas.openxmlformats.org/officeDocument/2006/relationships" xmlns:p="http://schemas.openxmlformats.org/presentationml/2006/main">
+  <p:cSld>
+    <p:spTree>
+      <p:nvGrpSpPr>
+        <p:cNvPr id="1" name=""/>
+        <p:cNvGrpSpPr/>
+        <p:nvPr/>
+      </p:nvGrpSpPr>
+      <p:grpSpPr>
+        <a:xfrm>
+          <a:off x="0" y="0"/>
+          <a:ext cx="0" cy="0"/>
+          <a:chOff x="0" y="0"/>
+          <a:chExt cx="0" cy="0"/>
+        </a:xfrm>
+      </p:grpSpPr>
+      <p:sp>
+        <p:nvSpPr>
+          <p:cNvPr id="2" name="Title 1"/>
+          <p:cNvSpPr>
+            <a:spLocks noGrp="1"/>
+          </p:cNvSpPr>
+          <p:nvPr>
+            <p:ph type="title"/>
+          </p:nvPr>
+        </p:nvSpPr>
+        <p:spPr/>
+        <p:txBody>
+          <a:bodyPr/>
+          <a:lstStyle/>
+          <a:p>
+            <a:r>
+              <a:rPr lang="en-US" dirty="0"/>
+              <a:t>Programming Basics</a:t>
+            </a:r>
+          </a:p>
+        </p:txBody>
+      </p:sp>
+      <p:sp>
+        <p:nvSpPr>
+          <p:cNvPr id="3" name="Content Placeholder 2"/>
+          <p:cNvSpPr>
+            <a:spLocks noGrp="1"/>
+          </p:cNvSpPr>
+          <p:nvPr>
+            <p:ph idx="1"/>
+          </p:nvPr>
+        </p:nvSpPr>
+        <p:spPr/>
+        <p:txBody>
+          <a:bodyPr/>
+          <a:lstStyle/>
+          <a:p>
+            <a:r>
+              <a:rPr lang="en-US" dirty="0"/>
+              <a:t>There are key vocabulary words we need to be familiar with to discuss programming:</a:t>
+            </a:r>
+          </a:p>
+          <a:p>
+            <a:pPr lvl="1"/>
+            <a:r>
+              <a:rPr lang="en-US" dirty="0"/>
+              <a:t>Operators – a character that represents an action (+, -, /, *, etc.).</a:t>
+            </a:r>
+          </a:p>
+          <a:p>
+            <a:pPr lvl="1"/>
+            <a:r>
+              <a:rPr lang="en-US" dirty="0"/>
+              <a:t>Data Types – a “kind” of data based on its value (integer, text/string, etc.).</a:t>
+            </a:r>
+          </a:p>
+          <a:p>
+            <a:pPr lvl="1"/>
+            <a:r>
+              <a:rPr lang="en-US" dirty="0"/>
+              <a:t>Syntax – the grammar behind a programming language.</a:t>
+            </a:r>
+          </a:p>
+          <a:p>
+            <a:pPr lvl="1"/>
+            <a:r>
+              <a:rPr lang="en-US" dirty="0"/>
+              <a:t>Comments – messages written into code that the computer ignores.</a:t>
+            </a:r>
+          </a:p>
+          <a:p>
+            <a:pPr lvl="1"/>
+            <a:r>
+              <a:rPr lang="en-US" dirty="0"/>
+              <a:t>Errors – a mistake in a program’s code which causes unexpected or incorrect behavior (also called an exception).</a:t>
+            </a:r>
+          </a:p>
+          <a:p>
+            <a:pPr lvl="1"/>
+            <a:r>
+              <a:rPr lang="en-US" dirty="0"/>
+              <a:t>Variable – an object that stores a value for later use.</a:t>
+            </a:r>
+          </a:p>
+          <a:p>
+            <a:r>
+              <a:rPr lang="en-US" b="1" i="1" u="sng" dirty="0"/>
+              <a:t>Everyone can program and you do it every day!</a:t>
+            </a:r>
+          </a:p>
+        </p:txBody>
+      </p:sp>
+    </p:spTree>
+    <p:extLst>
+      <p:ext uri="{BB962C8B-B14F-4D97-AF65-F5344CB8AC3E}">
+        <p14:creationId xmlns:p14="http://schemas.microsoft.com/office/powerpoint/2010/main" val="27739114"/>
+      </p:ext>
+    </p:extLst>
+  </p:cSld>
+  <p:clrMapOvr>
+    <a:masterClrMapping/>
+  </p:clrMapOvr>
+  <p:timing>
+    <p:tnLst>
+      <p:par>
+        <p:cTn id="1" dur="indefinite" restart="never" nodeType="tmRoot">
+          <p:childTnLst>
+            <p:seq concurrent="1" nextAc="seek">
+              <p:cTn id="2" dur="indefinite" nodeType="mainSeq">
+                <p:childTnLst>
+                  <p:par>
+                    <p:cTn id="3" fill="hold">
+                      <p:stCondLst>
+                        <p:cond delay="indefinite"/>
+                      </p:stCondLst>
+                      <p:childTnLst>
+                        <p:par>
+                          <p:cTn id="4" fill="hold">
+                            <p:stCondLst>
+                              <p:cond delay="0"/>
+                            </p:stCondLst>
+                            <p:childTnLst>
+                              <p:par>
+                                <p:cTn id="5" presetID="1" presetClass="entr" presetSubtype="0" fill="hold" nodeType="clickEffect">
+                                  <p:stCondLst>
+                                    <p:cond delay="0"/>
+                                  </p:stCondLst>
+                                  <p:childTnLst>
+                                    <p:set>
+                                      <p:cBhvr>
+                                        <p:cTn id="6" dur="1" fill="hold">
+                                          <p:stCondLst>
+                                            <p:cond delay="0"/>
+                                          </p:stCondLst>
+                                        </p:cTn>
+                                        <p:tgtEl>
+                                          <p:spTgt spid="3">
+                                            <p:txEl>
+                                              <p:pRg st="0" end="0"/>
+                                            </p:txEl>
+                                          </p:spTgt>
+                                        </p:tgtEl>
+                                        <p:attrNameLst>
+                                          <p:attrName>style.visibility</p:attrName>
+                                        </p:attrNameLst>
+                                      </p:cBhvr>
+                                      <p:to>
+                                        <p:strVal val="visible"/>
+                                      </p:to>
+                                    </p:set>
+                                  </p:childTnLst>
+                                </p:cTn>
+                              </p:par>
+                            </p:childTnLst>
+                          </p:cTn>
+                        </p:par>
+                      </p:childTnLst>
+                    </p:cTn>
+                  </p:par>
+                  <p:par>
+                    <p:cTn id="7" fill="hold">
+                      <p:stCondLst>
+                        <p:cond delay="indefinite"/>
+                      </p:stCondLst>
+                      <p:childTnLst>
+                        <p:par>
+                          <p:cTn id="8" fill="hold">
+                            <p:stCondLst>
+                              <p:cond delay="0"/>
+                            </p:stCondLst>
+                            <p:childTnLst>
+                              <p:par>
+                                <p:cTn id="9" presetID="1" presetClass="entr" presetSubtype="0" fill="hold" nodeType="clickEffect">
+                                  <p:stCondLst>
+                                    <p:cond delay="0"/>
+                                  </p:stCondLst>
+                                  <p:childTnLst>
+                                    <p:set>
+                                      <p:cBhvr>
+                                        <p:cTn id="10" dur="1" fill="hold">
+                                          <p:stCondLst>
+                                            <p:cond delay="0"/>
+                                          </p:stCondLst>
+                                        </p:cTn>
+                                        <p:tgtEl>
+                                          <p:spTgt spid="3">
+                                            <p:txEl>
+                                              <p:pRg st="1" end="1"/>
+                                            </p:txEl>
+                                          </p:spTgt>
+                                        </p:tgtEl>
+                                        <p:attrNameLst>
+                                          <p:attrName>style.visibility</p:attrName>
+                                        </p:attrNameLst>
+                                      </p:cBhvr>
+                                      <p:to>
+                                        <p:strVal val="visible"/>
+                                      </p:to>
+                                    </p:set>
+                                  </p:childTnLst>
+                                </p:cTn>
+                              </p:par>
+                            </p:childTnLst>
+                          </p:cTn>
+                        </p:par>
+                      </p:childTnLst>
+                    </p:cTn>
+                  </p:par>
+                  <p:par>
+                    <p:cTn id="11" fill="hold">
+                      <p:stCondLst>
+                        <p:cond delay="indefinite"/>
+                      </p:stCondLst>
+                      <p:childTnLst>
+                        <p:par>
+                          <p:cTn id="12" fill="hold">
+                            <p:stCondLst>
+                              <p:cond delay="0"/>
+                            </p:stCondLst>
+                            <p:childTnLst>
+                              <p:par>
+                                <p:cTn id="13" presetID="1" presetClass="entr" presetSubtype="0" fill="hold" nodeType="clickEffect">
+                                  <p:stCondLst>
+                                    <p:cond delay="0"/>
+                                  </p:stCondLst>
+                                  <p:childTnLst>
+                                    <p:set>
+                                      <p:cBhvr>
+                                        <p:cTn id="14" dur="1" fill="hold">
+                                          <p:stCondLst>
+                                            <p:cond delay="0"/>
+                                          </p:stCondLst>
+                                        </p:cTn>
+                                        <p:tgtEl>
+                                          <p:spTgt spid="3">
+                                            <p:txEl>
+                                              <p:pRg st="2" end="2"/>
+                                            </p:txEl>
+                                          </p:spTgt>
+                                        </p:tgtEl>
+                                        <p:attrNameLst>
+                                          <p:attrName>style.visibility</p:attrName>
+                                        </p:attrNameLst>
+                                      </p:cBhvr>
+                                      <p:to>
+                                        <p:strVal val="visible"/>
+                                      </p:to>
+                                    </p:set>
+                                  </p:childTnLst>
+                                </p:cTn>
+                              </p:par>
+                            </p:childTnLst>
+                          </p:cTn>
+                        </p:par>
+                      </p:childTnLst>
+                    </p:cTn>
+                  </p:par>
+                  <p:par>
+                    <p:cTn id="15" fill="hold">
+                      <p:stCondLst>
+                        <p:cond delay="indefinite"/>
+                      </p:stCondLst>
+                      <p:childTnLst>
+                        <p:par>
+                          <p:cTn id="16" fill="hold">
+                            <p:stCondLst>
+                              <p:cond delay="0"/>
+                            </p:stCondLst>
+                            <p:childTnLst>
+                              <p:par>
+                                <p:cTn id="17" presetID="1" presetClass="entr" presetSubtype="0" fill="hold" nodeType="clickEffect">
+                                  <p:stCondLst>
+                                    <p:cond delay="0"/>
+                                  </p:stCondLst>
+                                  <p:childTnLst>
+                                    <p:set>
+                                      <p:cBhvr>
+                                        <p:cTn id="18" dur="1" fill="hold">
+                                          <p:stCondLst>
+                                            <p:cond delay="0"/>
+                                          </p:stCondLst>
+                                        </p:cTn>
+                                        <p:tgtEl>
+                                          <p:spTgt spid="3">
+                                            <p:txEl>
+                                              <p:pRg st="3" end="3"/>
+                                            </p:txEl>
+                                          </p:spTgt>
+                                        </p:tgtEl>
+                                        <p:attrNameLst>
+                                          <p:attrName>style.visibility</p:attrName>
+                                        </p:attrNameLst>
+                                      </p:cBhvr>
+                                      <p:to>
+                                        <p:strVal val="visible"/>
+                                      </p:to>
+                                    </p:set>
+                                  </p:childTnLst>
+                                </p:cTn>
+                              </p:par>
+                            </p:childTnLst>
+                          </p:cTn>
+                        </p:par>
+                      </p:childTnLst>
+                    </p:cTn>
+                  </p:par>
+                  <p:par>
+                    <p:cTn id="19" fill="hold">
+                      <p:stCondLst>
+                        <p:cond delay="indefinite"/>
+                      </p:stCondLst>
+                      <p:childTnLst>
+                        <p:par>
+                          <p:cTn id="20" fill="hold">
+                            <p:stCondLst>
+                              <p:cond delay="0"/>
+                            </p:stCondLst>
+                            <p:childTnLst>
+                              <p:par>
+                                <p:cTn id="21" presetID="1" presetClass="entr" presetSubtype="0" fill="hold" nodeType="clickEffect">
+                                  <p:stCondLst>
+                                    <p:cond delay="0"/>
+                                  </p:stCondLst>
+                                  <p:childTnLst>
+                                    <p:set>
+                                      <p:cBhvr>
+                                        <p:cTn id="22" dur="1" fill="hold">
+                                          <p:stCondLst>
+                                            <p:cond delay="0"/>
+                                          </p:stCondLst>
+                                        </p:cTn>
+                                        <p:tgtEl>
+                                          <p:spTgt spid="3">
+                                            <p:txEl>
+                                              <p:pRg st="4" end="4"/>
+                                            </p:txEl>
+                                          </p:spTgt>
+                                        </p:tgtEl>
+                                        <p:attrNameLst>
+                                          <p:attrName>style.visibility</p:attrName>
+                                        </p:attrNameLst>
+                                      </p:cBhvr>
+                                      <p:to>
+                                        <p:strVal val="visible"/>
+                                      </p:to>
+                                    </p:set>
+                                  </p:childTnLst>
+                                </p:cTn>
+                              </p:par>
+                            </p:childTnLst>
+                          </p:cTn>
+                        </p:par>
+                      </p:childTnLst>
+                    </p:cTn>
+                  </p:par>
+                  <p:par>
+                    <p:cTn id="23" fill="hold">
+                      <p:stCondLst>
+                        <p:cond delay="indefinite"/>
+                      </p:stCondLst>
+                      <p:childTnLst>
+                        <p:par>
+                          <p:cTn id="24" fill="hold">
+                            <p:stCondLst>
+                              <p:cond delay="0"/>
+                            </p:stCondLst>
+                            <p:childTnLst>
+                              <p:par>
+                                <p:cTn id="25" presetID="1" presetClass="entr" presetSubtype="0" fill="hold" nodeType="clickEffect">
+                                  <p:stCondLst>
+                                    <p:cond delay="0"/>
+                                  </p:stCondLst>
+                                  <p:childTnLst>
+                                    <p:set>
+                                      <p:cBhvr>
+                                        <p:cTn id="26" dur="1" fill="hold">
+                                          <p:stCondLst>
+                                            <p:cond delay="0"/>
+                                          </p:stCondLst>
+                                        </p:cTn>
+                                        <p:tgtEl>
+                                          <p:spTgt spid="3">
+                                            <p:txEl>
+                                              <p:pRg st="5" end="5"/>
+                                            </p:txEl>
+                                          </p:spTgt>
+                                        </p:tgtEl>
+                                        <p:attrNameLst>
+                                          <p:attrName>style.visibility</p:attrName>
+                                        </p:attrNameLst>
+                                      </p:cBhvr>
+                                      <p:to>
+                                        <p:strVal val="visible"/>
+                                      </p:to>
+                                    </p:set>
+                                  </p:childTnLst>
+                                </p:cTn>
+                              </p:par>
+                            </p:childTnLst>
+                          </p:cTn>
+                        </p:par>
+                      </p:childTnLst>
+                    </p:cTn>
+                  </p:par>
+                  <p:par>
+                    <p:cTn id="27" fill="hold">
+                      <p:stCondLst>
+                        <p:cond delay="indefinite"/>
+                      </p:stCondLst>
+                      <p:childTnLst>
+                        <p:par>
+                          <p:cTn id="28" fill="hold">
+                            <p:stCondLst>
+                              <p:cond delay="0"/>
+                            </p:stCondLst>
+                            <p:childTnLst>
+                              <p:par>
+                                <p:cTn id="29" presetID="1" presetClass="entr" presetSubtype="0" fill="hold" nodeType="clickEffect">
+                                  <p:stCondLst>
+                                    <p:cond delay="0"/>
+                                  </p:stCondLst>
+                                  <p:childTnLst>
+                                    <p:set>
+                                      <p:cBhvr>
+                                        <p:cTn id="30" dur="1" fill="hold">
+                                          <p:stCondLst>
+                                            <p:cond delay="0"/>
+                                          </p:stCondLst>
+                                        </p:cTn>
+                                        <p:tgtEl>
+                                          <p:spTgt spid="3">
+                                            <p:txEl>
+                                              <p:pRg st="6" end="6"/>
+                                            </p:txEl>
+                                          </p:spTgt>
+                                        </p:tgtEl>
+                                        <p:attrNameLst>
+                                          <p:attrName>style.visibility</p:attrName>
+                                        </p:attrNameLst>
+                                      </p:cBhvr>
+                                      <p:to>
+                                        <p:strVal val="visible"/>
+                                      </p:to>
+                                    </p:set>
+                                  </p:childTnLst>
+                                </p:cTn>
+                              </p:par>
+                            </p:childTnLst>
+                          </p:cTn>
+                        </p:par>
+                      </p:childTnLst>
+                    </p:cTn>
+                  </p:par>
+                  <p:par>
+                    <p:cTn id="31" fill="hold">
+                      <p:stCondLst>
+                        <p:cond delay="indefinite"/>
+                      </p:stCondLst>
+                      <p:childTnLst>
+                        <p:par>
+                          <p:cTn id="32" fill="hold">
+                            <p:stCondLst>
+                              <p:cond delay="0"/>
+                            </p:stCondLst>
+                            <p:childTnLst>
+                              <p:par>
+                                <p:cTn id="33" presetID="1" presetClass="entr" presetSubtype="0" fill="hold" nodeType="clickEffect">
+                                  <p:stCondLst>
+                                    <p:cond delay="0"/>
+                                  </p:stCondLst>
+                                  <p:childTnLst>
+                                    <p:set>
+                                      <p:cBhvr>
+                                        <p:cTn id="34" dur="1" fill="hold">
+                                          <p:stCondLst>
+                                            <p:cond delay="0"/>
+                                          </p:stCondLst>
+                                        </p:cTn>
+                                        <p:tgtEl>
+                                          <p:spTgt spid="3">
+                                            <p:txEl>
+                                              <p:pRg st="7" end="7"/>
+                                            </p:txEl>
+                                          </p:spTgt>
+                                        </p:tgtEl>
+                                        <p:attrNameLst>
+                                          <p:attrName>style.visibility</p:attrName>
+                                        </p:attrNameLst>
+                                      </p:cBhvr>
+                                      <p:to>
+                                        <p:strVal val="visible"/>
+                                      </p:to>
+                                    </p:set>
+                                  </p:childTnLst>
+                                </p:cTn>
+                              </p:par>
+                            </p:childTnLst>
+                          </p:cTn>
+                        </p:par>
+                      </p:childTnLst>
+                    </p:cTn>
+                  </p:par>
+                </p:childTnLst>
+              </p:cTn>
+              <p:prevCondLst>
+                <p:cond evt="onPrev" delay="0">
+                  <p:tgtEl>
+                    <p:sldTgt/>
+                  </p:tgtEl>
+                </p:cond>
+              </p:prevCondLst>
+              <p:nextCondLst>
+                <p:cond evt="onNext" delay="0">
+                  <p:tgtEl>
+                    <p:sldTgt/>
+                  </p:tgtEl>
+                </p:cond>
+              </p:nextCondLst>
+            </p:seq>
+          </p:childTnLst>
+        </p:cTn>
+      </p:par>
+    </p:tnLst>
+  </p:timing>
+</p:sld>
+</file>
+
+<file path=ppt/slides/slide8.xml><?xml version="1.0" encoding="utf-8"?>
+<p:sld xmlns:a="http://schemas.openxmlformats.org/drawingml/2006/main" xmlns:r="http://schemas.openxmlformats.org/officeDocument/2006/relationships" xmlns:p="http://schemas.openxmlformats.org/presentationml/2006/main">
+  <p:cSld>
+    <p:spTree>
+      <p:nvGrpSpPr>
+        <p:cNvPr id="1" name=""/>
+        <p:cNvGrpSpPr/>
+        <p:nvPr/>
+      </p:nvGrpSpPr>
+      <p:grpSpPr>
+        <a:xfrm>
+          <a:off x="0" y="0"/>
+          <a:ext cx="0" cy="0"/>
+          <a:chOff x="0" y="0"/>
+          <a:chExt cx="0" cy="0"/>
+        </a:xfrm>
+      </p:grpSpPr>
+      <p:sp>
+        <p:nvSpPr>
+          <p:cNvPr id="2" name="Title 1"/>
+          <p:cNvSpPr>
+            <a:spLocks noGrp="1"/>
+          </p:cNvSpPr>
+          <p:nvPr>
+            <p:ph type="title"/>
+          </p:nvPr>
+        </p:nvSpPr>
+        <p:spPr/>
+        <p:txBody>
+          <a:bodyPr/>
+          <a:lstStyle/>
+          <a:p>
+            <a:r>
+              <a:rPr lang="en-US" dirty="0"/>
+              <a:t>Functions</a:t>
+            </a:r>
+          </a:p>
+        </p:txBody>
+      </p:sp>
+      <p:sp>
+        <p:nvSpPr>
+          <p:cNvPr id="3" name="Content Placeholder 2"/>
+          <p:cNvSpPr>
+            <a:spLocks noGrp="1"/>
+          </p:cNvSpPr>
+          <p:nvPr>
+            <p:ph idx="1"/>
+          </p:nvPr>
+        </p:nvSpPr>
+        <p:spPr/>
+        <p:txBody>
+          <a:bodyPr/>
+          <a:lstStyle/>
+          <a:p>
+            <a:r>
+              <a:rPr lang="en-US" dirty="0"/>
+              <a:t>Also called methods, sub-routines, and procedures (among others).</a:t>
+            </a:r>
+          </a:p>
+          <a:p>
+            <a:r>
+              <a:rPr lang="en-US" dirty="0"/>
+              <a:t>Single units of work in a repeatable and reusable form.</a:t>
+            </a:r>
+          </a:p>
+          <a:p>
+            <a:endParaRPr lang="en-US" dirty="0"/>
+          </a:p>
+        </p:txBody>
+      </p:sp>
+      <p:pic>
+        <p:nvPicPr>
+          <p:cNvPr id="4" name="Picture 3"/>
+          <p:cNvPicPr>
+            <a:picLocks noChangeAspect="1"/>
+          </p:cNvPicPr>
+          <p:nvPr/>
+        </p:nvPicPr>
+        <p:blipFill>
+          <a:blip r:embed="rId2"/>
+          <a:stretch>
+            <a:fillRect/>
+          </a:stretch>
+        </p:blipFill>
+        <p:spPr>
+          <a:xfrm>
+            <a:off x="3762715" y="3277394"/>
+            <a:ext cx="4666570" cy="1447800"/>
+          </a:xfrm>
+          <a:prstGeom prst="rect">
+            <a:avLst/>
+          </a:prstGeom>
+        </p:spPr>
+      </p:pic>
+    </p:spTree>
+    <p:extLst>
+      <p:ext uri="{BB962C8B-B14F-4D97-AF65-F5344CB8AC3E}">
+        <p14:creationId xmlns:p14="http://schemas.microsoft.com/office/powerpoint/2010/main" val="3157294877"/>
+      </p:ext>
+    </p:extLst>
+  </p:cSld>
+  <p:clrMapOvr>
+    <a:masterClrMapping/>
+  </p:clrMapOvr>
+  <p:timing>
+    <p:tnLst>
+      <p:par>
+        <p:cTn id="1" dur="indefinite" restart="never" nodeType="tmRoot">
+          <p:childTnLst>
+            <p:seq concurrent="1" nextAc="seek">
+              <p:cTn id="2" dur="indefinite" nodeType="mainSeq">
+                <p:childTnLst>
+                  <p:par>
+                    <p:cTn id="3" fill="hold">
+                      <p:stCondLst>
+                        <p:cond delay="indefinite"/>
+                      </p:stCondLst>
+                      <p:childTnLst>
+                        <p:par>
+                          <p:cTn id="4" fill="hold">
+                            <p:stCondLst>
+                              <p:cond delay="0"/>
+                            </p:stCondLst>
+                            <p:childTnLst>
+                              <p:par>
+                                <p:cTn id="5" presetID="1" presetClass="entr" presetSubtype="0" fill="hold" nodeType="clickEffect">
+                                  <p:stCondLst>
+                                    <p:cond delay="0"/>
+                                  </p:stCondLst>
+                                  <p:childTnLst>
+                                    <p:set>
+                                      <p:cBhvr>
+                                        <p:cTn id="6" dur="1" fill="hold">
+                                          <p:stCondLst>
+                                            <p:cond delay="0"/>
+                                          </p:stCondLst>
+                                        </p:cTn>
+                                        <p:tgtEl>
+                                          <p:spTgt spid="3">
+                                            <p:txEl>
+                                              <p:pRg st="0" end="0"/>
+                                            </p:txEl>
+                                          </p:spTgt>
+                                        </p:tgtEl>
+                                        <p:attrNameLst>
+                                          <p:attrName>style.visibility</p:attrName>
+                                        </p:attrNameLst>
+                                      </p:cBhvr>
+                                      <p:to>
+                                        <p:strVal val="visible"/>
+                                      </p:to>
+                                    </p:set>
+                                  </p:childTnLst>
+                                </p:cTn>
+                              </p:par>
+                            </p:childTnLst>
+                          </p:cTn>
+                        </p:par>
+                      </p:childTnLst>
+                    </p:cTn>
+                  </p:par>
+                  <p:par>
+                    <p:cTn id="7" fill="hold">
+                      <p:stCondLst>
+                        <p:cond delay="indefinite"/>
+                      </p:stCondLst>
+                      <p:childTnLst>
+                        <p:par>
+                          <p:cTn id="8" fill="hold">
+                            <p:stCondLst>
+                              <p:cond delay="0"/>
+                            </p:stCondLst>
+                            <p:childTnLst>
+                              <p:par>
+                                <p:cTn id="9" presetID="1" presetClass="entr" presetSubtype="0" fill="hold" nodeType="clickEffect">
+                                  <p:stCondLst>
+                                    <p:cond delay="0"/>
+                                  </p:stCondLst>
+                                  <p:childTnLst>
+                                    <p:set>
+                                      <p:cBhvr>
+                                        <p:cTn id="10" dur="1" fill="hold">
+                                          <p:stCondLst>
+                                            <p:cond delay="0"/>
+                                          </p:stCondLst>
+                                        </p:cTn>
+                                        <p:tgtEl>
+                                          <p:spTgt spid="3">
+                                            <p:txEl>
+                                              <p:pRg st="1" end="1"/>
+                                            </p:txEl>
+                                          </p:spTgt>
+                                        </p:tgtEl>
+                                        <p:attrNameLst>
+                                          <p:attrName>style.visibility</p:attrName>
+                                        </p:attrNameLst>
+                                      </p:cBhvr>
+                                      <p:to>
+                                        <p:strVal val="visible"/>
+                                      </p:to>
+                                    </p:set>
+                                  </p:childTnLst>
+                                </p:cTn>
+                              </p:par>
+                            </p:childTnLst>
+                          </p:cTn>
+                        </p:par>
+                      </p:childTnLst>
+                    </p:cTn>
+                  </p:par>
+                  <p:par>
+                    <p:cTn id="11" fill="hold">
+                      <p:stCondLst>
+                        <p:cond delay="indefinite"/>
+                      </p:stCondLst>
+                      <p:childTnLst>
+                        <p:par>
+                          <p:cTn id="12" fill="hold">
+                            <p:stCondLst>
+                              <p:cond delay="0"/>
+                            </p:stCondLst>
+                            <p:childTnLst>
+                              <p:par>
+                                <p:cTn id="13" presetID="1" presetClass="entr" presetSubtype="0" fill="hold" nodeType="clickEffect">
+                                  <p:stCondLst>
+                                    <p:cond delay="0"/>
+                                  </p:stCondLst>
+                                  <p:childTnLst>
+                                    <p:set>
+                                      <p:cBhvr>
+                                        <p:cTn id="14" dur="1" fill="hold">
+                                          <p:stCondLst>
+                                            <p:cond delay="0"/>
+                                          </p:stCondLst>
+                                        </p:cTn>
+                                        <p:tgtEl>
+                                          <p:spTgt spid="4"/>
+                                        </p:tgtEl>
+                                        <p:attrNameLst>
+                                          <p:attrName>style.visibility</p:attrName>
+                                        </p:attrNameLst>
+                                      </p:cBhvr>
+                                      <p:to>
+                                        <p:strVal val="visible"/>
+                                      </p:to>
+                                    </p:set>
+                                  </p:childTnLst>
+                                </p:cTn>
+                              </p:par>
+                            </p:childTnLst>
+                          </p:cTn>
+                        </p:par>
+                      </p:childTnLst>
+                    </p:cTn>
+                  </p:par>
+                </p:childTnLst>
+              </p:cTn>
+              <p:prevCondLst>
+                <p:cond evt="onPrev" delay="0">
+                  <p:tgtEl>
+                    <p:sldTgt/>
+                  </p:tgtEl>
+                </p:cond>
+              </p:prevCondLst>
+              <p:nextCondLst>
+                <p:cond evt="onNext" delay="0">
+                  <p:tgtEl>
+                    <p:sldTgt/>
+                  </p:tgtEl>
+                </p:cond>
+              </p:nextCondLst>
+            </p:seq>
+          </p:childTnLst>
+        </p:cTn>
+      </p:par>
+    </p:tnLst>
+  </p:timing>
+</p:sld>
+</file>
+
+<file path=ppt/slides/slide9.xml><?xml version="1.0" encoding="utf-8"?>
+<p:sld xmlns:a="http://schemas.openxmlformats.org/drawingml/2006/main" xmlns:r="http://schemas.openxmlformats.org/officeDocument/2006/relationships" xmlns:p="http://schemas.openxmlformats.org/presentationml/2006/main">
+  <p:cSld>
+    <p:spTree>
+      <p:nvGrpSpPr>
+        <p:cNvPr id="1" name=""/>
+        <p:cNvGrpSpPr/>
+        <p:nvPr/>
+      </p:nvGrpSpPr>
+      <p:grpSpPr>
+        <a:xfrm>
+          <a:off x="0" y="0"/>
+          <a:ext cx="0" cy="0"/>
+          <a:chOff x="0" y="0"/>
+          <a:chExt cx="0" cy="0"/>
+        </a:xfrm>
+      </p:grpSpPr>
+      <p:sp>
+        <p:nvSpPr>
+          <p:cNvPr id="2" name="Title 1"/>
+          <p:cNvSpPr>
+            <a:spLocks noGrp="1"/>
+          </p:cNvSpPr>
+          <p:nvPr>
+            <p:ph type="title"/>
+          </p:nvPr>
+        </p:nvSpPr>
+        <p:spPr/>
+        <p:txBody>
+          <a:bodyPr/>
+          <a:lstStyle/>
+          <a:p>
+            <a:r>
+              <a:rPr lang="en-US" dirty="0"/>
+              <a:t>Flow Control</a:t>
+            </a:r>
           </a:p>
         </p:txBody>
       </p:sp>
@@ -3539,18 +6143,13 @@
           <a:p>
             <a:pPr algn="ctr"/>
             <a:r>
-              <a:rPr lang="en-US" b="1" dirty="0" smtClean="0">
+              <a:rPr lang="en-US" b="1" dirty="0">
                 <a:solidFill>
                   <a:schemeClr val="bg1"/>
                 </a:solidFill>
               </a:rPr>
               <a:t>Is it raining?</a:t>
             </a:r>
-            <a:endParaRPr lang="en-US" b="1" dirty="0">
-              <a:solidFill>
-                <a:schemeClr val="bg1"/>
-              </a:solidFill>
-            </a:endParaRPr>
           </a:p>
         </p:txBody>
       </p:sp>
@@ -3653,7 +6252,7 @@
           <a:lstStyle/>
           <a:p>
             <a:r>
-              <a:rPr lang="en-US" sz="2000" dirty="0" smtClean="0">
+              <a:rPr lang="en-US" sz="2000" dirty="0">
                 <a:latin typeface="Georgia" panose="02040502050405020303" pitchFamily="18" charset="0"/>
               </a:rPr>
               <a:t>YES</a:t>
@@ -3687,7 +6286,7 @@
           <a:lstStyle/>
           <a:p>
             <a:r>
-              <a:rPr lang="en-US" sz="2000" dirty="0" smtClean="0">
+              <a:rPr lang="en-US" sz="2000" dirty="0">
                 <a:latin typeface="Georgia" panose="02040502050405020303" pitchFamily="18" charset="0"/>
               </a:rPr>
               <a:t>NO</a:t>
@@ -3741,18 +6340,13 @@
           <a:p>
             <a:pPr algn="ctr"/>
             <a:r>
-              <a:rPr lang="en-US" b="1" dirty="0" smtClean="0">
+              <a:rPr lang="en-US" b="1" dirty="0">
                 <a:solidFill>
                   <a:schemeClr val="bg1"/>
                 </a:solidFill>
               </a:rPr>
               <a:t>Leave the House</a:t>
             </a:r>
-            <a:endParaRPr lang="en-US" b="1" dirty="0">
-              <a:solidFill>
-                <a:schemeClr val="bg1"/>
-              </a:solidFill>
-            </a:endParaRPr>
           </a:p>
         </p:txBody>
       </p:sp>
@@ -3799,18 +6393,13 @@
           <a:p>
             <a:pPr algn="ctr"/>
             <a:r>
-              <a:rPr lang="en-US" b="1" dirty="0" smtClean="0">
+              <a:rPr lang="en-US" b="1" dirty="0">
                 <a:solidFill>
                   <a:schemeClr val="bg1"/>
                 </a:solidFill>
               </a:rPr>
               <a:t>Do you have an Umbrella?</a:t>
             </a:r>
-            <a:endParaRPr lang="en-US" b="1" dirty="0">
-              <a:solidFill>
-                <a:schemeClr val="bg1"/>
-              </a:solidFill>
-            </a:endParaRPr>
           </a:p>
         </p:txBody>
       </p:sp>
@@ -3893,18 +6482,13 @@
           <a:p>
             <a:pPr algn="ctr"/>
             <a:r>
-              <a:rPr lang="en-US" b="1" dirty="0" smtClean="0">
+              <a:rPr lang="en-US" b="1" dirty="0">
                 <a:solidFill>
                   <a:schemeClr val="bg1"/>
                 </a:solidFill>
               </a:rPr>
               <a:t>Take it and head to work</a:t>
             </a:r>
-            <a:endParaRPr lang="en-US" b="1" dirty="0">
-              <a:solidFill>
-                <a:schemeClr val="bg1"/>
-              </a:solidFill>
-            </a:endParaRPr>
           </a:p>
         </p:txBody>
       </p:sp>
@@ -3931,7 +6515,7 @@
           <a:lstStyle/>
           <a:p>
             <a:r>
-              <a:rPr lang="en-US" sz="2000" dirty="0" smtClean="0">
+              <a:rPr lang="en-US" sz="2000" dirty="0">
                 <a:latin typeface="Georgia" panose="02040502050405020303" pitchFamily="18" charset="0"/>
               </a:rPr>
               <a:t>YES</a:t>
@@ -4004,7 +6588,7 @@
           <a:lstStyle/>
           <a:p>
             <a:r>
-              <a:rPr lang="en-US" sz="2000" dirty="0" smtClean="0">
+              <a:rPr lang="en-US" sz="2000" dirty="0">
                 <a:latin typeface="Georgia" panose="02040502050405020303" pitchFamily="18" charset="0"/>
               </a:rPr>
               <a:t>NO</a:t>
@@ -4058,18 +6642,13 @@
           <a:p>
             <a:pPr algn="ctr"/>
             <a:r>
-              <a:rPr lang="en-US" b="1" dirty="0" smtClean="0">
+              <a:rPr lang="en-US" b="1" dirty="0">
                 <a:solidFill>
                   <a:schemeClr val="bg1"/>
                 </a:solidFill>
               </a:rPr>
               <a:t>Do you have a jacket?</a:t>
             </a:r>
-            <a:endParaRPr lang="en-US" b="1" dirty="0">
-              <a:solidFill>
-                <a:schemeClr val="bg1"/>
-              </a:solidFill>
-            </a:endParaRPr>
           </a:p>
         </p:txBody>
       </p:sp>
@@ -4152,18 +6731,13 @@
           <a:p>
             <a:pPr algn="ctr"/>
             <a:r>
-              <a:rPr lang="en-US" b="1" dirty="0" smtClean="0">
+              <a:rPr lang="en-US" b="1" dirty="0">
                 <a:solidFill>
                   <a:schemeClr val="bg1"/>
                 </a:solidFill>
               </a:rPr>
               <a:t>Take it and head to work</a:t>
             </a:r>
-            <a:endParaRPr lang="en-US" b="1" dirty="0">
-              <a:solidFill>
-                <a:schemeClr val="bg1"/>
-              </a:solidFill>
-            </a:endParaRPr>
           </a:p>
         </p:txBody>
       </p:sp>
@@ -4190,7 +6764,7 @@
           <a:lstStyle/>
           <a:p>
             <a:r>
-              <a:rPr lang="en-US" sz="2000" dirty="0" smtClean="0">
+              <a:rPr lang="en-US" sz="2000" dirty="0">
                 <a:latin typeface="Georgia" panose="02040502050405020303" pitchFamily="18" charset="0"/>
               </a:rPr>
               <a:t>YES</a:t>
@@ -4260,7 +6834,7 @@
           <a:lstStyle/>
           <a:p>
             <a:r>
-              <a:rPr lang="en-US" sz="2000" dirty="0" smtClean="0">
+              <a:rPr lang="en-US" sz="2000" dirty="0">
                 <a:latin typeface="Georgia" panose="02040502050405020303" pitchFamily="18" charset="0"/>
               </a:rPr>
               <a:t>NO</a:t>
@@ -4314,18 +6888,13 @@
           <a:p>
             <a:pPr algn="ctr"/>
             <a:r>
-              <a:rPr lang="en-US" b="1" dirty="0" smtClean="0">
+              <a:rPr lang="en-US" b="1" dirty="0">
                 <a:solidFill>
                   <a:schemeClr val="bg1"/>
                 </a:solidFill>
               </a:rPr>
               <a:t>Prepare yourself mentally and physically to get totally soaked on your way to work</a:t>
             </a:r>
-            <a:endParaRPr lang="en-US" b="1" dirty="0">
-              <a:solidFill>
-                <a:schemeClr val="bg1"/>
-              </a:solidFill>
-            </a:endParaRPr>
           </a:p>
         </p:txBody>
       </p:sp>
@@ -5130,3335 +7699,6 @@
 </p:sld>
 </file>
 
-<file path=ppt/slides/slide11.xml><?xml version="1.0" encoding="utf-8"?>
-<p:sld xmlns:a="http://schemas.openxmlformats.org/drawingml/2006/main" xmlns:r="http://schemas.openxmlformats.org/officeDocument/2006/relationships" xmlns:p="http://schemas.openxmlformats.org/presentationml/2006/main">
-  <p:cSld>
-    <p:spTree>
-      <p:nvGrpSpPr>
-        <p:cNvPr id="1" name=""/>
-        <p:cNvGrpSpPr/>
-        <p:nvPr/>
-      </p:nvGrpSpPr>
-      <p:grpSpPr>
-        <a:xfrm>
-          <a:off x="0" y="0"/>
-          <a:ext cx="0" cy="0"/>
-          <a:chOff x="0" y="0"/>
-          <a:chExt cx="0" cy="0"/>
-        </a:xfrm>
-      </p:grpSpPr>
-      <p:sp>
-        <p:nvSpPr>
-          <p:cNvPr id="2" name="Title 1"/>
-          <p:cNvSpPr>
-            <a:spLocks noGrp="1"/>
-          </p:cNvSpPr>
-          <p:nvPr>
-            <p:ph type="title"/>
-          </p:nvPr>
-        </p:nvSpPr>
-        <p:spPr/>
-        <p:txBody>
-          <a:bodyPr/>
-          <a:lstStyle/>
-          <a:p>
-            <a:r>
-              <a:rPr lang="en-US" dirty="0" smtClean="0"/>
-              <a:t>Flow Control - </a:t>
-            </a:r>
-            <a:r>
-              <a:rPr lang="en-US" dirty="0" err="1" smtClean="0"/>
-              <a:t>Pseudocode</a:t>
-            </a:r>
-            <a:endParaRPr lang="en-US" dirty="0"/>
-          </a:p>
-        </p:txBody>
-      </p:sp>
-      <p:sp>
-        <p:nvSpPr>
-          <p:cNvPr id="26" name="TextBox 25"/>
-          <p:cNvSpPr txBox="1"/>
-          <p:nvPr/>
-        </p:nvSpPr>
-        <p:spPr>
-          <a:xfrm>
-            <a:off x="838200" y="1690688"/>
-            <a:ext cx="4828822" cy="2308324"/>
-          </a:xfrm>
-          <a:prstGeom prst="rect">
-            <a:avLst/>
-          </a:prstGeom>
-          <a:noFill/>
-        </p:spPr>
-        <p:txBody>
-          <a:bodyPr wrap="none" rtlCol="0">
-            <a:spAutoFit/>
-          </a:bodyPr>
-          <a:lstStyle/>
-          <a:p>
-            <a:pPr defTabSz="457200">
-              <a:tabLst>
-                <a:tab pos="0" algn="l"/>
-              </a:tabLst>
-            </a:pPr>
-            <a:r>
-              <a:rPr lang="en-US" dirty="0"/>
-              <a:t>if it's raining then </a:t>
-            </a:r>
-            <a:endParaRPr lang="en-US" dirty="0" smtClean="0"/>
-          </a:p>
-          <a:p>
-            <a:pPr defTabSz="457200">
-              <a:tabLst>
-                <a:tab pos="0" algn="l"/>
-              </a:tabLst>
-            </a:pPr>
-            <a:r>
-              <a:rPr lang="en-US" dirty="0"/>
-              <a:t>	</a:t>
-            </a:r>
-            <a:r>
-              <a:rPr lang="en-US" dirty="0" smtClean="0"/>
-              <a:t>	if </a:t>
-            </a:r>
-            <a:r>
-              <a:rPr lang="en-US" dirty="0"/>
-              <a:t>you have an umbrella then </a:t>
-            </a:r>
-            <a:endParaRPr lang="en-US" dirty="0" smtClean="0"/>
-          </a:p>
-          <a:p>
-            <a:pPr defTabSz="457200">
-              <a:tabLst>
-                <a:tab pos="0" algn="l"/>
-              </a:tabLst>
-            </a:pPr>
-            <a:r>
-              <a:rPr lang="en-US" dirty="0"/>
-              <a:t>	</a:t>
-            </a:r>
-            <a:r>
-              <a:rPr lang="en-US" dirty="0" smtClean="0"/>
-              <a:t>		grab </a:t>
-            </a:r>
-            <a:r>
-              <a:rPr lang="en-US" dirty="0"/>
-              <a:t>your umbrella and go to work </a:t>
-            </a:r>
-            <a:endParaRPr lang="en-US" dirty="0" smtClean="0"/>
-          </a:p>
-          <a:p>
-            <a:pPr defTabSz="457200">
-              <a:tabLst>
-                <a:tab pos="0" algn="l"/>
-              </a:tabLst>
-            </a:pPr>
-            <a:r>
-              <a:rPr lang="en-US" dirty="0"/>
-              <a:t>	</a:t>
-            </a:r>
-            <a:r>
-              <a:rPr lang="en-US" dirty="0" smtClean="0"/>
-              <a:t>	otherwise </a:t>
-            </a:r>
-          </a:p>
-          <a:p>
-            <a:pPr defTabSz="457200">
-              <a:tabLst>
-                <a:tab pos="0" algn="l"/>
-              </a:tabLst>
-            </a:pPr>
-            <a:r>
-              <a:rPr lang="en-US" dirty="0"/>
-              <a:t>	</a:t>
-            </a:r>
-            <a:r>
-              <a:rPr lang="en-US" dirty="0" smtClean="0"/>
-              <a:t>		if </a:t>
-            </a:r>
-            <a:r>
-              <a:rPr lang="en-US" dirty="0"/>
-              <a:t>you have a jacket then </a:t>
-            </a:r>
-            <a:endParaRPr lang="en-US" dirty="0" smtClean="0"/>
-          </a:p>
-          <a:p>
-            <a:pPr defTabSz="457200">
-              <a:tabLst>
-                <a:tab pos="0" algn="l"/>
-              </a:tabLst>
-            </a:pPr>
-            <a:r>
-              <a:rPr lang="en-US" dirty="0"/>
-              <a:t>	</a:t>
-            </a:r>
-            <a:r>
-              <a:rPr lang="en-US" dirty="0" smtClean="0"/>
-              <a:t>			grab </a:t>
-            </a:r>
-            <a:r>
-              <a:rPr lang="en-US" dirty="0"/>
-              <a:t>your jacket and go to work </a:t>
-            </a:r>
-            <a:endParaRPr lang="en-US" dirty="0" smtClean="0"/>
-          </a:p>
-          <a:p>
-            <a:pPr defTabSz="457200">
-              <a:tabLst>
-                <a:tab pos="0" algn="l"/>
-              </a:tabLst>
-            </a:pPr>
-            <a:r>
-              <a:rPr lang="en-US" dirty="0"/>
-              <a:t>	</a:t>
-            </a:r>
-            <a:r>
-              <a:rPr lang="en-US" dirty="0" smtClean="0"/>
-              <a:t>		otherwise </a:t>
-            </a:r>
-          </a:p>
-          <a:p>
-            <a:pPr defTabSz="457200">
-              <a:tabLst>
-                <a:tab pos="0" algn="l"/>
-              </a:tabLst>
-            </a:pPr>
-            <a:r>
-              <a:rPr lang="en-US" dirty="0"/>
-              <a:t>	</a:t>
-            </a:r>
-            <a:r>
-              <a:rPr lang="en-US" dirty="0" smtClean="0"/>
-              <a:t>			Sadly</a:t>
-            </a:r>
-            <a:r>
-              <a:rPr lang="en-US" dirty="0"/>
-              <a:t>, you're going to get soaked :/</a:t>
-            </a:r>
-          </a:p>
-        </p:txBody>
-      </p:sp>
-      <p:pic>
-        <p:nvPicPr>
-          <p:cNvPr id="3" name="Picture 2"/>
-          <p:cNvPicPr>
-            <a:picLocks noChangeAspect="1"/>
-          </p:cNvPicPr>
-          <p:nvPr/>
-        </p:nvPicPr>
-        <p:blipFill>
-          <a:blip r:embed="rId2"/>
-          <a:stretch>
-            <a:fillRect/>
-          </a:stretch>
-        </p:blipFill>
-        <p:spPr>
-          <a:xfrm>
-            <a:off x="1304925" y="3999012"/>
-            <a:ext cx="9582150" cy="2162175"/>
-          </a:xfrm>
-          <a:prstGeom prst="rect">
-            <a:avLst/>
-          </a:prstGeom>
-        </p:spPr>
-      </p:pic>
-    </p:spTree>
-    <p:extLst>
-      <p:ext uri="{BB962C8B-B14F-4D97-AF65-F5344CB8AC3E}">
-        <p14:creationId xmlns:p14="http://schemas.microsoft.com/office/powerpoint/2010/main" val="1630613848"/>
-      </p:ext>
-    </p:extLst>
-  </p:cSld>
-  <p:clrMapOvr>
-    <a:masterClrMapping/>
-  </p:clrMapOvr>
-  <p:timing>
-    <p:tnLst>
-      <p:par>
-        <p:cTn id="1" dur="indefinite" restart="never" nodeType="tmRoot">
-          <p:childTnLst>
-            <p:seq concurrent="1" nextAc="seek">
-              <p:cTn id="2" dur="indefinite" nodeType="mainSeq">
-                <p:childTnLst>
-                  <p:par>
-                    <p:cTn id="3" fill="hold">
-                      <p:stCondLst>
-                        <p:cond delay="indefinite"/>
-                      </p:stCondLst>
-                      <p:childTnLst>
-                        <p:par>
-                          <p:cTn id="4" fill="hold">
-                            <p:stCondLst>
-                              <p:cond delay="0"/>
-                            </p:stCondLst>
-                            <p:childTnLst>
-                              <p:par>
-                                <p:cTn id="5" presetID="1" presetClass="entr" presetSubtype="0" fill="hold" nodeType="clickEffect">
-                                  <p:stCondLst>
-                                    <p:cond delay="0"/>
-                                  </p:stCondLst>
-                                  <p:childTnLst>
-                                    <p:set>
-                                      <p:cBhvr>
-                                        <p:cTn id="6" dur="1" fill="hold">
-                                          <p:stCondLst>
-                                            <p:cond delay="0"/>
-                                          </p:stCondLst>
-                                        </p:cTn>
-                                        <p:tgtEl>
-                                          <p:spTgt spid="26">
-                                            <p:txEl>
-                                              <p:pRg st="0" end="0"/>
-                                            </p:txEl>
-                                          </p:spTgt>
-                                        </p:tgtEl>
-                                        <p:attrNameLst>
-                                          <p:attrName>style.visibility</p:attrName>
-                                        </p:attrNameLst>
-                                      </p:cBhvr>
-                                      <p:to>
-                                        <p:strVal val="visible"/>
-                                      </p:to>
-                                    </p:set>
-                                  </p:childTnLst>
-                                </p:cTn>
-                              </p:par>
-                            </p:childTnLst>
-                          </p:cTn>
-                        </p:par>
-                      </p:childTnLst>
-                    </p:cTn>
-                  </p:par>
-                  <p:par>
-                    <p:cTn id="7" fill="hold">
-                      <p:stCondLst>
-                        <p:cond delay="indefinite"/>
-                      </p:stCondLst>
-                      <p:childTnLst>
-                        <p:par>
-                          <p:cTn id="8" fill="hold">
-                            <p:stCondLst>
-                              <p:cond delay="0"/>
-                            </p:stCondLst>
-                            <p:childTnLst>
-                              <p:par>
-                                <p:cTn id="9" presetID="1" presetClass="entr" presetSubtype="0" fill="hold" nodeType="clickEffect">
-                                  <p:stCondLst>
-                                    <p:cond delay="0"/>
-                                  </p:stCondLst>
-                                  <p:childTnLst>
-                                    <p:set>
-                                      <p:cBhvr>
-                                        <p:cTn id="10" dur="1" fill="hold">
-                                          <p:stCondLst>
-                                            <p:cond delay="0"/>
-                                          </p:stCondLst>
-                                        </p:cTn>
-                                        <p:tgtEl>
-                                          <p:spTgt spid="26">
-                                            <p:txEl>
-                                              <p:pRg st="1" end="1"/>
-                                            </p:txEl>
-                                          </p:spTgt>
-                                        </p:tgtEl>
-                                        <p:attrNameLst>
-                                          <p:attrName>style.visibility</p:attrName>
-                                        </p:attrNameLst>
-                                      </p:cBhvr>
-                                      <p:to>
-                                        <p:strVal val="visible"/>
-                                      </p:to>
-                                    </p:set>
-                                  </p:childTnLst>
-                                </p:cTn>
-                              </p:par>
-                            </p:childTnLst>
-                          </p:cTn>
-                        </p:par>
-                      </p:childTnLst>
-                    </p:cTn>
-                  </p:par>
-                  <p:par>
-                    <p:cTn id="11" fill="hold">
-                      <p:stCondLst>
-                        <p:cond delay="indefinite"/>
-                      </p:stCondLst>
-                      <p:childTnLst>
-                        <p:par>
-                          <p:cTn id="12" fill="hold">
-                            <p:stCondLst>
-                              <p:cond delay="0"/>
-                            </p:stCondLst>
-                            <p:childTnLst>
-                              <p:par>
-                                <p:cTn id="13" presetID="1" presetClass="entr" presetSubtype="0" fill="hold" nodeType="clickEffect">
-                                  <p:stCondLst>
-                                    <p:cond delay="0"/>
-                                  </p:stCondLst>
-                                  <p:childTnLst>
-                                    <p:set>
-                                      <p:cBhvr>
-                                        <p:cTn id="14" dur="1" fill="hold">
-                                          <p:stCondLst>
-                                            <p:cond delay="0"/>
-                                          </p:stCondLst>
-                                        </p:cTn>
-                                        <p:tgtEl>
-                                          <p:spTgt spid="26">
-                                            <p:txEl>
-                                              <p:pRg st="2" end="2"/>
-                                            </p:txEl>
-                                          </p:spTgt>
-                                        </p:tgtEl>
-                                        <p:attrNameLst>
-                                          <p:attrName>style.visibility</p:attrName>
-                                        </p:attrNameLst>
-                                      </p:cBhvr>
-                                      <p:to>
-                                        <p:strVal val="visible"/>
-                                      </p:to>
-                                    </p:set>
-                                  </p:childTnLst>
-                                </p:cTn>
-                              </p:par>
-                            </p:childTnLst>
-                          </p:cTn>
-                        </p:par>
-                      </p:childTnLst>
-                    </p:cTn>
-                  </p:par>
-                  <p:par>
-                    <p:cTn id="15" fill="hold">
-                      <p:stCondLst>
-                        <p:cond delay="indefinite"/>
-                      </p:stCondLst>
-                      <p:childTnLst>
-                        <p:par>
-                          <p:cTn id="16" fill="hold">
-                            <p:stCondLst>
-                              <p:cond delay="0"/>
-                            </p:stCondLst>
-                            <p:childTnLst>
-                              <p:par>
-                                <p:cTn id="17" presetID="1" presetClass="entr" presetSubtype="0" fill="hold" nodeType="clickEffect">
-                                  <p:stCondLst>
-                                    <p:cond delay="0"/>
-                                  </p:stCondLst>
-                                  <p:childTnLst>
-                                    <p:set>
-                                      <p:cBhvr>
-                                        <p:cTn id="18" dur="1" fill="hold">
-                                          <p:stCondLst>
-                                            <p:cond delay="0"/>
-                                          </p:stCondLst>
-                                        </p:cTn>
-                                        <p:tgtEl>
-                                          <p:spTgt spid="26">
-                                            <p:txEl>
-                                              <p:pRg st="3" end="3"/>
-                                            </p:txEl>
-                                          </p:spTgt>
-                                        </p:tgtEl>
-                                        <p:attrNameLst>
-                                          <p:attrName>style.visibility</p:attrName>
-                                        </p:attrNameLst>
-                                      </p:cBhvr>
-                                      <p:to>
-                                        <p:strVal val="visible"/>
-                                      </p:to>
-                                    </p:set>
-                                  </p:childTnLst>
-                                </p:cTn>
-                              </p:par>
-                            </p:childTnLst>
-                          </p:cTn>
-                        </p:par>
-                      </p:childTnLst>
-                    </p:cTn>
-                  </p:par>
-                  <p:par>
-                    <p:cTn id="19" fill="hold">
-                      <p:stCondLst>
-                        <p:cond delay="indefinite"/>
-                      </p:stCondLst>
-                      <p:childTnLst>
-                        <p:par>
-                          <p:cTn id="20" fill="hold">
-                            <p:stCondLst>
-                              <p:cond delay="0"/>
-                            </p:stCondLst>
-                            <p:childTnLst>
-                              <p:par>
-                                <p:cTn id="21" presetID="1" presetClass="entr" presetSubtype="0" fill="hold" nodeType="clickEffect">
-                                  <p:stCondLst>
-                                    <p:cond delay="0"/>
-                                  </p:stCondLst>
-                                  <p:childTnLst>
-                                    <p:set>
-                                      <p:cBhvr>
-                                        <p:cTn id="22" dur="1" fill="hold">
-                                          <p:stCondLst>
-                                            <p:cond delay="0"/>
-                                          </p:stCondLst>
-                                        </p:cTn>
-                                        <p:tgtEl>
-                                          <p:spTgt spid="26">
-                                            <p:txEl>
-                                              <p:pRg st="4" end="4"/>
-                                            </p:txEl>
-                                          </p:spTgt>
-                                        </p:tgtEl>
-                                        <p:attrNameLst>
-                                          <p:attrName>style.visibility</p:attrName>
-                                        </p:attrNameLst>
-                                      </p:cBhvr>
-                                      <p:to>
-                                        <p:strVal val="visible"/>
-                                      </p:to>
-                                    </p:set>
-                                  </p:childTnLst>
-                                </p:cTn>
-                              </p:par>
-                            </p:childTnLst>
-                          </p:cTn>
-                        </p:par>
-                      </p:childTnLst>
-                    </p:cTn>
-                  </p:par>
-                  <p:par>
-                    <p:cTn id="23" fill="hold">
-                      <p:stCondLst>
-                        <p:cond delay="indefinite"/>
-                      </p:stCondLst>
-                      <p:childTnLst>
-                        <p:par>
-                          <p:cTn id="24" fill="hold">
-                            <p:stCondLst>
-                              <p:cond delay="0"/>
-                            </p:stCondLst>
-                            <p:childTnLst>
-                              <p:par>
-                                <p:cTn id="25" presetID="1" presetClass="entr" presetSubtype="0" fill="hold" nodeType="clickEffect">
-                                  <p:stCondLst>
-                                    <p:cond delay="0"/>
-                                  </p:stCondLst>
-                                  <p:childTnLst>
-                                    <p:set>
-                                      <p:cBhvr>
-                                        <p:cTn id="26" dur="1" fill="hold">
-                                          <p:stCondLst>
-                                            <p:cond delay="0"/>
-                                          </p:stCondLst>
-                                        </p:cTn>
-                                        <p:tgtEl>
-                                          <p:spTgt spid="26">
-                                            <p:txEl>
-                                              <p:pRg st="5" end="5"/>
-                                            </p:txEl>
-                                          </p:spTgt>
-                                        </p:tgtEl>
-                                        <p:attrNameLst>
-                                          <p:attrName>style.visibility</p:attrName>
-                                        </p:attrNameLst>
-                                      </p:cBhvr>
-                                      <p:to>
-                                        <p:strVal val="visible"/>
-                                      </p:to>
-                                    </p:set>
-                                  </p:childTnLst>
-                                </p:cTn>
-                              </p:par>
-                            </p:childTnLst>
-                          </p:cTn>
-                        </p:par>
-                      </p:childTnLst>
-                    </p:cTn>
-                  </p:par>
-                  <p:par>
-                    <p:cTn id="27" fill="hold">
-                      <p:stCondLst>
-                        <p:cond delay="indefinite"/>
-                      </p:stCondLst>
-                      <p:childTnLst>
-                        <p:par>
-                          <p:cTn id="28" fill="hold">
-                            <p:stCondLst>
-                              <p:cond delay="0"/>
-                            </p:stCondLst>
-                            <p:childTnLst>
-                              <p:par>
-                                <p:cTn id="29" presetID="1" presetClass="entr" presetSubtype="0" fill="hold" nodeType="clickEffect">
-                                  <p:stCondLst>
-                                    <p:cond delay="0"/>
-                                  </p:stCondLst>
-                                  <p:childTnLst>
-                                    <p:set>
-                                      <p:cBhvr>
-                                        <p:cTn id="30" dur="1" fill="hold">
-                                          <p:stCondLst>
-                                            <p:cond delay="0"/>
-                                          </p:stCondLst>
-                                        </p:cTn>
-                                        <p:tgtEl>
-                                          <p:spTgt spid="26">
-                                            <p:txEl>
-                                              <p:pRg st="6" end="6"/>
-                                            </p:txEl>
-                                          </p:spTgt>
-                                        </p:tgtEl>
-                                        <p:attrNameLst>
-                                          <p:attrName>style.visibility</p:attrName>
-                                        </p:attrNameLst>
-                                      </p:cBhvr>
-                                      <p:to>
-                                        <p:strVal val="visible"/>
-                                      </p:to>
-                                    </p:set>
-                                  </p:childTnLst>
-                                </p:cTn>
-                              </p:par>
-                            </p:childTnLst>
-                          </p:cTn>
-                        </p:par>
-                      </p:childTnLst>
-                    </p:cTn>
-                  </p:par>
-                  <p:par>
-                    <p:cTn id="31" fill="hold">
-                      <p:stCondLst>
-                        <p:cond delay="indefinite"/>
-                      </p:stCondLst>
-                      <p:childTnLst>
-                        <p:par>
-                          <p:cTn id="32" fill="hold">
-                            <p:stCondLst>
-                              <p:cond delay="0"/>
-                            </p:stCondLst>
-                            <p:childTnLst>
-                              <p:par>
-                                <p:cTn id="33" presetID="1" presetClass="entr" presetSubtype="0" fill="hold" nodeType="clickEffect">
-                                  <p:stCondLst>
-                                    <p:cond delay="0"/>
-                                  </p:stCondLst>
-                                  <p:childTnLst>
-                                    <p:set>
-                                      <p:cBhvr>
-                                        <p:cTn id="34" dur="1" fill="hold">
-                                          <p:stCondLst>
-                                            <p:cond delay="0"/>
-                                          </p:stCondLst>
-                                        </p:cTn>
-                                        <p:tgtEl>
-                                          <p:spTgt spid="26">
-                                            <p:txEl>
-                                              <p:pRg st="7" end="7"/>
-                                            </p:txEl>
-                                          </p:spTgt>
-                                        </p:tgtEl>
-                                        <p:attrNameLst>
-                                          <p:attrName>style.visibility</p:attrName>
-                                        </p:attrNameLst>
-                                      </p:cBhvr>
-                                      <p:to>
-                                        <p:strVal val="visible"/>
-                                      </p:to>
-                                    </p:set>
-                                  </p:childTnLst>
-                                </p:cTn>
-                              </p:par>
-                            </p:childTnLst>
-                          </p:cTn>
-                        </p:par>
-                      </p:childTnLst>
-                    </p:cTn>
-                  </p:par>
-                  <p:par>
-                    <p:cTn id="35" fill="hold">
-                      <p:stCondLst>
-                        <p:cond delay="indefinite"/>
-                      </p:stCondLst>
-                      <p:childTnLst>
-                        <p:par>
-                          <p:cTn id="36" fill="hold">
-                            <p:stCondLst>
-                              <p:cond delay="0"/>
-                            </p:stCondLst>
-                            <p:childTnLst>
-                              <p:par>
-                                <p:cTn id="37" presetID="1" presetClass="entr" presetSubtype="0" fill="hold" nodeType="clickEffect">
-                                  <p:stCondLst>
-                                    <p:cond delay="0"/>
-                                  </p:stCondLst>
-                                  <p:childTnLst>
-                                    <p:set>
-                                      <p:cBhvr>
-                                        <p:cTn id="38" dur="1" fill="hold">
-                                          <p:stCondLst>
-                                            <p:cond delay="0"/>
-                                          </p:stCondLst>
-                                        </p:cTn>
-                                        <p:tgtEl>
-                                          <p:spTgt spid="3"/>
-                                        </p:tgtEl>
-                                        <p:attrNameLst>
-                                          <p:attrName>style.visibility</p:attrName>
-                                        </p:attrNameLst>
-                                      </p:cBhvr>
-                                      <p:to>
-                                        <p:strVal val="visible"/>
-                                      </p:to>
-                                    </p:set>
-                                  </p:childTnLst>
-                                </p:cTn>
-                              </p:par>
-                            </p:childTnLst>
-                          </p:cTn>
-                        </p:par>
-                      </p:childTnLst>
-                    </p:cTn>
-                  </p:par>
-                </p:childTnLst>
-              </p:cTn>
-              <p:prevCondLst>
-                <p:cond evt="onPrev" delay="0">
-                  <p:tgtEl>
-                    <p:sldTgt/>
-                  </p:tgtEl>
-                </p:cond>
-              </p:prevCondLst>
-              <p:nextCondLst>
-                <p:cond evt="onNext" delay="0">
-                  <p:tgtEl>
-                    <p:sldTgt/>
-                  </p:tgtEl>
-                </p:cond>
-              </p:nextCondLst>
-            </p:seq>
-          </p:childTnLst>
-        </p:cTn>
-      </p:par>
-    </p:tnLst>
-  </p:timing>
-</p:sld>
-</file>
-
-<file path=ppt/slides/slide12.xml><?xml version="1.0" encoding="utf-8"?>
-<p:sld xmlns:a="http://schemas.openxmlformats.org/drawingml/2006/main" xmlns:r="http://schemas.openxmlformats.org/officeDocument/2006/relationships" xmlns:p="http://schemas.openxmlformats.org/presentationml/2006/main">
-  <p:cSld>
-    <p:spTree>
-      <p:nvGrpSpPr>
-        <p:cNvPr id="1" name=""/>
-        <p:cNvGrpSpPr/>
-        <p:nvPr/>
-      </p:nvGrpSpPr>
-      <p:grpSpPr>
-        <a:xfrm>
-          <a:off x="0" y="0"/>
-          <a:ext cx="0" cy="0"/>
-          <a:chOff x="0" y="0"/>
-          <a:chExt cx="0" cy="0"/>
-        </a:xfrm>
-      </p:grpSpPr>
-      <p:sp>
-        <p:nvSpPr>
-          <p:cNvPr id="2" name="Title 1"/>
-          <p:cNvSpPr>
-            <a:spLocks noGrp="1"/>
-          </p:cNvSpPr>
-          <p:nvPr>
-            <p:ph type="title"/>
-          </p:nvPr>
-        </p:nvSpPr>
-        <p:spPr/>
-        <p:txBody>
-          <a:bodyPr/>
-          <a:lstStyle/>
-          <a:p>
-            <a:r>
-              <a:rPr lang="en-US" dirty="0" smtClean="0"/>
-              <a:t>Questions &amp; Examples</a:t>
-            </a:r>
-            <a:endParaRPr lang="en-US" dirty="0"/>
-          </a:p>
-        </p:txBody>
-      </p:sp>
-    </p:spTree>
-    <p:extLst>
-      <p:ext uri="{BB962C8B-B14F-4D97-AF65-F5344CB8AC3E}">
-        <p14:creationId xmlns:p14="http://schemas.microsoft.com/office/powerpoint/2010/main" val="142855638"/>
-      </p:ext>
-    </p:extLst>
-  </p:cSld>
-  <p:clrMapOvr>
-    <a:masterClrMapping/>
-  </p:clrMapOvr>
-  <p:timing>
-    <p:tnLst>
-      <p:par>
-        <p:cTn id="1" dur="indefinite" restart="never" nodeType="tmRoot"/>
-      </p:par>
-    </p:tnLst>
-  </p:timing>
-</p:sld>
-</file>
-
-<file path=ppt/slides/slide2.xml><?xml version="1.0" encoding="utf-8"?>
-<p:sld xmlns:a="http://schemas.openxmlformats.org/drawingml/2006/main" xmlns:r="http://schemas.openxmlformats.org/officeDocument/2006/relationships" xmlns:p="http://schemas.openxmlformats.org/presentationml/2006/main">
-  <p:cSld>
-    <p:spTree>
-      <p:nvGrpSpPr>
-        <p:cNvPr id="1" name=""/>
-        <p:cNvGrpSpPr/>
-        <p:nvPr/>
-      </p:nvGrpSpPr>
-      <p:grpSpPr>
-        <a:xfrm>
-          <a:off x="0" y="0"/>
-          <a:ext cx="0" cy="0"/>
-          <a:chOff x="0" y="0"/>
-          <a:chExt cx="0" cy="0"/>
-        </a:xfrm>
-      </p:grpSpPr>
-      <p:sp>
-        <p:nvSpPr>
-          <p:cNvPr id="2" name="Title 1"/>
-          <p:cNvSpPr>
-            <a:spLocks noGrp="1"/>
-          </p:cNvSpPr>
-          <p:nvPr>
-            <p:ph type="title"/>
-          </p:nvPr>
-        </p:nvSpPr>
-        <p:spPr/>
-        <p:txBody>
-          <a:bodyPr/>
-          <a:lstStyle/>
-          <a:p>
-            <a:r>
-              <a:rPr lang="en-US" dirty="0" smtClean="0"/>
-              <a:t>Agenda</a:t>
-            </a:r>
-            <a:endParaRPr lang="en-US" dirty="0"/>
-          </a:p>
-        </p:txBody>
-      </p:sp>
-      <p:sp>
-        <p:nvSpPr>
-          <p:cNvPr id="3" name="Content Placeholder 2"/>
-          <p:cNvSpPr>
-            <a:spLocks noGrp="1"/>
-          </p:cNvSpPr>
-          <p:nvPr>
-            <p:ph idx="1"/>
-          </p:nvPr>
-        </p:nvSpPr>
-        <p:spPr/>
-        <p:txBody>
-          <a:bodyPr>
-            <a:normAutofit lnSpcReduction="10000"/>
-          </a:bodyPr>
-          <a:lstStyle/>
-          <a:p>
-            <a:r>
-              <a:rPr lang="en-US" dirty="0" smtClean="0"/>
-              <a:t>Introduction</a:t>
-            </a:r>
-          </a:p>
-          <a:p>
-            <a:r>
-              <a:rPr lang="en-US" dirty="0" smtClean="0"/>
-              <a:t>Course Goals</a:t>
-            </a:r>
-            <a:endParaRPr lang="en-US" dirty="0" smtClean="0"/>
-          </a:p>
-          <a:p>
-            <a:r>
-              <a:rPr lang="en-US" dirty="0" smtClean="0"/>
-              <a:t>Innovation</a:t>
-            </a:r>
-          </a:p>
-          <a:p>
-            <a:r>
-              <a:rPr lang="en-US" dirty="0" smtClean="0"/>
-              <a:t>Development Environment</a:t>
-            </a:r>
-          </a:p>
-          <a:p>
-            <a:r>
-              <a:rPr lang="en-US" dirty="0" smtClean="0"/>
-              <a:t>Coding Tools</a:t>
-            </a:r>
-          </a:p>
-          <a:p>
-            <a:r>
-              <a:rPr lang="en-US" dirty="0" smtClean="0"/>
-              <a:t>Programming Basics</a:t>
-            </a:r>
-          </a:p>
-          <a:p>
-            <a:r>
-              <a:rPr lang="en-US" dirty="0" smtClean="0"/>
-              <a:t>Functions</a:t>
-            </a:r>
-          </a:p>
-          <a:p>
-            <a:r>
-              <a:rPr lang="en-US" dirty="0" smtClean="0"/>
-              <a:t>Flow Control</a:t>
-            </a:r>
-          </a:p>
-          <a:p>
-            <a:r>
-              <a:rPr lang="en-US" dirty="0" smtClean="0"/>
-              <a:t>Questions &amp; Examples</a:t>
-            </a:r>
-            <a:endParaRPr lang="en-US" dirty="0"/>
-          </a:p>
-        </p:txBody>
-      </p:sp>
-    </p:spTree>
-    <p:extLst>
-      <p:ext uri="{BB962C8B-B14F-4D97-AF65-F5344CB8AC3E}">
-        <p14:creationId xmlns:p14="http://schemas.microsoft.com/office/powerpoint/2010/main" val="3001369235"/>
-      </p:ext>
-    </p:extLst>
-  </p:cSld>
-  <p:clrMapOvr>
-    <a:masterClrMapping/>
-  </p:clrMapOvr>
-  <p:timing>
-    <p:tnLst>
-      <p:par>
-        <p:cTn id="1" dur="indefinite" restart="never" nodeType="tmRoot"/>
-      </p:par>
-    </p:tnLst>
-  </p:timing>
-</p:sld>
-</file>
-
-<file path=ppt/slides/slide3.xml><?xml version="1.0" encoding="utf-8"?>
-<p:sld xmlns:a="http://schemas.openxmlformats.org/drawingml/2006/main" xmlns:r="http://schemas.openxmlformats.org/officeDocument/2006/relationships" xmlns:p="http://schemas.openxmlformats.org/presentationml/2006/main">
-  <p:cSld>
-    <p:spTree>
-      <p:nvGrpSpPr>
-        <p:cNvPr id="1" name=""/>
-        <p:cNvGrpSpPr/>
-        <p:nvPr/>
-      </p:nvGrpSpPr>
-      <p:grpSpPr>
-        <a:xfrm>
-          <a:off x="0" y="0"/>
-          <a:ext cx="0" cy="0"/>
-          <a:chOff x="0" y="0"/>
-          <a:chExt cx="0" cy="0"/>
-        </a:xfrm>
-      </p:grpSpPr>
-      <p:sp>
-        <p:nvSpPr>
-          <p:cNvPr id="6" name="Title 5"/>
-          <p:cNvSpPr>
-            <a:spLocks noGrp="1"/>
-          </p:cNvSpPr>
-          <p:nvPr>
-            <p:ph type="title"/>
-          </p:nvPr>
-        </p:nvSpPr>
-        <p:spPr/>
-        <p:txBody>
-          <a:bodyPr>
-            <a:normAutofit fontScale="90000"/>
-          </a:bodyPr>
-          <a:lstStyle/>
-          <a:p>
-            <a:r>
-              <a:rPr lang="en-US" dirty="0" smtClean="0"/>
-              <a:t>Introduction</a:t>
-            </a:r>
-            <a:r>
-              <a:rPr lang="en-US" dirty="0"/>
-              <a:t/>
-            </a:r>
-            <a:br>
-              <a:rPr lang="en-US" dirty="0"/>
-            </a:br>
-            <a:r>
-              <a:rPr lang="en-US" sz="2000" b="1" dirty="0">
-                <a:solidFill>
-                  <a:srgbClr val="00857D"/>
-                </a:solidFill>
-                <a:latin typeface="Georgia" panose="02040502050405020303" pitchFamily="18" charset="0"/>
-              </a:rPr>
-              <a:t>UPS MBA Intern – LATAM GFF Pricing</a:t>
-            </a:r>
-            <a:r>
-              <a:rPr lang="en-US" dirty="0"/>
-              <a:t/>
-            </a:r>
-            <a:br>
-              <a:rPr lang="en-US" dirty="0"/>
-            </a:br>
-            <a:endParaRPr lang="en-US" dirty="0"/>
-          </a:p>
-        </p:txBody>
-      </p:sp>
-      <p:sp>
-        <p:nvSpPr>
-          <p:cNvPr id="7" name="Content Placeholder 6"/>
-          <p:cNvSpPr>
-            <a:spLocks noGrp="1"/>
-          </p:cNvSpPr>
-          <p:nvPr>
-            <p:ph idx="1"/>
-          </p:nvPr>
-        </p:nvSpPr>
-        <p:spPr>
-          <a:xfrm>
-            <a:off x="3717533" y="1310010"/>
-            <a:ext cx="7505637" cy="4493153"/>
-          </a:xfrm>
-        </p:spPr>
-        <p:txBody>
-          <a:bodyPr>
-            <a:normAutofit lnSpcReduction="10000"/>
-          </a:bodyPr>
-          <a:lstStyle/>
-          <a:p>
-            <a:r>
-              <a:rPr lang="en-US" u="sng" dirty="0" smtClean="0"/>
-              <a:t>Education</a:t>
-            </a:r>
-          </a:p>
-          <a:p>
-            <a:pPr lvl="1" algn="just"/>
-            <a:r>
-              <a:rPr lang="en-US" dirty="0"/>
-              <a:t>University of South Carolina</a:t>
-            </a:r>
-          </a:p>
-          <a:p>
-            <a:pPr lvl="2" algn="just"/>
-            <a:r>
-              <a:rPr lang="en-US" dirty="0" smtClean="0"/>
-              <a:t>B.A. Russian Language, Literature, and Culture, 2011</a:t>
-            </a:r>
-          </a:p>
-          <a:p>
-            <a:pPr lvl="2" algn="just"/>
-            <a:r>
-              <a:rPr lang="en-US" dirty="0" smtClean="0"/>
-              <a:t>Masters of </a:t>
-            </a:r>
-            <a:r>
-              <a:rPr lang="en-US" dirty="0"/>
-              <a:t>International Business, </a:t>
-            </a:r>
-            <a:r>
-              <a:rPr lang="en-US" dirty="0" smtClean="0"/>
-              <a:t>2019</a:t>
-            </a:r>
-            <a:endParaRPr lang="en-US" sz="1600" dirty="0"/>
-          </a:p>
-          <a:p>
-            <a:pPr lvl="1" algn="just"/>
-            <a:r>
-              <a:rPr lang="en-US" dirty="0" smtClean="0"/>
-              <a:t>Higher School of Economics – Moscow, Russia</a:t>
-            </a:r>
-          </a:p>
-          <a:p>
-            <a:pPr lvl="2" algn="just"/>
-            <a:r>
-              <a:rPr lang="en-US" dirty="0" smtClean="0"/>
-              <a:t>Masters of International Business, expected 2020</a:t>
-            </a:r>
-          </a:p>
-          <a:p>
-            <a:r>
-              <a:rPr lang="en-US" u="sng" dirty="0" smtClean="0"/>
-              <a:t>Work Experience</a:t>
-            </a:r>
-          </a:p>
-          <a:p>
-            <a:pPr lvl="1" algn="just"/>
-            <a:r>
-              <a:rPr lang="en-US" dirty="0" smtClean="0"/>
-              <a:t>10</a:t>
-            </a:r>
-            <a:r>
-              <a:rPr lang="en-US" baseline="30000" dirty="0" smtClean="0"/>
-              <a:t>+</a:t>
-            </a:r>
-            <a:r>
-              <a:rPr lang="en-US" dirty="0" smtClean="0"/>
-              <a:t> years of work experience including:</a:t>
-            </a:r>
-            <a:endParaRPr lang="en-US" dirty="0"/>
-          </a:p>
-          <a:p>
-            <a:pPr lvl="2" algn="just"/>
-            <a:r>
-              <a:rPr lang="en-US" dirty="0" smtClean="0"/>
-              <a:t>U.S. Army</a:t>
-            </a:r>
-          </a:p>
-          <a:p>
-            <a:pPr lvl="2" algn="just"/>
-            <a:r>
-              <a:rPr lang="en-US" dirty="0" smtClean="0"/>
-              <a:t>DoD Contracting</a:t>
-            </a:r>
-          </a:p>
-          <a:p>
-            <a:pPr lvl="2" algn="just"/>
-            <a:r>
-              <a:rPr lang="en-US" dirty="0" smtClean="0"/>
-              <a:t>Healthcare Consulting</a:t>
-            </a:r>
-          </a:p>
-          <a:p>
-            <a:pPr lvl="2" algn="just"/>
-            <a:r>
-              <a:rPr lang="en-US" dirty="0" smtClean="0"/>
-              <a:t>Software Engineering &amp; Legacy Enterprise Data Systems</a:t>
-            </a:r>
-          </a:p>
-          <a:p>
-            <a:pPr marL="285750" indent="-285750"/>
-            <a:endParaRPr lang="en-US" sz="1600" dirty="0"/>
-          </a:p>
-        </p:txBody>
-      </p:sp>
-      <p:sp>
-        <p:nvSpPr>
-          <p:cNvPr id="5" name="Slide Number Placeholder 4"/>
-          <p:cNvSpPr>
-            <a:spLocks noGrp="1"/>
-          </p:cNvSpPr>
-          <p:nvPr>
-            <p:ph type="sldNum" sz="quarter" idx="12"/>
-          </p:nvPr>
-        </p:nvSpPr>
-        <p:spPr/>
-        <p:txBody>
-          <a:bodyPr/>
-          <a:lstStyle/>
-          <a:p>
-            <a:fld id="{4FA92F45-BA5D-4C7A-ACC7-D44B34072B97}" type="slidenum">
-              <a:rPr lang="en-US" smtClean="0"/>
-              <a:t>3</a:t>
-            </a:fld>
-            <a:endParaRPr lang="en-US"/>
-          </a:p>
-        </p:txBody>
-      </p:sp>
-      <p:grpSp>
-        <p:nvGrpSpPr>
-          <p:cNvPr id="11" name="Group 10"/>
-          <p:cNvGrpSpPr/>
-          <p:nvPr/>
-        </p:nvGrpSpPr>
-        <p:grpSpPr>
-          <a:xfrm>
-            <a:off x="838200" y="1310010"/>
-            <a:ext cx="2732926" cy="3960634"/>
-            <a:chOff x="5430362" y="2530267"/>
-            <a:chExt cx="2732926" cy="3960634"/>
-          </a:xfrm>
-        </p:grpSpPr>
-        <p:sp>
-          <p:nvSpPr>
-            <p:cNvPr id="10" name="Rectangle 9"/>
-            <p:cNvSpPr/>
-            <p:nvPr/>
-          </p:nvSpPr>
-          <p:spPr>
-            <a:xfrm>
-              <a:off x="5430362" y="2530267"/>
-              <a:ext cx="2732926" cy="3960634"/>
-            </a:xfrm>
-            <a:prstGeom prst="rect">
-              <a:avLst/>
-            </a:prstGeom>
-            <a:solidFill>
-              <a:srgbClr val="330000"/>
-            </a:solidFill>
-            <a:ln>
-              <a:noFill/>
-            </a:ln>
-            <a:effectLst>
-              <a:outerShdw blurRad="63500" sx="102000" sy="102000" algn="ctr" rotWithShape="0">
-                <a:prstClr val="black">
-                  <a:alpha val="40000"/>
-                </a:prstClr>
-              </a:outerShdw>
-            </a:effectLst>
-          </p:spPr>
-          <p:style>
-            <a:lnRef idx="2">
-              <a:schemeClr val="accent1">
-                <a:shade val="50000"/>
-              </a:schemeClr>
-            </a:lnRef>
-            <a:fillRef idx="1">
-              <a:schemeClr val="accent1"/>
-            </a:fillRef>
-            <a:effectRef idx="0">
-              <a:schemeClr val="accent1"/>
-            </a:effectRef>
-            <a:fontRef idx="minor">
-              <a:schemeClr val="lt1"/>
-            </a:fontRef>
-          </p:style>
-          <p:txBody>
-            <a:bodyPr rtlCol="0" anchor="ctr"/>
-            <a:lstStyle/>
-            <a:p>
-              <a:pPr algn="ctr"/>
-              <a:endParaRPr lang="en-US" dirty="0"/>
-            </a:p>
-          </p:txBody>
-        </p:sp>
-        <p:pic>
-          <p:nvPicPr>
-            <p:cNvPr id="9" name="Picture 8"/>
-            <p:cNvPicPr>
-              <a:picLocks noChangeAspect="1"/>
-            </p:cNvPicPr>
-            <p:nvPr/>
-          </p:nvPicPr>
-          <p:blipFill>
-            <a:blip r:embed="rId3" cstate="print">
-              <a:extLst>
-                <a:ext uri="{28A0092B-C50C-407E-A947-70E740481C1C}">
-                  <a14:useLocalDpi xmlns:a14="http://schemas.microsoft.com/office/drawing/2010/main" val="0"/>
-                </a:ext>
-              </a:extLst>
-            </a:blip>
-            <a:stretch>
-              <a:fillRect/>
-            </a:stretch>
-          </p:blipFill>
-          <p:spPr>
-            <a:xfrm>
-              <a:off x="5576769" y="2680500"/>
-              <a:ext cx="2440112" cy="3660168"/>
-            </a:xfrm>
-            <a:prstGeom prst="rect">
-              <a:avLst/>
-            </a:prstGeom>
-          </p:spPr>
-        </p:pic>
-      </p:grpSp>
-      <p:sp>
-        <p:nvSpPr>
-          <p:cNvPr id="12" name="Content Placeholder 6"/>
-          <p:cNvSpPr txBox="1">
-            <a:spLocks/>
-          </p:cNvSpPr>
-          <p:nvPr/>
-        </p:nvSpPr>
-        <p:spPr>
-          <a:xfrm>
-            <a:off x="838200" y="5426582"/>
-            <a:ext cx="2732926" cy="376581"/>
-          </a:xfrm>
-          <a:prstGeom prst="rect">
-            <a:avLst/>
-          </a:prstGeom>
-        </p:spPr>
-        <p:txBody>
-          <a:bodyPr vert="horz" lIns="0" tIns="0" rIns="0" bIns="0" rtlCol="0">
-            <a:noAutofit/>
-          </a:bodyPr>
-          <a:lstStyle>
-            <a:lvl1pPr marL="0" indent="0" algn="l" defTabSz="685800" rtl="0" eaLnBrk="1" latinLnBrk="0" hangingPunct="1">
-              <a:lnSpc>
-                <a:spcPct val="100000"/>
-              </a:lnSpc>
-              <a:spcBef>
-                <a:spcPts val="1000"/>
-              </a:spcBef>
-              <a:buFont typeface="Arial"/>
-              <a:buNone/>
-              <a:defRPr sz="1800" kern="1200" cap="none" baseline="0">
-                <a:solidFill>
-                  <a:schemeClr val="tx2"/>
-                </a:solidFill>
-                <a:latin typeface="+mn-lt"/>
-                <a:ea typeface="+mn-ea"/>
-                <a:cs typeface="+mn-cs"/>
-              </a:defRPr>
-            </a:lvl1pPr>
-            <a:lvl2pPr marL="203597" indent="-203597" algn="l" defTabSz="685800" rtl="0" eaLnBrk="1" latinLnBrk="0" hangingPunct="1">
-              <a:lnSpc>
-                <a:spcPct val="100000"/>
-              </a:lnSpc>
-              <a:spcBef>
-                <a:spcPts val="1000"/>
-              </a:spcBef>
-              <a:buClr>
-                <a:schemeClr val="tx2"/>
-              </a:buClr>
-              <a:buFont typeface="Wingdings" charset="2"/>
-              <a:buChar char="§"/>
-              <a:tabLst/>
-              <a:defRPr sz="1600" kern="1200">
-                <a:solidFill>
-                  <a:schemeClr val="tx2"/>
-                </a:solidFill>
-                <a:latin typeface="+mn-lt"/>
-                <a:ea typeface="+mn-ea"/>
-                <a:cs typeface="+mn-cs"/>
-              </a:defRPr>
-            </a:lvl2pPr>
-            <a:lvl3pPr marL="429816" indent="-215504" algn="l" defTabSz="685800" rtl="0" eaLnBrk="1" latinLnBrk="0" hangingPunct="1">
-              <a:lnSpc>
-                <a:spcPct val="100000"/>
-              </a:lnSpc>
-              <a:spcBef>
-                <a:spcPts val="1000"/>
-              </a:spcBef>
-              <a:buClr>
-                <a:schemeClr val="tx2"/>
-              </a:buClr>
-              <a:buFont typeface="Wingdings" charset="2"/>
-              <a:buChar char="§"/>
-              <a:tabLst/>
-              <a:defRPr sz="1400" kern="1200">
-                <a:solidFill>
-                  <a:schemeClr val="tx2"/>
-                </a:solidFill>
-                <a:latin typeface="+mn-lt"/>
-                <a:ea typeface="+mn-ea"/>
-                <a:cs typeface="+mn-cs"/>
-              </a:defRPr>
-            </a:lvl3pPr>
-            <a:lvl4pPr marL="645319" indent="-215504" algn="l" defTabSz="685800" rtl="0" eaLnBrk="1" latinLnBrk="0" hangingPunct="1">
-              <a:lnSpc>
-                <a:spcPct val="100000"/>
-              </a:lnSpc>
-              <a:spcBef>
-                <a:spcPts val="1000"/>
-              </a:spcBef>
-              <a:buClr>
-                <a:schemeClr val="tx2"/>
-              </a:buClr>
-              <a:buFont typeface="Wingdings" charset="2"/>
-              <a:buChar char="§"/>
-              <a:tabLst/>
-              <a:defRPr sz="1200" kern="1200">
-                <a:solidFill>
-                  <a:schemeClr val="tx2"/>
-                </a:solidFill>
-                <a:latin typeface="+mn-lt"/>
-                <a:ea typeface="+mn-ea"/>
-                <a:cs typeface="+mn-cs"/>
-              </a:defRPr>
-            </a:lvl4pPr>
-            <a:lvl5pPr marL="860822" indent="-220266" algn="l" defTabSz="685800" rtl="0" eaLnBrk="1" latinLnBrk="0" hangingPunct="1">
-              <a:lnSpc>
-                <a:spcPct val="100000"/>
-              </a:lnSpc>
-              <a:spcBef>
-                <a:spcPts val="1000"/>
-              </a:spcBef>
-              <a:buClr>
-                <a:schemeClr val="tx2"/>
-              </a:buClr>
-              <a:buFont typeface="Wingdings" charset="2"/>
-              <a:buChar char="§"/>
-              <a:tabLst/>
-              <a:defRPr sz="1200" kern="1200">
-                <a:solidFill>
-                  <a:schemeClr val="tx2"/>
-                </a:solidFill>
-                <a:latin typeface="+mn-lt"/>
-                <a:ea typeface="+mn-ea"/>
-                <a:cs typeface="+mn-cs"/>
-              </a:defRPr>
-            </a:lvl5pPr>
-            <a:lvl6pPr marL="1885950" indent="-171450" algn="l" defTabSz="685800" rtl="0" eaLnBrk="1" latinLnBrk="0" hangingPunct="1">
-              <a:lnSpc>
-                <a:spcPct val="90000"/>
-              </a:lnSpc>
-              <a:spcBef>
-                <a:spcPts val="375"/>
-              </a:spcBef>
-              <a:buFont typeface="Arial"/>
-              <a:buChar char="•"/>
-              <a:defRPr sz="1350" kern="1200">
-                <a:solidFill>
-                  <a:schemeClr val="tx1"/>
-                </a:solidFill>
-                <a:latin typeface="+mn-lt"/>
-                <a:ea typeface="+mn-ea"/>
-                <a:cs typeface="+mn-cs"/>
-              </a:defRPr>
-            </a:lvl6pPr>
-            <a:lvl7pPr marL="2228850" indent="-171450" algn="l" defTabSz="685800" rtl="0" eaLnBrk="1" latinLnBrk="0" hangingPunct="1">
-              <a:lnSpc>
-                <a:spcPct val="90000"/>
-              </a:lnSpc>
-              <a:spcBef>
-                <a:spcPts val="375"/>
-              </a:spcBef>
-              <a:buFont typeface="Arial"/>
-              <a:buChar char="•"/>
-              <a:defRPr sz="1350" kern="1200">
-                <a:solidFill>
-                  <a:schemeClr val="tx1"/>
-                </a:solidFill>
-                <a:latin typeface="+mn-lt"/>
-                <a:ea typeface="+mn-ea"/>
-                <a:cs typeface="+mn-cs"/>
-              </a:defRPr>
-            </a:lvl7pPr>
-            <a:lvl8pPr marL="2571750" indent="-171450" algn="l" defTabSz="685800" rtl="0" eaLnBrk="1" latinLnBrk="0" hangingPunct="1">
-              <a:lnSpc>
-                <a:spcPct val="90000"/>
-              </a:lnSpc>
-              <a:spcBef>
-                <a:spcPts val="375"/>
-              </a:spcBef>
-              <a:buFont typeface="Arial"/>
-              <a:buChar char="•"/>
-              <a:defRPr sz="1350" kern="1200">
-                <a:solidFill>
-                  <a:schemeClr val="tx1"/>
-                </a:solidFill>
-                <a:latin typeface="+mn-lt"/>
-                <a:ea typeface="+mn-ea"/>
-                <a:cs typeface="+mn-cs"/>
-              </a:defRPr>
-            </a:lvl8pPr>
-            <a:lvl9pPr marL="2914650" indent="-171450" algn="l" defTabSz="685800" rtl="0" eaLnBrk="1" latinLnBrk="0" hangingPunct="1">
-              <a:lnSpc>
-                <a:spcPct val="90000"/>
-              </a:lnSpc>
-              <a:spcBef>
-                <a:spcPts val="375"/>
-              </a:spcBef>
-              <a:buFont typeface="Arial"/>
-              <a:buChar char="•"/>
-              <a:defRPr sz="1350" kern="1200">
-                <a:solidFill>
-                  <a:schemeClr val="tx1"/>
-                </a:solidFill>
-                <a:latin typeface="+mn-lt"/>
-                <a:ea typeface="+mn-ea"/>
-                <a:cs typeface="+mn-cs"/>
-              </a:defRPr>
-            </a:lvl9pPr>
-          </a:lstStyle>
-          <a:p>
-            <a:pPr algn="ctr"/>
-            <a:r>
-              <a:rPr lang="en-US" dirty="0"/>
-              <a:t>William Brown</a:t>
-            </a:r>
-            <a:endParaRPr lang="en-US" dirty="0"/>
-          </a:p>
-        </p:txBody>
-      </p:sp>
-    </p:spTree>
-    <p:extLst>
-      <p:ext uri="{BB962C8B-B14F-4D97-AF65-F5344CB8AC3E}">
-        <p14:creationId xmlns:p14="http://schemas.microsoft.com/office/powerpoint/2010/main" val="851500607"/>
-      </p:ext>
-    </p:extLst>
-  </p:cSld>
-  <p:clrMapOvr>
-    <a:masterClrMapping/>
-  </p:clrMapOvr>
-  <mc:AlternateContent xmlns:mc="http://schemas.openxmlformats.org/markup-compatibility/2006" xmlns:p14="http://schemas.microsoft.com/office/powerpoint/2010/main">
-    <mc:Choice Requires="p14">
-      <p:transition spd="med" p14:dur="700">
-        <p:fade/>
-      </p:transition>
-    </mc:Choice>
-    <mc:Fallback xmlns="">
-      <p:transition spd="med">
-        <p:fade/>
-      </p:transition>
-    </mc:Fallback>
-  </mc:AlternateContent>
-  <p:timing>
-    <p:tnLst>
-      <p:par>
-        <p:cTn id="1" dur="indefinite" restart="never" nodeType="tmRoot"/>
-      </p:par>
-    </p:tnLst>
-  </p:timing>
-</p:sld>
-</file>
-
-<file path=ppt/slides/slide4.xml><?xml version="1.0" encoding="utf-8"?>
-<p:sld xmlns:a="http://schemas.openxmlformats.org/drawingml/2006/main" xmlns:r="http://schemas.openxmlformats.org/officeDocument/2006/relationships" xmlns:p="http://schemas.openxmlformats.org/presentationml/2006/main">
-  <p:cSld>
-    <p:spTree>
-      <p:nvGrpSpPr>
-        <p:cNvPr id="1" name=""/>
-        <p:cNvGrpSpPr/>
-        <p:nvPr/>
-      </p:nvGrpSpPr>
-      <p:grpSpPr>
-        <a:xfrm>
-          <a:off x="0" y="0"/>
-          <a:ext cx="0" cy="0"/>
-          <a:chOff x="0" y="0"/>
-          <a:chExt cx="0" cy="0"/>
-        </a:xfrm>
-      </p:grpSpPr>
-      <p:sp>
-        <p:nvSpPr>
-          <p:cNvPr id="2" name="Title 1"/>
-          <p:cNvSpPr>
-            <a:spLocks noGrp="1"/>
-          </p:cNvSpPr>
-          <p:nvPr>
-            <p:ph type="title"/>
-          </p:nvPr>
-        </p:nvSpPr>
-        <p:spPr/>
-        <p:txBody>
-          <a:bodyPr/>
-          <a:lstStyle/>
-          <a:p>
-            <a:r>
-              <a:rPr lang="en-US" dirty="0" smtClean="0"/>
-              <a:t>Course Goals</a:t>
-            </a:r>
-            <a:endParaRPr lang="en-US" dirty="0"/>
-          </a:p>
-        </p:txBody>
-      </p:sp>
-      <p:sp>
-        <p:nvSpPr>
-          <p:cNvPr id="3" name="Content Placeholder 2"/>
-          <p:cNvSpPr>
-            <a:spLocks noGrp="1"/>
-          </p:cNvSpPr>
-          <p:nvPr>
-            <p:ph idx="1"/>
-          </p:nvPr>
-        </p:nvSpPr>
-        <p:spPr/>
-        <p:txBody>
-          <a:bodyPr/>
-          <a:lstStyle/>
-          <a:p>
-            <a:r>
-              <a:rPr lang="en-US" dirty="0" smtClean="0"/>
-              <a:t>Achieve an understanding of programming basics.</a:t>
-            </a:r>
-          </a:p>
-          <a:p>
-            <a:r>
-              <a:rPr lang="en-US" dirty="0" smtClean="0"/>
-              <a:t>Learn to identify automatable processes.</a:t>
-            </a:r>
-          </a:p>
-          <a:p>
-            <a:r>
-              <a:rPr lang="en-US" dirty="0" smtClean="0"/>
-              <a:t>Develop a recipe book for working with data.</a:t>
-            </a:r>
-          </a:p>
-          <a:p>
-            <a:r>
-              <a:rPr lang="en-US" dirty="0" smtClean="0"/>
-              <a:t>Build curiosity.</a:t>
-            </a:r>
-          </a:p>
-          <a:p>
-            <a:endParaRPr lang="en-US" b="1" i="1" u="sng" dirty="0" smtClean="0"/>
-          </a:p>
-          <a:p>
-            <a:endParaRPr lang="en-US" dirty="0"/>
-          </a:p>
-        </p:txBody>
-      </p:sp>
-    </p:spTree>
-    <p:extLst>
-      <p:ext uri="{BB962C8B-B14F-4D97-AF65-F5344CB8AC3E}">
-        <p14:creationId xmlns:p14="http://schemas.microsoft.com/office/powerpoint/2010/main" val="1662356381"/>
-      </p:ext>
-    </p:extLst>
-  </p:cSld>
-  <p:clrMapOvr>
-    <a:masterClrMapping/>
-  </p:clrMapOvr>
-  <p:timing>
-    <p:tnLst>
-      <p:par>
-        <p:cTn id="1" dur="indefinite" restart="never" nodeType="tmRoot">
-          <p:childTnLst>
-            <p:seq concurrent="1" nextAc="seek">
-              <p:cTn id="2" dur="indefinite" nodeType="mainSeq">
-                <p:childTnLst>
-                  <p:par>
-                    <p:cTn id="3" fill="hold">
-                      <p:stCondLst>
-                        <p:cond delay="indefinite"/>
-                      </p:stCondLst>
-                      <p:childTnLst>
-                        <p:par>
-                          <p:cTn id="4" fill="hold">
-                            <p:stCondLst>
-                              <p:cond delay="0"/>
-                            </p:stCondLst>
-                            <p:childTnLst>
-                              <p:par>
-                                <p:cTn id="5" presetID="1" presetClass="entr" presetSubtype="0" fill="hold" nodeType="clickEffect">
-                                  <p:stCondLst>
-                                    <p:cond delay="0"/>
-                                  </p:stCondLst>
-                                  <p:childTnLst>
-                                    <p:set>
-                                      <p:cBhvr>
-                                        <p:cTn id="6" dur="1" fill="hold">
-                                          <p:stCondLst>
-                                            <p:cond delay="0"/>
-                                          </p:stCondLst>
-                                        </p:cTn>
-                                        <p:tgtEl>
-                                          <p:spTgt spid="3">
-                                            <p:txEl>
-                                              <p:pRg st="0" end="0"/>
-                                            </p:txEl>
-                                          </p:spTgt>
-                                        </p:tgtEl>
-                                        <p:attrNameLst>
-                                          <p:attrName>style.visibility</p:attrName>
-                                        </p:attrNameLst>
-                                      </p:cBhvr>
-                                      <p:to>
-                                        <p:strVal val="visible"/>
-                                      </p:to>
-                                    </p:set>
-                                  </p:childTnLst>
-                                </p:cTn>
-                              </p:par>
-                            </p:childTnLst>
-                          </p:cTn>
-                        </p:par>
-                      </p:childTnLst>
-                    </p:cTn>
-                  </p:par>
-                  <p:par>
-                    <p:cTn id="7" fill="hold">
-                      <p:stCondLst>
-                        <p:cond delay="indefinite"/>
-                      </p:stCondLst>
-                      <p:childTnLst>
-                        <p:par>
-                          <p:cTn id="8" fill="hold">
-                            <p:stCondLst>
-                              <p:cond delay="0"/>
-                            </p:stCondLst>
-                            <p:childTnLst>
-                              <p:par>
-                                <p:cTn id="9" presetID="1" presetClass="entr" presetSubtype="0" fill="hold" nodeType="clickEffect">
-                                  <p:stCondLst>
-                                    <p:cond delay="0"/>
-                                  </p:stCondLst>
-                                  <p:childTnLst>
-                                    <p:set>
-                                      <p:cBhvr>
-                                        <p:cTn id="10" dur="1" fill="hold">
-                                          <p:stCondLst>
-                                            <p:cond delay="0"/>
-                                          </p:stCondLst>
-                                        </p:cTn>
-                                        <p:tgtEl>
-                                          <p:spTgt spid="3">
-                                            <p:txEl>
-                                              <p:pRg st="1" end="1"/>
-                                            </p:txEl>
-                                          </p:spTgt>
-                                        </p:tgtEl>
-                                        <p:attrNameLst>
-                                          <p:attrName>style.visibility</p:attrName>
-                                        </p:attrNameLst>
-                                      </p:cBhvr>
-                                      <p:to>
-                                        <p:strVal val="visible"/>
-                                      </p:to>
-                                    </p:set>
-                                  </p:childTnLst>
-                                </p:cTn>
-                              </p:par>
-                            </p:childTnLst>
-                          </p:cTn>
-                        </p:par>
-                      </p:childTnLst>
-                    </p:cTn>
-                  </p:par>
-                  <p:par>
-                    <p:cTn id="11" fill="hold">
-                      <p:stCondLst>
-                        <p:cond delay="indefinite"/>
-                      </p:stCondLst>
-                      <p:childTnLst>
-                        <p:par>
-                          <p:cTn id="12" fill="hold">
-                            <p:stCondLst>
-                              <p:cond delay="0"/>
-                            </p:stCondLst>
-                            <p:childTnLst>
-                              <p:par>
-                                <p:cTn id="13" presetID="1" presetClass="entr" presetSubtype="0" fill="hold" nodeType="clickEffect">
-                                  <p:stCondLst>
-                                    <p:cond delay="0"/>
-                                  </p:stCondLst>
-                                  <p:childTnLst>
-                                    <p:set>
-                                      <p:cBhvr>
-                                        <p:cTn id="14" dur="1" fill="hold">
-                                          <p:stCondLst>
-                                            <p:cond delay="0"/>
-                                          </p:stCondLst>
-                                        </p:cTn>
-                                        <p:tgtEl>
-                                          <p:spTgt spid="3">
-                                            <p:txEl>
-                                              <p:pRg st="2" end="2"/>
-                                            </p:txEl>
-                                          </p:spTgt>
-                                        </p:tgtEl>
-                                        <p:attrNameLst>
-                                          <p:attrName>style.visibility</p:attrName>
-                                        </p:attrNameLst>
-                                      </p:cBhvr>
-                                      <p:to>
-                                        <p:strVal val="visible"/>
-                                      </p:to>
-                                    </p:set>
-                                  </p:childTnLst>
-                                </p:cTn>
-                              </p:par>
-                            </p:childTnLst>
-                          </p:cTn>
-                        </p:par>
-                      </p:childTnLst>
-                    </p:cTn>
-                  </p:par>
-                  <p:par>
-                    <p:cTn id="15" fill="hold">
-                      <p:stCondLst>
-                        <p:cond delay="indefinite"/>
-                      </p:stCondLst>
-                      <p:childTnLst>
-                        <p:par>
-                          <p:cTn id="16" fill="hold">
-                            <p:stCondLst>
-                              <p:cond delay="0"/>
-                            </p:stCondLst>
-                            <p:childTnLst>
-                              <p:par>
-                                <p:cTn id="17" presetID="1" presetClass="entr" presetSubtype="0" fill="hold" nodeType="clickEffect">
-                                  <p:stCondLst>
-                                    <p:cond delay="0"/>
-                                  </p:stCondLst>
-                                  <p:childTnLst>
-                                    <p:set>
-                                      <p:cBhvr>
-                                        <p:cTn id="18" dur="1" fill="hold">
-                                          <p:stCondLst>
-                                            <p:cond delay="0"/>
-                                          </p:stCondLst>
-                                        </p:cTn>
-                                        <p:tgtEl>
-                                          <p:spTgt spid="3">
-                                            <p:txEl>
-                                              <p:pRg st="3" end="3"/>
-                                            </p:txEl>
-                                          </p:spTgt>
-                                        </p:tgtEl>
-                                        <p:attrNameLst>
-                                          <p:attrName>style.visibility</p:attrName>
-                                        </p:attrNameLst>
-                                      </p:cBhvr>
-                                      <p:to>
-                                        <p:strVal val="visible"/>
-                                      </p:to>
-                                    </p:set>
-                                  </p:childTnLst>
-                                </p:cTn>
-                              </p:par>
-                            </p:childTnLst>
-                          </p:cTn>
-                        </p:par>
-                      </p:childTnLst>
-                    </p:cTn>
-                  </p:par>
-                </p:childTnLst>
-              </p:cTn>
-              <p:prevCondLst>
-                <p:cond evt="onPrev" delay="0">
-                  <p:tgtEl>
-                    <p:sldTgt/>
-                  </p:tgtEl>
-                </p:cond>
-              </p:prevCondLst>
-              <p:nextCondLst>
-                <p:cond evt="onNext" delay="0">
-                  <p:tgtEl>
-                    <p:sldTgt/>
-                  </p:tgtEl>
-                </p:cond>
-              </p:nextCondLst>
-            </p:seq>
-          </p:childTnLst>
-        </p:cTn>
-      </p:par>
-    </p:tnLst>
-  </p:timing>
-</p:sld>
-</file>
-
-<file path=ppt/slides/slide5.xml><?xml version="1.0" encoding="utf-8"?>
-<p:sld xmlns:a="http://schemas.openxmlformats.org/drawingml/2006/main" xmlns:r="http://schemas.openxmlformats.org/officeDocument/2006/relationships" xmlns:p="http://schemas.openxmlformats.org/presentationml/2006/main">
-  <p:cSld>
-    <p:spTree>
-      <p:nvGrpSpPr>
-        <p:cNvPr id="1" name=""/>
-        <p:cNvGrpSpPr/>
-        <p:nvPr/>
-      </p:nvGrpSpPr>
-      <p:grpSpPr>
-        <a:xfrm>
-          <a:off x="0" y="0"/>
-          <a:ext cx="0" cy="0"/>
-          <a:chOff x="0" y="0"/>
-          <a:chExt cx="0" cy="0"/>
-        </a:xfrm>
-      </p:grpSpPr>
-      <p:sp>
-        <p:nvSpPr>
-          <p:cNvPr id="2" name="Title 1"/>
-          <p:cNvSpPr>
-            <a:spLocks noGrp="1"/>
-          </p:cNvSpPr>
-          <p:nvPr>
-            <p:ph type="title"/>
-          </p:nvPr>
-        </p:nvSpPr>
-        <p:spPr/>
-        <p:txBody>
-          <a:bodyPr/>
-          <a:lstStyle/>
-          <a:p>
-            <a:r>
-              <a:rPr lang="en-US" dirty="0" smtClean="0"/>
-              <a:t>Innovation</a:t>
-            </a:r>
-            <a:endParaRPr lang="en-US" dirty="0"/>
-          </a:p>
-        </p:txBody>
-      </p:sp>
-      <p:sp>
-        <p:nvSpPr>
-          <p:cNvPr id="3" name="Content Placeholder 2"/>
-          <p:cNvSpPr>
-            <a:spLocks noGrp="1"/>
-          </p:cNvSpPr>
-          <p:nvPr>
-            <p:ph idx="1"/>
-          </p:nvPr>
-        </p:nvSpPr>
-        <p:spPr/>
-        <p:txBody>
-          <a:bodyPr/>
-          <a:lstStyle/>
-          <a:p>
-            <a:r>
-              <a:rPr lang="en-US" dirty="0" smtClean="0"/>
-              <a:t>What drives innovation at a company like UPS?</a:t>
-            </a:r>
-          </a:p>
-          <a:p>
-            <a:r>
-              <a:rPr lang="en-US" dirty="0" smtClean="0"/>
-              <a:t>What </a:t>
-            </a:r>
-            <a:r>
-              <a:rPr lang="en-US" b="1" i="1" u="sng" dirty="0" smtClean="0"/>
-              <a:t>should</a:t>
-            </a:r>
-            <a:r>
-              <a:rPr lang="en-US" dirty="0" smtClean="0"/>
-              <a:t> drive innovation at UPS?</a:t>
-            </a:r>
-          </a:p>
-          <a:p>
-            <a:endParaRPr lang="en-US" b="1" i="1" u="sng" dirty="0" smtClean="0"/>
-          </a:p>
-          <a:p>
-            <a:endParaRPr lang="en-US" dirty="0"/>
-          </a:p>
-        </p:txBody>
-      </p:sp>
-    </p:spTree>
-    <p:extLst>
-      <p:ext uri="{BB962C8B-B14F-4D97-AF65-F5344CB8AC3E}">
-        <p14:creationId xmlns:p14="http://schemas.microsoft.com/office/powerpoint/2010/main" val="2830499643"/>
-      </p:ext>
-    </p:extLst>
-  </p:cSld>
-  <p:clrMapOvr>
-    <a:masterClrMapping/>
-  </p:clrMapOvr>
-  <p:timing>
-    <p:tnLst>
-      <p:par>
-        <p:cTn id="1" dur="indefinite" restart="never" nodeType="tmRoot">
-          <p:childTnLst>
-            <p:seq concurrent="1" nextAc="seek">
-              <p:cTn id="2" dur="indefinite" nodeType="mainSeq">
-                <p:childTnLst>
-                  <p:par>
-                    <p:cTn id="3" fill="hold">
-                      <p:stCondLst>
-                        <p:cond delay="indefinite"/>
-                      </p:stCondLst>
-                      <p:childTnLst>
-                        <p:par>
-                          <p:cTn id="4" fill="hold">
-                            <p:stCondLst>
-                              <p:cond delay="0"/>
-                            </p:stCondLst>
-                            <p:childTnLst>
-                              <p:par>
-                                <p:cTn id="5" presetID="1" presetClass="entr" presetSubtype="0" fill="hold" nodeType="clickEffect">
-                                  <p:stCondLst>
-                                    <p:cond delay="0"/>
-                                  </p:stCondLst>
-                                  <p:childTnLst>
-                                    <p:set>
-                                      <p:cBhvr>
-                                        <p:cTn id="6" dur="1" fill="hold">
-                                          <p:stCondLst>
-                                            <p:cond delay="0"/>
-                                          </p:stCondLst>
-                                        </p:cTn>
-                                        <p:tgtEl>
-                                          <p:spTgt spid="3">
-                                            <p:txEl>
-                                              <p:pRg st="0" end="0"/>
-                                            </p:txEl>
-                                          </p:spTgt>
-                                        </p:tgtEl>
-                                        <p:attrNameLst>
-                                          <p:attrName>style.visibility</p:attrName>
-                                        </p:attrNameLst>
-                                      </p:cBhvr>
-                                      <p:to>
-                                        <p:strVal val="visible"/>
-                                      </p:to>
-                                    </p:set>
-                                  </p:childTnLst>
-                                </p:cTn>
-                              </p:par>
-                            </p:childTnLst>
-                          </p:cTn>
-                        </p:par>
-                      </p:childTnLst>
-                    </p:cTn>
-                  </p:par>
-                  <p:par>
-                    <p:cTn id="7" fill="hold">
-                      <p:stCondLst>
-                        <p:cond delay="indefinite"/>
-                      </p:stCondLst>
-                      <p:childTnLst>
-                        <p:par>
-                          <p:cTn id="8" fill="hold">
-                            <p:stCondLst>
-                              <p:cond delay="0"/>
-                            </p:stCondLst>
-                            <p:childTnLst>
-                              <p:par>
-                                <p:cTn id="9" presetID="1" presetClass="entr" presetSubtype="0" fill="hold" nodeType="clickEffect">
-                                  <p:stCondLst>
-                                    <p:cond delay="0"/>
-                                  </p:stCondLst>
-                                  <p:childTnLst>
-                                    <p:set>
-                                      <p:cBhvr>
-                                        <p:cTn id="10" dur="1" fill="hold">
-                                          <p:stCondLst>
-                                            <p:cond delay="0"/>
-                                          </p:stCondLst>
-                                        </p:cTn>
-                                        <p:tgtEl>
-                                          <p:spTgt spid="3">
-                                            <p:txEl>
-                                              <p:pRg st="1" end="1"/>
-                                            </p:txEl>
-                                          </p:spTgt>
-                                        </p:tgtEl>
-                                        <p:attrNameLst>
-                                          <p:attrName>style.visibility</p:attrName>
-                                        </p:attrNameLst>
-                                      </p:cBhvr>
-                                      <p:to>
-                                        <p:strVal val="visible"/>
-                                      </p:to>
-                                    </p:set>
-                                  </p:childTnLst>
-                                </p:cTn>
-                              </p:par>
-                            </p:childTnLst>
-                          </p:cTn>
-                        </p:par>
-                      </p:childTnLst>
-                    </p:cTn>
-                  </p:par>
-                </p:childTnLst>
-              </p:cTn>
-              <p:prevCondLst>
-                <p:cond evt="onPrev" delay="0">
-                  <p:tgtEl>
-                    <p:sldTgt/>
-                  </p:tgtEl>
-                </p:cond>
-              </p:prevCondLst>
-              <p:nextCondLst>
-                <p:cond evt="onNext" delay="0">
-                  <p:tgtEl>
-                    <p:sldTgt/>
-                  </p:tgtEl>
-                </p:cond>
-              </p:nextCondLst>
-            </p:seq>
-          </p:childTnLst>
-        </p:cTn>
-      </p:par>
-    </p:tnLst>
-  </p:timing>
-</p:sld>
-</file>
-
-<file path=ppt/slides/slide6.xml><?xml version="1.0" encoding="utf-8"?>
-<p:sld xmlns:a="http://schemas.openxmlformats.org/drawingml/2006/main" xmlns:r="http://schemas.openxmlformats.org/officeDocument/2006/relationships" xmlns:p="http://schemas.openxmlformats.org/presentationml/2006/main">
-  <p:cSld>
-    <p:spTree>
-      <p:nvGrpSpPr>
-        <p:cNvPr id="1" name=""/>
-        <p:cNvGrpSpPr/>
-        <p:nvPr/>
-      </p:nvGrpSpPr>
-      <p:grpSpPr>
-        <a:xfrm>
-          <a:off x="0" y="0"/>
-          <a:ext cx="0" cy="0"/>
-          <a:chOff x="0" y="0"/>
-          <a:chExt cx="0" cy="0"/>
-        </a:xfrm>
-      </p:grpSpPr>
-      <p:sp>
-        <p:nvSpPr>
-          <p:cNvPr id="2" name="Title 1"/>
-          <p:cNvSpPr>
-            <a:spLocks noGrp="1"/>
-          </p:cNvSpPr>
-          <p:nvPr>
-            <p:ph type="title"/>
-          </p:nvPr>
-        </p:nvSpPr>
-        <p:spPr/>
-        <p:txBody>
-          <a:bodyPr/>
-          <a:lstStyle/>
-          <a:p>
-            <a:r>
-              <a:rPr lang="en-US" dirty="0" smtClean="0"/>
-              <a:t>Development Environment</a:t>
-            </a:r>
-            <a:endParaRPr lang="en-US" dirty="0"/>
-          </a:p>
-        </p:txBody>
-      </p:sp>
-      <p:sp>
-        <p:nvSpPr>
-          <p:cNvPr id="3" name="Content Placeholder 2"/>
-          <p:cNvSpPr>
-            <a:spLocks noGrp="1"/>
-          </p:cNvSpPr>
-          <p:nvPr>
-            <p:ph idx="1"/>
-          </p:nvPr>
-        </p:nvSpPr>
-        <p:spPr/>
-        <p:txBody>
-          <a:bodyPr/>
-          <a:lstStyle/>
-          <a:p>
-            <a:r>
-              <a:rPr lang="en-US" dirty="0" smtClean="0"/>
-              <a:t>What is a development environment?</a:t>
-            </a:r>
-          </a:p>
-          <a:p>
-            <a:pPr lvl="1"/>
-            <a:r>
-              <a:rPr lang="en-US" dirty="0" smtClean="0"/>
-              <a:t>Tools, programs, and computer settings needed to create software.</a:t>
-            </a:r>
-          </a:p>
-          <a:p>
-            <a:r>
-              <a:rPr lang="en-US" dirty="0" smtClean="0"/>
-              <a:t>Setting up your “</a:t>
-            </a:r>
-            <a:r>
-              <a:rPr lang="en-US" dirty="0" err="1" smtClean="0"/>
-              <a:t>dev</a:t>
-            </a:r>
-            <a:r>
-              <a:rPr lang="en-US" dirty="0" smtClean="0"/>
-              <a:t>” environment is one of the more complex (annoying) aspects of programming – even though it should be simple.</a:t>
-            </a:r>
-          </a:p>
-          <a:p>
-            <a:endParaRPr lang="en-US" dirty="0"/>
-          </a:p>
-        </p:txBody>
-      </p:sp>
-    </p:spTree>
-    <p:extLst>
-      <p:ext uri="{BB962C8B-B14F-4D97-AF65-F5344CB8AC3E}">
-        <p14:creationId xmlns:p14="http://schemas.microsoft.com/office/powerpoint/2010/main" val="3189952663"/>
-      </p:ext>
-    </p:extLst>
-  </p:cSld>
-  <p:clrMapOvr>
-    <a:masterClrMapping/>
-  </p:clrMapOvr>
-  <p:timing>
-    <p:tnLst>
-      <p:par>
-        <p:cTn id="1" dur="indefinite" restart="never" nodeType="tmRoot">
-          <p:childTnLst>
-            <p:seq concurrent="1" nextAc="seek">
-              <p:cTn id="2" dur="indefinite" nodeType="mainSeq">
-                <p:childTnLst>
-                  <p:par>
-                    <p:cTn id="3" fill="hold">
-                      <p:stCondLst>
-                        <p:cond delay="indefinite"/>
-                      </p:stCondLst>
-                      <p:childTnLst>
-                        <p:par>
-                          <p:cTn id="4" fill="hold">
-                            <p:stCondLst>
-                              <p:cond delay="0"/>
-                            </p:stCondLst>
-                            <p:childTnLst>
-                              <p:par>
-                                <p:cTn id="5" presetID="1" presetClass="entr" presetSubtype="0" fill="hold" nodeType="clickEffect">
-                                  <p:stCondLst>
-                                    <p:cond delay="0"/>
-                                  </p:stCondLst>
-                                  <p:childTnLst>
-                                    <p:set>
-                                      <p:cBhvr>
-                                        <p:cTn id="6" dur="1" fill="hold">
-                                          <p:stCondLst>
-                                            <p:cond delay="0"/>
-                                          </p:stCondLst>
-                                        </p:cTn>
-                                        <p:tgtEl>
-                                          <p:spTgt spid="3">
-                                            <p:txEl>
-                                              <p:pRg st="0" end="0"/>
-                                            </p:txEl>
-                                          </p:spTgt>
-                                        </p:tgtEl>
-                                        <p:attrNameLst>
-                                          <p:attrName>style.visibility</p:attrName>
-                                        </p:attrNameLst>
-                                      </p:cBhvr>
-                                      <p:to>
-                                        <p:strVal val="visible"/>
-                                      </p:to>
-                                    </p:set>
-                                  </p:childTnLst>
-                                </p:cTn>
-                              </p:par>
-                            </p:childTnLst>
-                          </p:cTn>
-                        </p:par>
-                      </p:childTnLst>
-                    </p:cTn>
-                  </p:par>
-                  <p:par>
-                    <p:cTn id="7" fill="hold">
-                      <p:stCondLst>
-                        <p:cond delay="indefinite"/>
-                      </p:stCondLst>
-                      <p:childTnLst>
-                        <p:par>
-                          <p:cTn id="8" fill="hold">
-                            <p:stCondLst>
-                              <p:cond delay="0"/>
-                            </p:stCondLst>
-                            <p:childTnLst>
-                              <p:par>
-                                <p:cTn id="9" presetID="1" presetClass="entr" presetSubtype="0" fill="hold" nodeType="clickEffect">
-                                  <p:stCondLst>
-                                    <p:cond delay="0"/>
-                                  </p:stCondLst>
-                                  <p:childTnLst>
-                                    <p:set>
-                                      <p:cBhvr>
-                                        <p:cTn id="10" dur="1" fill="hold">
-                                          <p:stCondLst>
-                                            <p:cond delay="0"/>
-                                          </p:stCondLst>
-                                        </p:cTn>
-                                        <p:tgtEl>
-                                          <p:spTgt spid="3">
-                                            <p:txEl>
-                                              <p:pRg st="1" end="1"/>
-                                            </p:txEl>
-                                          </p:spTgt>
-                                        </p:tgtEl>
-                                        <p:attrNameLst>
-                                          <p:attrName>style.visibility</p:attrName>
-                                        </p:attrNameLst>
-                                      </p:cBhvr>
-                                      <p:to>
-                                        <p:strVal val="visible"/>
-                                      </p:to>
-                                    </p:set>
-                                  </p:childTnLst>
-                                </p:cTn>
-                              </p:par>
-                            </p:childTnLst>
-                          </p:cTn>
-                        </p:par>
-                      </p:childTnLst>
-                    </p:cTn>
-                  </p:par>
-                  <p:par>
-                    <p:cTn id="11" fill="hold">
-                      <p:stCondLst>
-                        <p:cond delay="indefinite"/>
-                      </p:stCondLst>
-                      <p:childTnLst>
-                        <p:par>
-                          <p:cTn id="12" fill="hold">
-                            <p:stCondLst>
-                              <p:cond delay="0"/>
-                            </p:stCondLst>
-                            <p:childTnLst>
-                              <p:par>
-                                <p:cTn id="13" presetID="1" presetClass="entr" presetSubtype="0" fill="hold" nodeType="clickEffect">
-                                  <p:stCondLst>
-                                    <p:cond delay="0"/>
-                                  </p:stCondLst>
-                                  <p:childTnLst>
-                                    <p:set>
-                                      <p:cBhvr>
-                                        <p:cTn id="14" dur="1" fill="hold">
-                                          <p:stCondLst>
-                                            <p:cond delay="0"/>
-                                          </p:stCondLst>
-                                        </p:cTn>
-                                        <p:tgtEl>
-                                          <p:spTgt spid="3">
-                                            <p:txEl>
-                                              <p:pRg st="2" end="2"/>
-                                            </p:txEl>
-                                          </p:spTgt>
-                                        </p:tgtEl>
-                                        <p:attrNameLst>
-                                          <p:attrName>style.visibility</p:attrName>
-                                        </p:attrNameLst>
-                                      </p:cBhvr>
-                                      <p:to>
-                                        <p:strVal val="visible"/>
-                                      </p:to>
-                                    </p:set>
-                                  </p:childTnLst>
-                                </p:cTn>
-                              </p:par>
-                            </p:childTnLst>
-                          </p:cTn>
-                        </p:par>
-                      </p:childTnLst>
-                    </p:cTn>
-                  </p:par>
-                </p:childTnLst>
-              </p:cTn>
-              <p:prevCondLst>
-                <p:cond evt="onPrev" delay="0">
-                  <p:tgtEl>
-                    <p:sldTgt/>
-                  </p:tgtEl>
-                </p:cond>
-              </p:prevCondLst>
-              <p:nextCondLst>
-                <p:cond evt="onNext" delay="0">
-                  <p:tgtEl>
-                    <p:sldTgt/>
-                  </p:tgtEl>
-                </p:cond>
-              </p:nextCondLst>
-            </p:seq>
-          </p:childTnLst>
-        </p:cTn>
-      </p:par>
-    </p:tnLst>
-  </p:timing>
-</p:sld>
-</file>
-
-<file path=ppt/slides/slide7.xml><?xml version="1.0" encoding="utf-8"?>
-<p:sld xmlns:a="http://schemas.openxmlformats.org/drawingml/2006/main" xmlns:r="http://schemas.openxmlformats.org/officeDocument/2006/relationships" xmlns:p="http://schemas.openxmlformats.org/presentationml/2006/main">
-  <p:cSld>
-    <p:spTree>
-      <p:nvGrpSpPr>
-        <p:cNvPr id="1" name=""/>
-        <p:cNvGrpSpPr/>
-        <p:nvPr/>
-      </p:nvGrpSpPr>
-      <p:grpSpPr>
-        <a:xfrm>
-          <a:off x="0" y="0"/>
-          <a:ext cx="0" cy="0"/>
-          <a:chOff x="0" y="0"/>
-          <a:chExt cx="0" cy="0"/>
-        </a:xfrm>
-      </p:grpSpPr>
-      <p:sp>
-        <p:nvSpPr>
-          <p:cNvPr id="2" name="Title 1"/>
-          <p:cNvSpPr>
-            <a:spLocks noGrp="1"/>
-          </p:cNvSpPr>
-          <p:nvPr>
-            <p:ph type="title"/>
-          </p:nvPr>
-        </p:nvSpPr>
-        <p:spPr/>
-        <p:txBody>
-          <a:bodyPr/>
-          <a:lstStyle/>
-          <a:p>
-            <a:r>
-              <a:rPr lang="en-US" dirty="0" smtClean="0"/>
-              <a:t>Coding Tools</a:t>
-            </a:r>
-            <a:endParaRPr lang="en-US" dirty="0"/>
-          </a:p>
-        </p:txBody>
-      </p:sp>
-      <p:sp>
-        <p:nvSpPr>
-          <p:cNvPr id="3" name="Content Placeholder 2"/>
-          <p:cNvSpPr>
-            <a:spLocks noGrp="1"/>
-          </p:cNvSpPr>
-          <p:nvPr>
-            <p:ph idx="1"/>
-          </p:nvPr>
-        </p:nvSpPr>
-        <p:spPr/>
-        <p:txBody>
-          <a:bodyPr/>
-          <a:lstStyle/>
-          <a:p>
-            <a:r>
-              <a:rPr lang="en-US" dirty="0" smtClean="0"/>
-              <a:t>Python –  an easy-to-use programming language that can do simple automation as well as incredibly advanced AI projects.</a:t>
-            </a:r>
-          </a:p>
-          <a:p>
-            <a:r>
-              <a:rPr lang="en-US" dirty="0" err="1" smtClean="0"/>
-              <a:t>Jupyter</a:t>
-            </a:r>
-            <a:r>
-              <a:rPr lang="en-US" dirty="0" smtClean="0"/>
-              <a:t> Notebook – a tool which allows us to mix human-readable information with executable code and visualizations. </a:t>
-            </a:r>
-          </a:p>
-          <a:p>
-            <a:endParaRPr lang="en-US" dirty="0"/>
-          </a:p>
-        </p:txBody>
-      </p:sp>
-    </p:spTree>
-    <p:extLst>
-      <p:ext uri="{BB962C8B-B14F-4D97-AF65-F5344CB8AC3E}">
-        <p14:creationId xmlns:p14="http://schemas.microsoft.com/office/powerpoint/2010/main" val="2952392093"/>
-      </p:ext>
-    </p:extLst>
-  </p:cSld>
-  <p:clrMapOvr>
-    <a:masterClrMapping/>
-  </p:clrMapOvr>
-  <p:timing>
-    <p:tnLst>
-      <p:par>
-        <p:cTn id="1" dur="indefinite" restart="never" nodeType="tmRoot">
-          <p:childTnLst>
-            <p:seq concurrent="1" nextAc="seek">
-              <p:cTn id="2" dur="indefinite" nodeType="mainSeq">
-                <p:childTnLst>
-                  <p:par>
-                    <p:cTn id="3" fill="hold">
-                      <p:stCondLst>
-                        <p:cond delay="indefinite"/>
-                      </p:stCondLst>
-                      <p:childTnLst>
-                        <p:par>
-                          <p:cTn id="4" fill="hold">
-                            <p:stCondLst>
-                              <p:cond delay="0"/>
-                            </p:stCondLst>
-                            <p:childTnLst>
-                              <p:par>
-                                <p:cTn id="5" presetID="1" presetClass="entr" presetSubtype="0" fill="hold" nodeType="clickEffect">
-                                  <p:stCondLst>
-                                    <p:cond delay="0"/>
-                                  </p:stCondLst>
-                                  <p:childTnLst>
-                                    <p:set>
-                                      <p:cBhvr>
-                                        <p:cTn id="6" dur="1" fill="hold">
-                                          <p:stCondLst>
-                                            <p:cond delay="0"/>
-                                          </p:stCondLst>
-                                        </p:cTn>
-                                        <p:tgtEl>
-                                          <p:spTgt spid="3">
-                                            <p:txEl>
-                                              <p:pRg st="0" end="0"/>
-                                            </p:txEl>
-                                          </p:spTgt>
-                                        </p:tgtEl>
-                                        <p:attrNameLst>
-                                          <p:attrName>style.visibility</p:attrName>
-                                        </p:attrNameLst>
-                                      </p:cBhvr>
-                                      <p:to>
-                                        <p:strVal val="visible"/>
-                                      </p:to>
-                                    </p:set>
-                                  </p:childTnLst>
-                                </p:cTn>
-                              </p:par>
-                            </p:childTnLst>
-                          </p:cTn>
-                        </p:par>
-                      </p:childTnLst>
-                    </p:cTn>
-                  </p:par>
-                  <p:par>
-                    <p:cTn id="7" fill="hold">
-                      <p:stCondLst>
-                        <p:cond delay="indefinite"/>
-                      </p:stCondLst>
-                      <p:childTnLst>
-                        <p:par>
-                          <p:cTn id="8" fill="hold">
-                            <p:stCondLst>
-                              <p:cond delay="0"/>
-                            </p:stCondLst>
-                            <p:childTnLst>
-                              <p:par>
-                                <p:cTn id="9" presetID="1" presetClass="entr" presetSubtype="0" fill="hold" nodeType="clickEffect">
-                                  <p:stCondLst>
-                                    <p:cond delay="0"/>
-                                  </p:stCondLst>
-                                  <p:childTnLst>
-                                    <p:set>
-                                      <p:cBhvr>
-                                        <p:cTn id="10" dur="1" fill="hold">
-                                          <p:stCondLst>
-                                            <p:cond delay="0"/>
-                                          </p:stCondLst>
-                                        </p:cTn>
-                                        <p:tgtEl>
-                                          <p:spTgt spid="3">
-                                            <p:txEl>
-                                              <p:pRg st="1" end="1"/>
-                                            </p:txEl>
-                                          </p:spTgt>
-                                        </p:tgtEl>
-                                        <p:attrNameLst>
-                                          <p:attrName>style.visibility</p:attrName>
-                                        </p:attrNameLst>
-                                      </p:cBhvr>
-                                      <p:to>
-                                        <p:strVal val="visible"/>
-                                      </p:to>
-                                    </p:set>
-                                  </p:childTnLst>
-                                </p:cTn>
-                              </p:par>
-                            </p:childTnLst>
-                          </p:cTn>
-                        </p:par>
-                      </p:childTnLst>
-                    </p:cTn>
-                  </p:par>
-                </p:childTnLst>
-              </p:cTn>
-              <p:prevCondLst>
-                <p:cond evt="onPrev" delay="0">
-                  <p:tgtEl>
-                    <p:sldTgt/>
-                  </p:tgtEl>
-                </p:cond>
-              </p:prevCondLst>
-              <p:nextCondLst>
-                <p:cond evt="onNext" delay="0">
-                  <p:tgtEl>
-                    <p:sldTgt/>
-                  </p:tgtEl>
-                </p:cond>
-              </p:nextCondLst>
-            </p:seq>
-          </p:childTnLst>
-        </p:cTn>
-      </p:par>
-    </p:tnLst>
-  </p:timing>
-</p:sld>
-</file>
-
-<file path=ppt/slides/slide8.xml><?xml version="1.0" encoding="utf-8"?>
-<p:sld xmlns:a="http://schemas.openxmlformats.org/drawingml/2006/main" xmlns:r="http://schemas.openxmlformats.org/officeDocument/2006/relationships" xmlns:p="http://schemas.openxmlformats.org/presentationml/2006/main">
-  <p:cSld>
-    <p:spTree>
-      <p:nvGrpSpPr>
-        <p:cNvPr id="1" name=""/>
-        <p:cNvGrpSpPr/>
-        <p:nvPr/>
-      </p:nvGrpSpPr>
-      <p:grpSpPr>
-        <a:xfrm>
-          <a:off x="0" y="0"/>
-          <a:ext cx="0" cy="0"/>
-          <a:chOff x="0" y="0"/>
-          <a:chExt cx="0" cy="0"/>
-        </a:xfrm>
-      </p:grpSpPr>
-      <p:sp>
-        <p:nvSpPr>
-          <p:cNvPr id="2" name="Title 1"/>
-          <p:cNvSpPr>
-            <a:spLocks noGrp="1"/>
-          </p:cNvSpPr>
-          <p:nvPr>
-            <p:ph type="title"/>
-          </p:nvPr>
-        </p:nvSpPr>
-        <p:spPr/>
-        <p:txBody>
-          <a:bodyPr/>
-          <a:lstStyle/>
-          <a:p>
-            <a:r>
-              <a:rPr lang="en-US" dirty="0" smtClean="0"/>
-              <a:t>Programming Basics</a:t>
-            </a:r>
-            <a:endParaRPr lang="en-US" dirty="0"/>
-          </a:p>
-        </p:txBody>
-      </p:sp>
-      <p:sp>
-        <p:nvSpPr>
-          <p:cNvPr id="3" name="Content Placeholder 2"/>
-          <p:cNvSpPr>
-            <a:spLocks noGrp="1"/>
-          </p:cNvSpPr>
-          <p:nvPr>
-            <p:ph idx="1"/>
-          </p:nvPr>
-        </p:nvSpPr>
-        <p:spPr/>
-        <p:txBody>
-          <a:bodyPr/>
-          <a:lstStyle/>
-          <a:p>
-            <a:r>
-              <a:rPr lang="en-US" dirty="0" smtClean="0"/>
-              <a:t>There are key vocabulary words we need to be familiar with to discuss programming:</a:t>
-            </a:r>
-          </a:p>
-          <a:p>
-            <a:pPr lvl="1"/>
-            <a:r>
-              <a:rPr lang="en-US" dirty="0" smtClean="0"/>
-              <a:t>Operators – a character that represents an action (+, -, /, *, etc.).</a:t>
-            </a:r>
-          </a:p>
-          <a:p>
-            <a:pPr lvl="1"/>
-            <a:r>
-              <a:rPr lang="en-US" dirty="0" smtClean="0"/>
-              <a:t>Data Types – a “kind” of data based on its value (integer, text/string, etc.).</a:t>
-            </a:r>
-          </a:p>
-          <a:p>
-            <a:pPr lvl="1"/>
-            <a:r>
-              <a:rPr lang="en-US" dirty="0" smtClean="0"/>
-              <a:t>Syntax – the grammar behind a programming language.</a:t>
-            </a:r>
-          </a:p>
-          <a:p>
-            <a:pPr lvl="1"/>
-            <a:r>
-              <a:rPr lang="en-US" dirty="0" smtClean="0"/>
-              <a:t>Comments – messages written into code that the computer ignores.</a:t>
-            </a:r>
-          </a:p>
-          <a:p>
-            <a:pPr lvl="1"/>
-            <a:r>
-              <a:rPr lang="en-US" dirty="0" smtClean="0"/>
-              <a:t>Errors – a mistake in a program’s code which causes unexpected or incorrect behavior (also called an exception).</a:t>
-            </a:r>
-          </a:p>
-          <a:p>
-            <a:pPr lvl="1"/>
-            <a:r>
-              <a:rPr lang="en-US" dirty="0" smtClean="0"/>
-              <a:t>Variable – an object that stores a value for later use.</a:t>
-            </a:r>
-          </a:p>
-          <a:p>
-            <a:r>
-              <a:rPr lang="en-US" b="1" i="1" u="sng" dirty="0" smtClean="0"/>
-              <a:t>Everyone can program and you do it every day!</a:t>
-            </a:r>
-            <a:endParaRPr lang="en-US" b="1" i="1" u="sng" dirty="0"/>
-          </a:p>
-        </p:txBody>
-      </p:sp>
-    </p:spTree>
-    <p:extLst>
-      <p:ext uri="{BB962C8B-B14F-4D97-AF65-F5344CB8AC3E}">
-        <p14:creationId xmlns:p14="http://schemas.microsoft.com/office/powerpoint/2010/main" val="27739114"/>
-      </p:ext>
-    </p:extLst>
-  </p:cSld>
-  <p:clrMapOvr>
-    <a:masterClrMapping/>
-  </p:clrMapOvr>
-  <p:timing>
-    <p:tnLst>
-      <p:par>
-        <p:cTn id="1" dur="indefinite" restart="never" nodeType="tmRoot">
-          <p:childTnLst>
-            <p:seq concurrent="1" nextAc="seek">
-              <p:cTn id="2" dur="indefinite" nodeType="mainSeq">
-                <p:childTnLst>
-                  <p:par>
-                    <p:cTn id="3" fill="hold">
-                      <p:stCondLst>
-                        <p:cond delay="indefinite"/>
-                      </p:stCondLst>
-                      <p:childTnLst>
-                        <p:par>
-                          <p:cTn id="4" fill="hold">
-                            <p:stCondLst>
-                              <p:cond delay="0"/>
-                            </p:stCondLst>
-                            <p:childTnLst>
-                              <p:par>
-                                <p:cTn id="5" presetID="1" presetClass="entr" presetSubtype="0" fill="hold" nodeType="clickEffect">
-                                  <p:stCondLst>
-                                    <p:cond delay="0"/>
-                                  </p:stCondLst>
-                                  <p:childTnLst>
-                                    <p:set>
-                                      <p:cBhvr>
-                                        <p:cTn id="6" dur="1" fill="hold">
-                                          <p:stCondLst>
-                                            <p:cond delay="0"/>
-                                          </p:stCondLst>
-                                        </p:cTn>
-                                        <p:tgtEl>
-                                          <p:spTgt spid="3">
-                                            <p:txEl>
-                                              <p:pRg st="0" end="0"/>
-                                            </p:txEl>
-                                          </p:spTgt>
-                                        </p:tgtEl>
-                                        <p:attrNameLst>
-                                          <p:attrName>style.visibility</p:attrName>
-                                        </p:attrNameLst>
-                                      </p:cBhvr>
-                                      <p:to>
-                                        <p:strVal val="visible"/>
-                                      </p:to>
-                                    </p:set>
-                                  </p:childTnLst>
-                                </p:cTn>
-                              </p:par>
-                            </p:childTnLst>
-                          </p:cTn>
-                        </p:par>
-                      </p:childTnLst>
-                    </p:cTn>
-                  </p:par>
-                  <p:par>
-                    <p:cTn id="7" fill="hold">
-                      <p:stCondLst>
-                        <p:cond delay="indefinite"/>
-                      </p:stCondLst>
-                      <p:childTnLst>
-                        <p:par>
-                          <p:cTn id="8" fill="hold">
-                            <p:stCondLst>
-                              <p:cond delay="0"/>
-                            </p:stCondLst>
-                            <p:childTnLst>
-                              <p:par>
-                                <p:cTn id="9" presetID="1" presetClass="entr" presetSubtype="0" fill="hold" nodeType="clickEffect">
-                                  <p:stCondLst>
-                                    <p:cond delay="0"/>
-                                  </p:stCondLst>
-                                  <p:childTnLst>
-                                    <p:set>
-                                      <p:cBhvr>
-                                        <p:cTn id="10" dur="1" fill="hold">
-                                          <p:stCondLst>
-                                            <p:cond delay="0"/>
-                                          </p:stCondLst>
-                                        </p:cTn>
-                                        <p:tgtEl>
-                                          <p:spTgt spid="3">
-                                            <p:txEl>
-                                              <p:pRg st="1" end="1"/>
-                                            </p:txEl>
-                                          </p:spTgt>
-                                        </p:tgtEl>
-                                        <p:attrNameLst>
-                                          <p:attrName>style.visibility</p:attrName>
-                                        </p:attrNameLst>
-                                      </p:cBhvr>
-                                      <p:to>
-                                        <p:strVal val="visible"/>
-                                      </p:to>
-                                    </p:set>
-                                  </p:childTnLst>
-                                </p:cTn>
-                              </p:par>
-                            </p:childTnLst>
-                          </p:cTn>
-                        </p:par>
-                      </p:childTnLst>
-                    </p:cTn>
-                  </p:par>
-                  <p:par>
-                    <p:cTn id="11" fill="hold">
-                      <p:stCondLst>
-                        <p:cond delay="indefinite"/>
-                      </p:stCondLst>
-                      <p:childTnLst>
-                        <p:par>
-                          <p:cTn id="12" fill="hold">
-                            <p:stCondLst>
-                              <p:cond delay="0"/>
-                            </p:stCondLst>
-                            <p:childTnLst>
-                              <p:par>
-                                <p:cTn id="13" presetID="1" presetClass="entr" presetSubtype="0" fill="hold" nodeType="clickEffect">
-                                  <p:stCondLst>
-                                    <p:cond delay="0"/>
-                                  </p:stCondLst>
-                                  <p:childTnLst>
-                                    <p:set>
-                                      <p:cBhvr>
-                                        <p:cTn id="14" dur="1" fill="hold">
-                                          <p:stCondLst>
-                                            <p:cond delay="0"/>
-                                          </p:stCondLst>
-                                        </p:cTn>
-                                        <p:tgtEl>
-                                          <p:spTgt spid="3">
-                                            <p:txEl>
-                                              <p:pRg st="2" end="2"/>
-                                            </p:txEl>
-                                          </p:spTgt>
-                                        </p:tgtEl>
-                                        <p:attrNameLst>
-                                          <p:attrName>style.visibility</p:attrName>
-                                        </p:attrNameLst>
-                                      </p:cBhvr>
-                                      <p:to>
-                                        <p:strVal val="visible"/>
-                                      </p:to>
-                                    </p:set>
-                                  </p:childTnLst>
-                                </p:cTn>
-                              </p:par>
-                            </p:childTnLst>
-                          </p:cTn>
-                        </p:par>
-                      </p:childTnLst>
-                    </p:cTn>
-                  </p:par>
-                  <p:par>
-                    <p:cTn id="15" fill="hold">
-                      <p:stCondLst>
-                        <p:cond delay="indefinite"/>
-                      </p:stCondLst>
-                      <p:childTnLst>
-                        <p:par>
-                          <p:cTn id="16" fill="hold">
-                            <p:stCondLst>
-                              <p:cond delay="0"/>
-                            </p:stCondLst>
-                            <p:childTnLst>
-                              <p:par>
-                                <p:cTn id="17" presetID="1" presetClass="entr" presetSubtype="0" fill="hold" nodeType="clickEffect">
-                                  <p:stCondLst>
-                                    <p:cond delay="0"/>
-                                  </p:stCondLst>
-                                  <p:childTnLst>
-                                    <p:set>
-                                      <p:cBhvr>
-                                        <p:cTn id="18" dur="1" fill="hold">
-                                          <p:stCondLst>
-                                            <p:cond delay="0"/>
-                                          </p:stCondLst>
-                                        </p:cTn>
-                                        <p:tgtEl>
-                                          <p:spTgt spid="3">
-                                            <p:txEl>
-                                              <p:pRg st="3" end="3"/>
-                                            </p:txEl>
-                                          </p:spTgt>
-                                        </p:tgtEl>
-                                        <p:attrNameLst>
-                                          <p:attrName>style.visibility</p:attrName>
-                                        </p:attrNameLst>
-                                      </p:cBhvr>
-                                      <p:to>
-                                        <p:strVal val="visible"/>
-                                      </p:to>
-                                    </p:set>
-                                  </p:childTnLst>
-                                </p:cTn>
-                              </p:par>
-                            </p:childTnLst>
-                          </p:cTn>
-                        </p:par>
-                      </p:childTnLst>
-                    </p:cTn>
-                  </p:par>
-                  <p:par>
-                    <p:cTn id="19" fill="hold">
-                      <p:stCondLst>
-                        <p:cond delay="indefinite"/>
-                      </p:stCondLst>
-                      <p:childTnLst>
-                        <p:par>
-                          <p:cTn id="20" fill="hold">
-                            <p:stCondLst>
-                              <p:cond delay="0"/>
-                            </p:stCondLst>
-                            <p:childTnLst>
-                              <p:par>
-                                <p:cTn id="21" presetID="1" presetClass="entr" presetSubtype="0" fill="hold" nodeType="clickEffect">
-                                  <p:stCondLst>
-                                    <p:cond delay="0"/>
-                                  </p:stCondLst>
-                                  <p:childTnLst>
-                                    <p:set>
-                                      <p:cBhvr>
-                                        <p:cTn id="22" dur="1" fill="hold">
-                                          <p:stCondLst>
-                                            <p:cond delay="0"/>
-                                          </p:stCondLst>
-                                        </p:cTn>
-                                        <p:tgtEl>
-                                          <p:spTgt spid="3">
-                                            <p:txEl>
-                                              <p:pRg st="4" end="4"/>
-                                            </p:txEl>
-                                          </p:spTgt>
-                                        </p:tgtEl>
-                                        <p:attrNameLst>
-                                          <p:attrName>style.visibility</p:attrName>
-                                        </p:attrNameLst>
-                                      </p:cBhvr>
-                                      <p:to>
-                                        <p:strVal val="visible"/>
-                                      </p:to>
-                                    </p:set>
-                                  </p:childTnLst>
-                                </p:cTn>
-                              </p:par>
-                            </p:childTnLst>
-                          </p:cTn>
-                        </p:par>
-                      </p:childTnLst>
-                    </p:cTn>
-                  </p:par>
-                  <p:par>
-                    <p:cTn id="23" fill="hold">
-                      <p:stCondLst>
-                        <p:cond delay="indefinite"/>
-                      </p:stCondLst>
-                      <p:childTnLst>
-                        <p:par>
-                          <p:cTn id="24" fill="hold">
-                            <p:stCondLst>
-                              <p:cond delay="0"/>
-                            </p:stCondLst>
-                            <p:childTnLst>
-                              <p:par>
-                                <p:cTn id="25" presetID="1" presetClass="entr" presetSubtype="0" fill="hold" nodeType="clickEffect">
-                                  <p:stCondLst>
-                                    <p:cond delay="0"/>
-                                  </p:stCondLst>
-                                  <p:childTnLst>
-                                    <p:set>
-                                      <p:cBhvr>
-                                        <p:cTn id="26" dur="1" fill="hold">
-                                          <p:stCondLst>
-                                            <p:cond delay="0"/>
-                                          </p:stCondLst>
-                                        </p:cTn>
-                                        <p:tgtEl>
-                                          <p:spTgt spid="3">
-                                            <p:txEl>
-                                              <p:pRg st="5" end="5"/>
-                                            </p:txEl>
-                                          </p:spTgt>
-                                        </p:tgtEl>
-                                        <p:attrNameLst>
-                                          <p:attrName>style.visibility</p:attrName>
-                                        </p:attrNameLst>
-                                      </p:cBhvr>
-                                      <p:to>
-                                        <p:strVal val="visible"/>
-                                      </p:to>
-                                    </p:set>
-                                  </p:childTnLst>
-                                </p:cTn>
-                              </p:par>
-                            </p:childTnLst>
-                          </p:cTn>
-                        </p:par>
-                      </p:childTnLst>
-                    </p:cTn>
-                  </p:par>
-                  <p:par>
-                    <p:cTn id="27" fill="hold">
-                      <p:stCondLst>
-                        <p:cond delay="indefinite"/>
-                      </p:stCondLst>
-                      <p:childTnLst>
-                        <p:par>
-                          <p:cTn id="28" fill="hold">
-                            <p:stCondLst>
-                              <p:cond delay="0"/>
-                            </p:stCondLst>
-                            <p:childTnLst>
-                              <p:par>
-                                <p:cTn id="29" presetID="1" presetClass="entr" presetSubtype="0" fill="hold" nodeType="clickEffect">
-                                  <p:stCondLst>
-                                    <p:cond delay="0"/>
-                                  </p:stCondLst>
-                                  <p:childTnLst>
-                                    <p:set>
-                                      <p:cBhvr>
-                                        <p:cTn id="30" dur="1" fill="hold">
-                                          <p:stCondLst>
-                                            <p:cond delay="0"/>
-                                          </p:stCondLst>
-                                        </p:cTn>
-                                        <p:tgtEl>
-                                          <p:spTgt spid="3">
-                                            <p:txEl>
-                                              <p:pRg st="6" end="6"/>
-                                            </p:txEl>
-                                          </p:spTgt>
-                                        </p:tgtEl>
-                                        <p:attrNameLst>
-                                          <p:attrName>style.visibility</p:attrName>
-                                        </p:attrNameLst>
-                                      </p:cBhvr>
-                                      <p:to>
-                                        <p:strVal val="visible"/>
-                                      </p:to>
-                                    </p:set>
-                                  </p:childTnLst>
-                                </p:cTn>
-                              </p:par>
-                            </p:childTnLst>
-                          </p:cTn>
-                        </p:par>
-                      </p:childTnLst>
-                    </p:cTn>
-                  </p:par>
-                  <p:par>
-                    <p:cTn id="31" fill="hold">
-                      <p:stCondLst>
-                        <p:cond delay="indefinite"/>
-                      </p:stCondLst>
-                      <p:childTnLst>
-                        <p:par>
-                          <p:cTn id="32" fill="hold">
-                            <p:stCondLst>
-                              <p:cond delay="0"/>
-                            </p:stCondLst>
-                            <p:childTnLst>
-                              <p:par>
-                                <p:cTn id="33" presetID="1" presetClass="entr" presetSubtype="0" fill="hold" nodeType="clickEffect">
-                                  <p:stCondLst>
-                                    <p:cond delay="0"/>
-                                  </p:stCondLst>
-                                  <p:childTnLst>
-                                    <p:set>
-                                      <p:cBhvr>
-                                        <p:cTn id="34" dur="1" fill="hold">
-                                          <p:stCondLst>
-                                            <p:cond delay="0"/>
-                                          </p:stCondLst>
-                                        </p:cTn>
-                                        <p:tgtEl>
-                                          <p:spTgt spid="3">
-                                            <p:txEl>
-                                              <p:pRg st="7" end="7"/>
-                                            </p:txEl>
-                                          </p:spTgt>
-                                        </p:tgtEl>
-                                        <p:attrNameLst>
-                                          <p:attrName>style.visibility</p:attrName>
-                                        </p:attrNameLst>
-                                      </p:cBhvr>
-                                      <p:to>
-                                        <p:strVal val="visible"/>
-                                      </p:to>
-                                    </p:set>
-                                  </p:childTnLst>
-                                </p:cTn>
-                              </p:par>
-                            </p:childTnLst>
-                          </p:cTn>
-                        </p:par>
-                      </p:childTnLst>
-                    </p:cTn>
-                  </p:par>
-                </p:childTnLst>
-              </p:cTn>
-              <p:prevCondLst>
-                <p:cond evt="onPrev" delay="0">
-                  <p:tgtEl>
-                    <p:sldTgt/>
-                  </p:tgtEl>
-                </p:cond>
-              </p:prevCondLst>
-              <p:nextCondLst>
-                <p:cond evt="onNext" delay="0">
-                  <p:tgtEl>
-                    <p:sldTgt/>
-                  </p:tgtEl>
-                </p:cond>
-              </p:nextCondLst>
-            </p:seq>
-          </p:childTnLst>
-        </p:cTn>
-      </p:par>
-    </p:tnLst>
-  </p:timing>
-</p:sld>
-</file>
-
-<file path=ppt/slides/slide9.xml><?xml version="1.0" encoding="utf-8"?>
-<p:sld xmlns:a="http://schemas.openxmlformats.org/drawingml/2006/main" xmlns:r="http://schemas.openxmlformats.org/officeDocument/2006/relationships" xmlns:p="http://schemas.openxmlformats.org/presentationml/2006/main">
-  <p:cSld>
-    <p:spTree>
-      <p:nvGrpSpPr>
-        <p:cNvPr id="1" name=""/>
-        <p:cNvGrpSpPr/>
-        <p:nvPr/>
-      </p:nvGrpSpPr>
-      <p:grpSpPr>
-        <a:xfrm>
-          <a:off x="0" y="0"/>
-          <a:ext cx="0" cy="0"/>
-          <a:chOff x="0" y="0"/>
-          <a:chExt cx="0" cy="0"/>
-        </a:xfrm>
-      </p:grpSpPr>
-      <p:sp>
-        <p:nvSpPr>
-          <p:cNvPr id="2" name="Title 1"/>
-          <p:cNvSpPr>
-            <a:spLocks noGrp="1"/>
-          </p:cNvSpPr>
-          <p:nvPr>
-            <p:ph type="title"/>
-          </p:nvPr>
-        </p:nvSpPr>
-        <p:spPr/>
-        <p:txBody>
-          <a:bodyPr/>
-          <a:lstStyle/>
-          <a:p>
-            <a:r>
-              <a:rPr lang="en-US" dirty="0" smtClean="0"/>
-              <a:t>Functions</a:t>
-            </a:r>
-            <a:endParaRPr lang="en-US" dirty="0"/>
-          </a:p>
-        </p:txBody>
-      </p:sp>
-      <p:sp>
-        <p:nvSpPr>
-          <p:cNvPr id="3" name="Content Placeholder 2"/>
-          <p:cNvSpPr>
-            <a:spLocks noGrp="1"/>
-          </p:cNvSpPr>
-          <p:nvPr>
-            <p:ph idx="1"/>
-          </p:nvPr>
-        </p:nvSpPr>
-        <p:spPr/>
-        <p:txBody>
-          <a:bodyPr/>
-          <a:lstStyle/>
-          <a:p>
-            <a:r>
-              <a:rPr lang="en-US" dirty="0" smtClean="0"/>
-              <a:t>Also called methods, sub-routines, and procedures (among others).</a:t>
-            </a:r>
-          </a:p>
-          <a:p>
-            <a:r>
-              <a:rPr lang="en-US" dirty="0" smtClean="0"/>
-              <a:t>Single units of work in a repeatable and reusable form.</a:t>
-            </a:r>
-          </a:p>
-          <a:p>
-            <a:endParaRPr lang="en-US" dirty="0"/>
-          </a:p>
-        </p:txBody>
-      </p:sp>
-      <p:pic>
-        <p:nvPicPr>
-          <p:cNvPr id="4" name="Picture 3"/>
-          <p:cNvPicPr>
-            <a:picLocks noChangeAspect="1"/>
-          </p:cNvPicPr>
-          <p:nvPr/>
-        </p:nvPicPr>
-        <p:blipFill>
-          <a:blip r:embed="rId2"/>
-          <a:stretch>
-            <a:fillRect/>
-          </a:stretch>
-        </p:blipFill>
-        <p:spPr>
-          <a:xfrm>
-            <a:off x="3762715" y="3277394"/>
-            <a:ext cx="4666570" cy="1447800"/>
-          </a:xfrm>
-          <a:prstGeom prst="rect">
-            <a:avLst/>
-          </a:prstGeom>
-        </p:spPr>
-      </p:pic>
-    </p:spTree>
-    <p:extLst>
-      <p:ext uri="{BB962C8B-B14F-4D97-AF65-F5344CB8AC3E}">
-        <p14:creationId xmlns:p14="http://schemas.microsoft.com/office/powerpoint/2010/main" val="3157294877"/>
-      </p:ext>
-    </p:extLst>
-  </p:cSld>
-  <p:clrMapOvr>
-    <a:masterClrMapping/>
-  </p:clrMapOvr>
-  <p:timing>
-    <p:tnLst>
-      <p:par>
-        <p:cTn id="1" dur="indefinite" restart="never" nodeType="tmRoot">
-          <p:childTnLst>
-            <p:seq concurrent="1" nextAc="seek">
-              <p:cTn id="2" dur="indefinite" nodeType="mainSeq">
-                <p:childTnLst>
-                  <p:par>
-                    <p:cTn id="3" fill="hold">
-                      <p:stCondLst>
-                        <p:cond delay="indefinite"/>
-                      </p:stCondLst>
-                      <p:childTnLst>
-                        <p:par>
-                          <p:cTn id="4" fill="hold">
-                            <p:stCondLst>
-                              <p:cond delay="0"/>
-                            </p:stCondLst>
-                            <p:childTnLst>
-                              <p:par>
-                                <p:cTn id="5" presetID="1" presetClass="entr" presetSubtype="0" fill="hold" nodeType="clickEffect">
-                                  <p:stCondLst>
-                                    <p:cond delay="0"/>
-                                  </p:stCondLst>
-                                  <p:childTnLst>
-                                    <p:set>
-                                      <p:cBhvr>
-                                        <p:cTn id="6" dur="1" fill="hold">
-                                          <p:stCondLst>
-                                            <p:cond delay="0"/>
-                                          </p:stCondLst>
-                                        </p:cTn>
-                                        <p:tgtEl>
-                                          <p:spTgt spid="3">
-                                            <p:txEl>
-                                              <p:pRg st="0" end="0"/>
-                                            </p:txEl>
-                                          </p:spTgt>
-                                        </p:tgtEl>
-                                        <p:attrNameLst>
-                                          <p:attrName>style.visibility</p:attrName>
-                                        </p:attrNameLst>
-                                      </p:cBhvr>
-                                      <p:to>
-                                        <p:strVal val="visible"/>
-                                      </p:to>
-                                    </p:set>
-                                  </p:childTnLst>
-                                </p:cTn>
-                              </p:par>
-                            </p:childTnLst>
-                          </p:cTn>
-                        </p:par>
-                      </p:childTnLst>
-                    </p:cTn>
-                  </p:par>
-                  <p:par>
-                    <p:cTn id="7" fill="hold">
-                      <p:stCondLst>
-                        <p:cond delay="indefinite"/>
-                      </p:stCondLst>
-                      <p:childTnLst>
-                        <p:par>
-                          <p:cTn id="8" fill="hold">
-                            <p:stCondLst>
-                              <p:cond delay="0"/>
-                            </p:stCondLst>
-                            <p:childTnLst>
-                              <p:par>
-                                <p:cTn id="9" presetID="1" presetClass="entr" presetSubtype="0" fill="hold" nodeType="clickEffect">
-                                  <p:stCondLst>
-                                    <p:cond delay="0"/>
-                                  </p:stCondLst>
-                                  <p:childTnLst>
-                                    <p:set>
-                                      <p:cBhvr>
-                                        <p:cTn id="10" dur="1" fill="hold">
-                                          <p:stCondLst>
-                                            <p:cond delay="0"/>
-                                          </p:stCondLst>
-                                        </p:cTn>
-                                        <p:tgtEl>
-                                          <p:spTgt spid="3">
-                                            <p:txEl>
-                                              <p:pRg st="1" end="1"/>
-                                            </p:txEl>
-                                          </p:spTgt>
-                                        </p:tgtEl>
-                                        <p:attrNameLst>
-                                          <p:attrName>style.visibility</p:attrName>
-                                        </p:attrNameLst>
-                                      </p:cBhvr>
-                                      <p:to>
-                                        <p:strVal val="visible"/>
-                                      </p:to>
-                                    </p:set>
-                                  </p:childTnLst>
-                                </p:cTn>
-                              </p:par>
-                            </p:childTnLst>
-                          </p:cTn>
-                        </p:par>
-                      </p:childTnLst>
-                    </p:cTn>
-                  </p:par>
-                  <p:par>
-                    <p:cTn id="11" fill="hold">
-                      <p:stCondLst>
-                        <p:cond delay="indefinite"/>
-                      </p:stCondLst>
-                      <p:childTnLst>
-                        <p:par>
-                          <p:cTn id="12" fill="hold">
-                            <p:stCondLst>
-                              <p:cond delay="0"/>
-                            </p:stCondLst>
-                            <p:childTnLst>
-                              <p:par>
-                                <p:cTn id="13" presetID="1" presetClass="entr" presetSubtype="0" fill="hold" nodeType="clickEffect">
-                                  <p:stCondLst>
-                                    <p:cond delay="0"/>
-                                  </p:stCondLst>
-                                  <p:childTnLst>
-                                    <p:set>
-                                      <p:cBhvr>
-                                        <p:cTn id="14" dur="1" fill="hold">
-                                          <p:stCondLst>
-                                            <p:cond delay="0"/>
-                                          </p:stCondLst>
-                                        </p:cTn>
-                                        <p:tgtEl>
-                                          <p:spTgt spid="4"/>
-                                        </p:tgtEl>
-                                        <p:attrNameLst>
-                                          <p:attrName>style.visibility</p:attrName>
-                                        </p:attrNameLst>
-                                      </p:cBhvr>
-                                      <p:to>
-                                        <p:strVal val="visible"/>
-                                      </p:to>
-                                    </p:set>
-                                  </p:childTnLst>
-                                </p:cTn>
-                              </p:par>
-                            </p:childTnLst>
-                          </p:cTn>
-                        </p:par>
-                      </p:childTnLst>
-                    </p:cTn>
-                  </p:par>
-                </p:childTnLst>
-              </p:cTn>
-              <p:prevCondLst>
-                <p:cond evt="onPrev" delay="0">
-                  <p:tgtEl>
-                    <p:sldTgt/>
-                  </p:tgtEl>
-                </p:cond>
-              </p:prevCondLst>
-              <p:nextCondLst>
-                <p:cond evt="onNext" delay="0">
-                  <p:tgtEl>
-                    <p:sldTgt/>
-                  </p:tgtEl>
-                </p:cond>
-              </p:nextCondLst>
-            </p:seq>
-          </p:childTnLst>
-        </p:cTn>
-      </p:par>
-    </p:tnLst>
-  </p:timing>
-</p:sld>
-</file>
-
 <file path=ppt/theme/theme1.xml><?xml version="1.0" encoding="utf-8"?>
 <a:theme xmlns:a="http://schemas.openxmlformats.org/drawingml/2006/main" name="Office Theme">
   <a:themeElements>

--- a/Class_1_pp.pptx
+++ b/Class_1_pp.pptx
@@ -5,20 +5,19 @@
     <p:sldMasterId id="2147483648" r:id="rId1"/>
   </p:sldMasterIdLst>
   <p:notesMasterIdLst>
-    <p:notesMasterId r:id="rId13"/>
+    <p:notesMasterId r:id="rId12"/>
   </p:notesMasterIdLst>
   <p:sldIdLst>
     <p:sldId id="256" r:id="rId2"/>
     <p:sldId id="257" r:id="rId3"/>
     <p:sldId id="268" r:id="rId4"/>
-    <p:sldId id="260" r:id="rId5"/>
-    <p:sldId id="261" r:id="rId6"/>
-    <p:sldId id="263" r:id="rId7"/>
-    <p:sldId id="259" r:id="rId8"/>
-    <p:sldId id="264" r:id="rId9"/>
-    <p:sldId id="265" r:id="rId10"/>
-    <p:sldId id="266" r:id="rId11"/>
-    <p:sldId id="267" r:id="rId12"/>
+    <p:sldId id="261" r:id="rId5"/>
+    <p:sldId id="263" r:id="rId6"/>
+    <p:sldId id="259" r:id="rId7"/>
+    <p:sldId id="264" r:id="rId8"/>
+    <p:sldId id="265" r:id="rId9"/>
+    <p:sldId id="266" r:id="rId10"/>
+    <p:sldId id="267" r:id="rId11"/>
   </p:sldIdLst>
   <p:sldSz cx="12192000" cy="6858000"/>
   <p:notesSz cx="6858000" cy="9144000"/>
@@ -129,11 +128,33 @@
 <pc:chgInfo xmlns:a="http://schemas.openxmlformats.org/drawingml/2006/main" xmlns:r="http://schemas.openxmlformats.org/officeDocument/2006/relationships" xmlns:ac="http://schemas.microsoft.com/office/drawing/2013/main/command" xmlns:pc="http://schemas.microsoft.com/office/powerpoint/2013/main/command">
   <pc:docChgLst>
     <pc:chgData name="William Brown" userId="f5cdd9e1f07807f2" providerId="LiveId" clId="{56BBC5C5-4393-4490-BE3E-54FCEBD30C05}"/>
-    <pc:docChg chg="delSld">
-      <pc:chgData name="William Brown" userId="f5cdd9e1f07807f2" providerId="LiveId" clId="{56BBC5C5-4393-4490-BE3E-54FCEBD30C05}" dt="2020-02-09T03:16:50.082" v="0" actId="2696"/>
+    <pc:docChg chg="custSel delSld modSld">
+      <pc:chgData name="William Brown" userId="f5cdd9e1f07807f2" providerId="LiveId" clId="{56BBC5C5-4393-4490-BE3E-54FCEBD30C05}" dt="2020-02-09T04:44:42.777" v="5" actId="27636"/>
       <pc:docMkLst>
         <pc:docMk/>
       </pc:docMkLst>
+      <pc:sldChg chg="modSp">
+        <pc:chgData name="William Brown" userId="f5cdd9e1f07807f2" providerId="LiveId" clId="{56BBC5C5-4393-4490-BE3E-54FCEBD30C05}" dt="2020-02-09T04:44:42.777" v="5" actId="27636"/>
+        <pc:sldMkLst>
+          <pc:docMk/>
+          <pc:sldMk cId="3001369235" sldId="257"/>
+        </pc:sldMkLst>
+        <pc:spChg chg="mod">
+          <ac:chgData name="William Brown" userId="f5cdd9e1f07807f2" providerId="LiveId" clId="{56BBC5C5-4393-4490-BE3E-54FCEBD30C05}" dt="2020-02-09T04:44:42.777" v="5" actId="27636"/>
+          <ac:spMkLst>
+            <pc:docMk/>
+            <pc:sldMk cId="3001369235" sldId="257"/>
+            <ac:spMk id="3" creationId="{00000000-0000-0000-0000-000000000000}"/>
+          </ac:spMkLst>
+        </pc:spChg>
+      </pc:sldChg>
+      <pc:sldChg chg="del">
+        <pc:chgData name="William Brown" userId="f5cdd9e1f07807f2" providerId="LiveId" clId="{56BBC5C5-4393-4490-BE3E-54FCEBD30C05}" dt="2020-02-09T04:41:24.368" v="1" actId="2696"/>
+        <pc:sldMkLst>
+          <pc:docMk/>
+          <pc:sldMk cId="2830499643" sldId="260"/>
+        </pc:sldMkLst>
+      </pc:sldChg>
       <pc:sldChg chg="del">
         <pc:chgData name="William Brown" userId="f5cdd9e1f07807f2" providerId="LiveId" clId="{56BBC5C5-4393-4490-BE3E-54FCEBD30C05}" dt="2020-02-09T03:16:50.082" v="0" actId="2696"/>
         <pc:sldMkLst>
@@ -3400,665 +3421,6 @@
           <a:p>
             <a:r>
               <a:rPr lang="en-US" dirty="0"/>
-              <a:t>Flow Control - </a:t>
-            </a:r>
-            <a:r>
-              <a:rPr lang="en-US" dirty="0" err="1"/>
-              <a:t>Pseudocode</a:t>
-            </a:r>
-            <a:endParaRPr lang="en-US" dirty="0"/>
-          </a:p>
-        </p:txBody>
-      </p:sp>
-      <p:sp>
-        <p:nvSpPr>
-          <p:cNvPr id="26" name="TextBox 25"/>
-          <p:cNvSpPr txBox="1"/>
-          <p:nvPr/>
-        </p:nvSpPr>
-        <p:spPr>
-          <a:xfrm>
-            <a:off x="838200" y="1690688"/>
-            <a:ext cx="4828822" cy="2308324"/>
-          </a:xfrm>
-          <a:prstGeom prst="rect">
-            <a:avLst/>
-          </a:prstGeom>
-          <a:noFill/>
-        </p:spPr>
-        <p:txBody>
-          <a:bodyPr wrap="none" rtlCol="0">
-            <a:spAutoFit/>
-          </a:bodyPr>
-          <a:lstStyle/>
-          <a:p>
-            <a:pPr defTabSz="457200">
-              <a:tabLst>
-                <a:tab pos="0" algn="l"/>
-              </a:tabLst>
-            </a:pPr>
-            <a:r>
-              <a:rPr lang="en-US" dirty="0"/>
-              <a:t>if it's raining then </a:t>
-            </a:r>
-          </a:p>
-          <a:p>
-            <a:pPr defTabSz="457200">
-              <a:tabLst>
-                <a:tab pos="0" algn="l"/>
-              </a:tabLst>
-            </a:pPr>
-            <a:r>
-              <a:rPr lang="en-US" dirty="0"/>
-              <a:t>		if you have an umbrella then </a:t>
-            </a:r>
-          </a:p>
-          <a:p>
-            <a:pPr defTabSz="457200">
-              <a:tabLst>
-                <a:tab pos="0" algn="l"/>
-              </a:tabLst>
-            </a:pPr>
-            <a:r>
-              <a:rPr lang="en-US" dirty="0"/>
-              <a:t>			grab your umbrella and go to work </a:t>
-            </a:r>
-          </a:p>
-          <a:p>
-            <a:pPr defTabSz="457200">
-              <a:tabLst>
-                <a:tab pos="0" algn="l"/>
-              </a:tabLst>
-            </a:pPr>
-            <a:r>
-              <a:rPr lang="en-US" dirty="0"/>
-              <a:t>		otherwise </a:t>
-            </a:r>
-          </a:p>
-          <a:p>
-            <a:pPr defTabSz="457200">
-              <a:tabLst>
-                <a:tab pos="0" algn="l"/>
-              </a:tabLst>
-            </a:pPr>
-            <a:r>
-              <a:rPr lang="en-US" dirty="0"/>
-              <a:t>			if you have a jacket then </a:t>
-            </a:r>
-          </a:p>
-          <a:p>
-            <a:pPr defTabSz="457200">
-              <a:tabLst>
-                <a:tab pos="0" algn="l"/>
-              </a:tabLst>
-            </a:pPr>
-            <a:r>
-              <a:rPr lang="en-US" dirty="0"/>
-              <a:t>				grab your jacket and go to work </a:t>
-            </a:r>
-          </a:p>
-          <a:p>
-            <a:pPr defTabSz="457200">
-              <a:tabLst>
-                <a:tab pos="0" algn="l"/>
-              </a:tabLst>
-            </a:pPr>
-            <a:r>
-              <a:rPr lang="en-US" dirty="0"/>
-              <a:t>			otherwise </a:t>
-            </a:r>
-          </a:p>
-          <a:p>
-            <a:pPr defTabSz="457200">
-              <a:tabLst>
-                <a:tab pos="0" algn="l"/>
-              </a:tabLst>
-            </a:pPr>
-            <a:r>
-              <a:rPr lang="en-US" dirty="0"/>
-              <a:t>				Sadly, you're going to get soaked :/</a:t>
-            </a:r>
-          </a:p>
-        </p:txBody>
-      </p:sp>
-      <p:pic>
-        <p:nvPicPr>
-          <p:cNvPr id="3" name="Picture 2"/>
-          <p:cNvPicPr>
-            <a:picLocks noChangeAspect="1"/>
-          </p:cNvPicPr>
-          <p:nvPr/>
-        </p:nvPicPr>
-        <p:blipFill>
-          <a:blip r:embed="rId2"/>
-          <a:stretch>
-            <a:fillRect/>
-          </a:stretch>
-        </p:blipFill>
-        <p:spPr>
-          <a:xfrm>
-            <a:off x="1304925" y="3999012"/>
-            <a:ext cx="9582150" cy="2162175"/>
-          </a:xfrm>
-          <a:prstGeom prst="rect">
-            <a:avLst/>
-          </a:prstGeom>
-        </p:spPr>
-      </p:pic>
-    </p:spTree>
-    <p:extLst>
-      <p:ext uri="{BB962C8B-B14F-4D97-AF65-F5344CB8AC3E}">
-        <p14:creationId xmlns:p14="http://schemas.microsoft.com/office/powerpoint/2010/main" val="1630613848"/>
-      </p:ext>
-    </p:extLst>
-  </p:cSld>
-  <p:clrMapOvr>
-    <a:masterClrMapping/>
-  </p:clrMapOvr>
-  <p:timing>
-    <p:tnLst>
-      <p:par>
-        <p:cTn id="1" dur="indefinite" restart="never" nodeType="tmRoot">
-          <p:childTnLst>
-            <p:seq concurrent="1" nextAc="seek">
-              <p:cTn id="2" dur="indefinite" nodeType="mainSeq">
-                <p:childTnLst>
-                  <p:par>
-                    <p:cTn id="3" fill="hold">
-                      <p:stCondLst>
-                        <p:cond delay="indefinite"/>
-                      </p:stCondLst>
-                      <p:childTnLst>
-                        <p:par>
-                          <p:cTn id="4" fill="hold">
-                            <p:stCondLst>
-                              <p:cond delay="0"/>
-                            </p:stCondLst>
-                            <p:childTnLst>
-                              <p:par>
-                                <p:cTn id="5" presetID="1" presetClass="entr" presetSubtype="0" fill="hold" nodeType="clickEffect">
-                                  <p:stCondLst>
-                                    <p:cond delay="0"/>
-                                  </p:stCondLst>
-                                  <p:childTnLst>
-                                    <p:set>
-                                      <p:cBhvr>
-                                        <p:cTn id="6" dur="1" fill="hold">
-                                          <p:stCondLst>
-                                            <p:cond delay="0"/>
-                                          </p:stCondLst>
-                                        </p:cTn>
-                                        <p:tgtEl>
-                                          <p:spTgt spid="26">
-                                            <p:txEl>
-                                              <p:pRg st="0" end="0"/>
-                                            </p:txEl>
-                                          </p:spTgt>
-                                        </p:tgtEl>
-                                        <p:attrNameLst>
-                                          <p:attrName>style.visibility</p:attrName>
-                                        </p:attrNameLst>
-                                      </p:cBhvr>
-                                      <p:to>
-                                        <p:strVal val="visible"/>
-                                      </p:to>
-                                    </p:set>
-                                  </p:childTnLst>
-                                </p:cTn>
-                              </p:par>
-                            </p:childTnLst>
-                          </p:cTn>
-                        </p:par>
-                      </p:childTnLst>
-                    </p:cTn>
-                  </p:par>
-                  <p:par>
-                    <p:cTn id="7" fill="hold">
-                      <p:stCondLst>
-                        <p:cond delay="indefinite"/>
-                      </p:stCondLst>
-                      <p:childTnLst>
-                        <p:par>
-                          <p:cTn id="8" fill="hold">
-                            <p:stCondLst>
-                              <p:cond delay="0"/>
-                            </p:stCondLst>
-                            <p:childTnLst>
-                              <p:par>
-                                <p:cTn id="9" presetID="1" presetClass="entr" presetSubtype="0" fill="hold" nodeType="clickEffect">
-                                  <p:stCondLst>
-                                    <p:cond delay="0"/>
-                                  </p:stCondLst>
-                                  <p:childTnLst>
-                                    <p:set>
-                                      <p:cBhvr>
-                                        <p:cTn id="10" dur="1" fill="hold">
-                                          <p:stCondLst>
-                                            <p:cond delay="0"/>
-                                          </p:stCondLst>
-                                        </p:cTn>
-                                        <p:tgtEl>
-                                          <p:spTgt spid="26">
-                                            <p:txEl>
-                                              <p:pRg st="1" end="1"/>
-                                            </p:txEl>
-                                          </p:spTgt>
-                                        </p:tgtEl>
-                                        <p:attrNameLst>
-                                          <p:attrName>style.visibility</p:attrName>
-                                        </p:attrNameLst>
-                                      </p:cBhvr>
-                                      <p:to>
-                                        <p:strVal val="visible"/>
-                                      </p:to>
-                                    </p:set>
-                                  </p:childTnLst>
-                                </p:cTn>
-                              </p:par>
-                            </p:childTnLst>
-                          </p:cTn>
-                        </p:par>
-                      </p:childTnLst>
-                    </p:cTn>
-                  </p:par>
-                  <p:par>
-                    <p:cTn id="11" fill="hold">
-                      <p:stCondLst>
-                        <p:cond delay="indefinite"/>
-                      </p:stCondLst>
-                      <p:childTnLst>
-                        <p:par>
-                          <p:cTn id="12" fill="hold">
-                            <p:stCondLst>
-                              <p:cond delay="0"/>
-                            </p:stCondLst>
-                            <p:childTnLst>
-                              <p:par>
-                                <p:cTn id="13" presetID="1" presetClass="entr" presetSubtype="0" fill="hold" nodeType="clickEffect">
-                                  <p:stCondLst>
-                                    <p:cond delay="0"/>
-                                  </p:stCondLst>
-                                  <p:childTnLst>
-                                    <p:set>
-                                      <p:cBhvr>
-                                        <p:cTn id="14" dur="1" fill="hold">
-                                          <p:stCondLst>
-                                            <p:cond delay="0"/>
-                                          </p:stCondLst>
-                                        </p:cTn>
-                                        <p:tgtEl>
-                                          <p:spTgt spid="26">
-                                            <p:txEl>
-                                              <p:pRg st="2" end="2"/>
-                                            </p:txEl>
-                                          </p:spTgt>
-                                        </p:tgtEl>
-                                        <p:attrNameLst>
-                                          <p:attrName>style.visibility</p:attrName>
-                                        </p:attrNameLst>
-                                      </p:cBhvr>
-                                      <p:to>
-                                        <p:strVal val="visible"/>
-                                      </p:to>
-                                    </p:set>
-                                  </p:childTnLst>
-                                </p:cTn>
-                              </p:par>
-                            </p:childTnLst>
-                          </p:cTn>
-                        </p:par>
-                      </p:childTnLst>
-                    </p:cTn>
-                  </p:par>
-                  <p:par>
-                    <p:cTn id="15" fill="hold">
-                      <p:stCondLst>
-                        <p:cond delay="indefinite"/>
-                      </p:stCondLst>
-                      <p:childTnLst>
-                        <p:par>
-                          <p:cTn id="16" fill="hold">
-                            <p:stCondLst>
-                              <p:cond delay="0"/>
-                            </p:stCondLst>
-                            <p:childTnLst>
-                              <p:par>
-                                <p:cTn id="17" presetID="1" presetClass="entr" presetSubtype="0" fill="hold" nodeType="clickEffect">
-                                  <p:stCondLst>
-                                    <p:cond delay="0"/>
-                                  </p:stCondLst>
-                                  <p:childTnLst>
-                                    <p:set>
-                                      <p:cBhvr>
-                                        <p:cTn id="18" dur="1" fill="hold">
-                                          <p:stCondLst>
-                                            <p:cond delay="0"/>
-                                          </p:stCondLst>
-                                        </p:cTn>
-                                        <p:tgtEl>
-                                          <p:spTgt spid="26">
-                                            <p:txEl>
-                                              <p:pRg st="3" end="3"/>
-                                            </p:txEl>
-                                          </p:spTgt>
-                                        </p:tgtEl>
-                                        <p:attrNameLst>
-                                          <p:attrName>style.visibility</p:attrName>
-                                        </p:attrNameLst>
-                                      </p:cBhvr>
-                                      <p:to>
-                                        <p:strVal val="visible"/>
-                                      </p:to>
-                                    </p:set>
-                                  </p:childTnLst>
-                                </p:cTn>
-                              </p:par>
-                            </p:childTnLst>
-                          </p:cTn>
-                        </p:par>
-                      </p:childTnLst>
-                    </p:cTn>
-                  </p:par>
-                  <p:par>
-                    <p:cTn id="19" fill="hold">
-                      <p:stCondLst>
-                        <p:cond delay="indefinite"/>
-                      </p:stCondLst>
-                      <p:childTnLst>
-                        <p:par>
-                          <p:cTn id="20" fill="hold">
-                            <p:stCondLst>
-                              <p:cond delay="0"/>
-                            </p:stCondLst>
-                            <p:childTnLst>
-                              <p:par>
-                                <p:cTn id="21" presetID="1" presetClass="entr" presetSubtype="0" fill="hold" nodeType="clickEffect">
-                                  <p:stCondLst>
-                                    <p:cond delay="0"/>
-                                  </p:stCondLst>
-                                  <p:childTnLst>
-                                    <p:set>
-                                      <p:cBhvr>
-                                        <p:cTn id="22" dur="1" fill="hold">
-                                          <p:stCondLst>
-                                            <p:cond delay="0"/>
-                                          </p:stCondLst>
-                                        </p:cTn>
-                                        <p:tgtEl>
-                                          <p:spTgt spid="26">
-                                            <p:txEl>
-                                              <p:pRg st="4" end="4"/>
-                                            </p:txEl>
-                                          </p:spTgt>
-                                        </p:tgtEl>
-                                        <p:attrNameLst>
-                                          <p:attrName>style.visibility</p:attrName>
-                                        </p:attrNameLst>
-                                      </p:cBhvr>
-                                      <p:to>
-                                        <p:strVal val="visible"/>
-                                      </p:to>
-                                    </p:set>
-                                  </p:childTnLst>
-                                </p:cTn>
-                              </p:par>
-                            </p:childTnLst>
-                          </p:cTn>
-                        </p:par>
-                      </p:childTnLst>
-                    </p:cTn>
-                  </p:par>
-                  <p:par>
-                    <p:cTn id="23" fill="hold">
-                      <p:stCondLst>
-                        <p:cond delay="indefinite"/>
-                      </p:stCondLst>
-                      <p:childTnLst>
-                        <p:par>
-                          <p:cTn id="24" fill="hold">
-                            <p:stCondLst>
-                              <p:cond delay="0"/>
-                            </p:stCondLst>
-                            <p:childTnLst>
-                              <p:par>
-                                <p:cTn id="25" presetID="1" presetClass="entr" presetSubtype="0" fill="hold" nodeType="clickEffect">
-                                  <p:stCondLst>
-                                    <p:cond delay="0"/>
-                                  </p:stCondLst>
-                                  <p:childTnLst>
-                                    <p:set>
-                                      <p:cBhvr>
-                                        <p:cTn id="26" dur="1" fill="hold">
-                                          <p:stCondLst>
-                                            <p:cond delay="0"/>
-                                          </p:stCondLst>
-                                        </p:cTn>
-                                        <p:tgtEl>
-                                          <p:spTgt spid="26">
-                                            <p:txEl>
-                                              <p:pRg st="5" end="5"/>
-                                            </p:txEl>
-                                          </p:spTgt>
-                                        </p:tgtEl>
-                                        <p:attrNameLst>
-                                          <p:attrName>style.visibility</p:attrName>
-                                        </p:attrNameLst>
-                                      </p:cBhvr>
-                                      <p:to>
-                                        <p:strVal val="visible"/>
-                                      </p:to>
-                                    </p:set>
-                                  </p:childTnLst>
-                                </p:cTn>
-                              </p:par>
-                            </p:childTnLst>
-                          </p:cTn>
-                        </p:par>
-                      </p:childTnLst>
-                    </p:cTn>
-                  </p:par>
-                  <p:par>
-                    <p:cTn id="27" fill="hold">
-                      <p:stCondLst>
-                        <p:cond delay="indefinite"/>
-                      </p:stCondLst>
-                      <p:childTnLst>
-                        <p:par>
-                          <p:cTn id="28" fill="hold">
-                            <p:stCondLst>
-                              <p:cond delay="0"/>
-                            </p:stCondLst>
-                            <p:childTnLst>
-                              <p:par>
-                                <p:cTn id="29" presetID="1" presetClass="entr" presetSubtype="0" fill="hold" nodeType="clickEffect">
-                                  <p:stCondLst>
-                                    <p:cond delay="0"/>
-                                  </p:stCondLst>
-                                  <p:childTnLst>
-                                    <p:set>
-                                      <p:cBhvr>
-                                        <p:cTn id="30" dur="1" fill="hold">
-                                          <p:stCondLst>
-                                            <p:cond delay="0"/>
-                                          </p:stCondLst>
-                                        </p:cTn>
-                                        <p:tgtEl>
-                                          <p:spTgt spid="26">
-                                            <p:txEl>
-                                              <p:pRg st="6" end="6"/>
-                                            </p:txEl>
-                                          </p:spTgt>
-                                        </p:tgtEl>
-                                        <p:attrNameLst>
-                                          <p:attrName>style.visibility</p:attrName>
-                                        </p:attrNameLst>
-                                      </p:cBhvr>
-                                      <p:to>
-                                        <p:strVal val="visible"/>
-                                      </p:to>
-                                    </p:set>
-                                  </p:childTnLst>
-                                </p:cTn>
-                              </p:par>
-                            </p:childTnLst>
-                          </p:cTn>
-                        </p:par>
-                      </p:childTnLst>
-                    </p:cTn>
-                  </p:par>
-                  <p:par>
-                    <p:cTn id="31" fill="hold">
-                      <p:stCondLst>
-                        <p:cond delay="indefinite"/>
-                      </p:stCondLst>
-                      <p:childTnLst>
-                        <p:par>
-                          <p:cTn id="32" fill="hold">
-                            <p:stCondLst>
-                              <p:cond delay="0"/>
-                            </p:stCondLst>
-                            <p:childTnLst>
-                              <p:par>
-                                <p:cTn id="33" presetID="1" presetClass="entr" presetSubtype="0" fill="hold" nodeType="clickEffect">
-                                  <p:stCondLst>
-                                    <p:cond delay="0"/>
-                                  </p:stCondLst>
-                                  <p:childTnLst>
-                                    <p:set>
-                                      <p:cBhvr>
-                                        <p:cTn id="34" dur="1" fill="hold">
-                                          <p:stCondLst>
-                                            <p:cond delay="0"/>
-                                          </p:stCondLst>
-                                        </p:cTn>
-                                        <p:tgtEl>
-                                          <p:spTgt spid="26">
-                                            <p:txEl>
-                                              <p:pRg st="7" end="7"/>
-                                            </p:txEl>
-                                          </p:spTgt>
-                                        </p:tgtEl>
-                                        <p:attrNameLst>
-                                          <p:attrName>style.visibility</p:attrName>
-                                        </p:attrNameLst>
-                                      </p:cBhvr>
-                                      <p:to>
-                                        <p:strVal val="visible"/>
-                                      </p:to>
-                                    </p:set>
-                                  </p:childTnLst>
-                                </p:cTn>
-                              </p:par>
-                            </p:childTnLst>
-                          </p:cTn>
-                        </p:par>
-                      </p:childTnLst>
-                    </p:cTn>
-                  </p:par>
-                  <p:par>
-                    <p:cTn id="35" fill="hold">
-                      <p:stCondLst>
-                        <p:cond delay="indefinite"/>
-                      </p:stCondLst>
-                      <p:childTnLst>
-                        <p:par>
-                          <p:cTn id="36" fill="hold">
-                            <p:stCondLst>
-                              <p:cond delay="0"/>
-                            </p:stCondLst>
-                            <p:childTnLst>
-                              <p:par>
-                                <p:cTn id="37" presetID="1" presetClass="entr" presetSubtype="0" fill="hold" nodeType="clickEffect">
-                                  <p:stCondLst>
-                                    <p:cond delay="0"/>
-                                  </p:stCondLst>
-                                  <p:childTnLst>
-                                    <p:set>
-                                      <p:cBhvr>
-                                        <p:cTn id="38" dur="1" fill="hold">
-                                          <p:stCondLst>
-                                            <p:cond delay="0"/>
-                                          </p:stCondLst>
-                                        </p:cTn>
-                                        <p:tgtEl>
-                                          <p:spTgt spid="3"/>
-                                        </p:tgtEl>
-                                        <p:attrNameLst>
-                                          <p:attrName>style.visibility</p:attrName>
-                                        </p:attrNameLst>
-                                      </p:cBhvr>
-                                      <p:to>
-                                        <p:strVal val="visible"/>
-                                      </p:to>
-                                    </p:set>
-                                  </p:childTnLst>
-                                </p:cTn>
-                              </p:par>
-                            </p:childTnLst>
-                          </p:cTn>
-                        </p:par>
-                      </p:childTnLst>
-                    </p:cTn>
-                  </p:par>
-                </p:childTnLst>
-              </p:cTn>
-              <p:prevCondLst>
-                <p:cond evt="onPrev" delay="0">
-                  <p:tgtEl>
-                    <p:sldTgt/>
-                  </p:tgtEl>
-                </p:cond>
-              </p:prevCondLst>
-              <p:nextCondLst>
-                <p:cond evt="onNext" delay="0">
-                  <p:tgtEl>
-                    <p:sldTgt/>
-                  </p:tgtEl>
-                </p:cond>
-              </p:nextCondLst>
-            </p:seq>
-          </p:childTnLst>
-        </p:cTn>
-      </p:par>
-    </p:tnLst>
-  </p:timing>
-</p:sld>
-</file>
-
-<file path=ppt/slides/slide11.xml><?xml version="1.0" encoding="utf-8"?>
-<p:sld xmlns:a="http://schemas.openxmlformats.org/drawingml/2006/main" xmlns:r="http://schemas.openxmlformats.org/officeDocument/2006/relationships" xmlns:p="http://schemas.openxmlformats.org/presentationml/2006/main">
-  <p:cSld>
-    <p:spTree>
-      <p:nvGrpSpPr>
-        <p:cNvPr id="1" name=""/>
-        <p:cNvGrpSpPr/>
-        <p:nvPr/>
-      </p:nvGrpSpPr>
-      <p:grpSpPr>
-        <a:xfrm>
-          <a:off x="0" y="0"/>
-          <a:ext cx="0" cy="0"/>
-          <a:chOff x="0" y="0"/>
-          <a:chExt cx="0" cy="0"/>
-        </a:xfrm>
-      </p:grpSpPr>
-      <p:sp>
-        <p:nvSpPr>
-          <p:cNvPr id="2" name="Title 1"/>
-          <p:cNvSpPr>
-            <a:spLocks noGrp="1"/>
-          </p:cNvSpPr>
-          <p:nvPr>
-            <p:ph type="title"/>
-          </p:nvPr>
-        </p:nvSpPr>
-        <p:spPr/>
-        <p:txBody>
-          <a:bodyPr/>
-          <a:lstStyle/>
-          <a:p>
-            <a:r>
-              <a:rPr lang="en-US" dirty="0"/>
               <a:t>Questions &amp; Examples</a:t>
             </a:r>
           </a:p>
@@ -4129,7 +3491,7 @@
         <p:spPr/>
         <p:txBody>
           <a:bodyPr>
-            <a:normAutofit lnSpcReduction="10000"/>
+            <a:normAutofit/>
           </a:bodyPr>
           <a:lstStyle/>
           <a:p>
@@ -4140,15 +3502,10 @@
           </a:p>
           <a:p>
             <a:r>
-              <a:rPr lang="en-US" dirty="0"/>
+              <a:rPr lang="en-US"/>
               <a:t>Course Goals</a:t>
             </a:r>
-          </a:p>
-          <a:p>
-            <a:r>
-              <a:rPr lang="en-US" dirty="0"/>
-              <a:t>Innovation</a:t>
-            </a:r>
+            <a:endParaRPr lang="en-US" dirty="0"/>
           </a:p>
           <a:p>
             <a:r>
@@ -4559,228 +3916,6 @@
           <a:p>
             <a:r>
               <a:rPr lang="en-US" dirty="0"/>
-              <a:t>Innovation</a:t>
-            </a:r>
-          </a:p>
-        </p:txBody>
-      </p:sp>
-      <p:sp>
-        <p:nvSpPr>
-          <p:cNvPr id="3" name="Content Placeholder 2"/>
-          <p:cNvSpPr>
-            <a:spLocks noGrp="1"/>
-          </p:cNvSpPr>
-          <p:nvPr>
-            <p:ph idx="1"/>
-          </p:nvPr>
-        </p:nvSpPr>
-        <p:spPr/>
-        <p:txBody>
-          <a:bodyPr/>
-          <a:lstStyle/>
-          <a:p>
-            <a:r>
-              <a:rPr lang="en-US" dirty="0"/>
-              <a:t>What drives innovation at a company like UPS?</a:t>
-            </a:r>
-          </a:p>
-          <a:p>
-            <a:r>
-              <a:rPr lang="en-US" dirty="0"/>
-              <a:t>What </a:t>
-            </a:r>
-            <a:r>
-              <a:rPr lang="en-US" b="1" i="1" u="sng" dirty="0"/>
-              <a:t>should</a:t>
-            </a:r>
-            <a:r>
-              <a:rPr lang="en-US" dirty="0"/>
-              <a:t> drive innovation at UPS?</a:t>
-            </a:r>
-          </a:p>
-          <a:p>
-            <a:endParaRPr lang="en-US" b="1" i="1" u="sng" dirty="0"/>
-          </a:p>
-          <a:p>
-            <a:endParaRPr lang="en-US" dirty="0"/>
-          </a:p>
-        </p:txBody>
-      </p:sp>
-    </p:spTree>
-    <p:extLst>
-      <p:ext uri="{BB962C8B-B14F-4D97-AF65-F5344CB8AC3E}">
-        <p14:creationId xmlns:p14="http://schemas.microsoft.com/office/powerpoint/2010/main" val="2830499643"/>
-      </p:ext>
-    </p:extLst>
-  </p:cSld>
-  <p:clrMapOvr>
-    <a:masterClrMapping/>
-  </p:clrMapOvr>
-  <p:timing>
-    <p:tnLst>
-      <p:par>
-        <p:cTn id="1" dur="indefinite" restart="never" nodeType="tmRoot">
-          <p:childTnLst>
-            <p:seq concurrent="1" nextAc="seek">
-              <p:cTn id="2" dur="indefinite" nodeType="mainSeq">
-                <p:childTnLst>
-                  <p:par>
-                    <p:cTn id="3" fill="hold">
-                      <p:stCondLst>
-                        <p:cond delay="indefinite"/>
-                      </p:stCondLst>
-                      <p:childTnLst>
-                        <p:par>
-                          <p:cTn id="4" fill="hold">
-                            <p:stCondLst>
-                              <p:cond delay="0"/>
-                            </p:stCondLst>
-                            <p:childTnLst>
-                              <p:par>
-                                <p:cTn id="5" presetID="1" presetClass="entr" presetSubtype="0" fill="hold" nodeType="clickEffect">
-                                  <p:stCondLst>
-                                    <p:cond delay="0"/>
-                                  </p:stCondLst>
-                                  <p:childTnLst>
-                                    <p:set>
-                                      <p:cBhvr>
-                                        <p:cTn id="6" dur="1" fill="hold">
-                                          <p:stCondLst>
-                                            <p:cond delay="0"/>
-                                          </p:stCondLst>
-                                        </p:cTn>
-                                        <p:tgtEl>
-                                          <p:spTgt spid="3">
-                                            <p:txEl>
-                                              <p:pRg st="0" end="0"/>
-                                            </p:txEl>
-                                          </p:spTgt>
-                                        </p:tgtEl>
-                                        <p:attrNameLst>
-                                          <p:attrName>style.visibility</p:attrName>
-                                        </p:attrNameLst>
-                                      </p:cBhvr>
-                                      <p:to>
-                                        <p:strVal val="visible"/>
-                                      </p:to>
-                                    </p:set>
-                                  </p:childTnLst>
-                                </p:cTn>
-                              </p:par>
-                            </p:childTnLst>
-                          </p:cTn>
-                        </p:par>
-                      </p:childTnLst>
-                    </p:cTn>
-                  </p:par>
-                  <p:par>
-                    <p:cTn id="7" fill="hold">
-                      <p:stCondLst>
-                        <p:cond delay="indefinite"/>
-                      </p:stCondLst>
-                      <p:childTnLst>
-                        <p:par>
-                          <p:cTn id="8" fill="hold">
-                            <p:stCondLst>
-                              <p:cond delay="0"/>
-                            </p:stCondLst>
-                            <p:childTnLst>
-                              <p:par>
-                                <p:cTn id="9" presetID="1" presetClass="entr" presetSubtype="0" fill="hold" nodeType="clickEffect">
-                                  <p:stCondLst>
-                                    <p:cond delay="0"/>
-                                  </p:stCondLst>
-                                  <p:childTnLst>
-                                    <p:set>
-                                      <p:cBhvr>
-                                        <p:cTn id="10" dur="1" fill="hold">
-                                          <p:stCondLst>
-                                            <p:cond delay="0"/>
-                                          </p:stCondLst>
-                                        </p:cTn>
-                                        <p:tgtEl>
-                                          <p:spTgt spid="3">
-                                            <p:txEl>
-                                              <p:pRg st="1" end="1"/>
-                                            </p:txEl>
-                                          </p:spTgt>
-                                        </p:tgtEl>
-                                        <p:attrNameLst>
-                                          <p:attrName>style.visibility</p:attrName>
-                                        </p:attrNameLst>
-                                      </p:cBhvr>
-                                      <p:to>
-                                        <p:strVal val="visible"/>
-                                      </p:to>
-                                    </p:set>
-                                  </p:childTnLst>
-                                </p:cTn>
-                              </p:par>
-                            </p:childTnLst>
-                          </p:cTn>
-                        </p:par>
-                      </p:childTnLst>
-                    </p:cTn>
-                  </p:par>
-                </p:childTnLst>
-              </p:cTn>
-              <p:prevCondLst>
-                <p:cond evt="onPrev" delay="0">
-                  <p:tgtEl>
-                    <p:sldTgt/>
-                  </p:tgtEl>
-                </p:cond>
-              </p:prevCondLst>
-              <p:nextCondLst>
-                <p:cond evt="onNext" delay="0">
-                  <p:tgtEl>
-                    <p:sldTgt/>
-                  </p:tgtEl>
-                </p:cond>
-              </p:nextCondLst>
-            </p:seq>
-          </p:childTnLst>
-        </p:cTn>
-      </p:par>
-    </p:tnLst>
-  </p:timing>
-</p:sld>
-</file>
-
-<file path=ppt/slides/slide5.xml><?xml version="1.0" encoding="utf-8"?>
-<p:sld xmlns:a="http://schemas.openxmlformats.org/drawingml/2006/main" xmlns:r="http://schemas.openxmlformats.org/officeDocument/2006/relationships" xmlns:p="http://schemas.openxmlformats.org/presentationml/2006/main">
-  <p:cSld>
-    <p:spTree>
-      <p:nvGrpSpPr>
-        <p:cNvPr id="1" name=""/>
-        <p:cNvGrpSpPr/>
-        <p:nvPr/>
-      </p:nvGrpSpPr>
-      <p:grpSpPr>
-        <a:xfrm>
-          <a:off x="0" y="0"/>
-          <a:ext cx="0" cy="0"/>
-          <a:chOff x="0" y="0"/>
-          <a:chExt cx="0" cy="0"/>
-        </a:xfrm>
-      </p:grpSpPr>
-      <p:sp>
-        <p:nvSpPr>
-          <p:cNvPr id="2" name="Title 1"/>
-          <p:cNvSpPr>
-            <a:spLocks noGrp="1"/>
-          </p:cNvSpPr>
-          <p:nvPr>
-            <p:ph type="title"/>
-          </p:nvPr>
-        </p:nvSpPr>
-        <p:spPr/>
-        <p:txBody>
-          <a:bodyPr/>
-          <a:lstStyle/>
-          <a:p>
-            <a:r>
-              <a:rPr lang="en-US" dirty="0"/>
               <a:t>Development Environment</a:t>
             </a:r>
           </a:p>
@@ -5022,7 +4157,7 @@
 </p:sld>
 </file>
 
-<file path=ppt/slides/slide6.xml><?xml version="1.0" encoding="utf-8"?>
+<file path=ppt/slides/slide5.xml><?xml version="1.0" encoding="utf-8"?>
 <p:sld xmlns:a="http://schemas.openxmlformats.org/drawingml/2006/main" xmlns:r="http://schemas.openxmlformats.org/officeDocument/2006/relationships" xmlns:p="http://schemas.openxmlformats.org/presentationml/2006/main">
   <p:cSld>
     <p:spTree>
@@ -5237,7 +4372,7 @@
 </p:sld>
 </file>
 
-<file path=ppt/slides/slide7.xml><?xml version="1.0" encoding="utf-8"?>
+<file path=ppt/slides/slide6.xml><?xml version="1.0" encoding="utf-8"?>
 <p:sld xmlns:a="http://schemas.openxmlformats.org/drawingml/2006/main" xmlns:r="http://schemas.openxmlformats.org/officeDocument/2006/relationships" xmlns:p="http://schemas.openxmlformats.org/presentationml/2006/main">
   <p:cSld>
     <p:spTree>
@@ -5781,7 +4916,7 @@
 </p:sld>
 </file>
 
-<file path=ppt/slides/slide8.xml><?xml version="1.0" encoding="utf-8"?>
+<file path=ppt/slides/slide7.xml><?xml version="1.0" encoding="utf-8"?>
 <p:sld xmlns:a="http://schemas.openxmlformats.org/drawingml/2006/main" xmlns:r="http://schemas.openxmlformats.org/officeDocument/2006/relationships" xmlns:p="http://schemas.openxmlformats.org/presentationml/2006/main">
   <p:cSld>
     <p:spTree>
@@ -6061,7 +5196,7 @@
 </p:sld>
 </file>
 
-<file path=ppt/slides/slide9.xml><?xml version="1.0" encoding="utf-8"?>
+<file path=ppt/slides/slide8.xml><?xml version="1.0" encoding="utf-8"?>
 <p:sld xmlns:a="http://schemas.openxmlformats.org/drawingml/2006/main" xmlns:r="http://schemas.openxmlformats.org/officeDocument/2006/relationships" xmlns:p="http://schemas.openxmlformats.org/presentationml/2006/main">
   <p:cSld>
     <p:spTree>
@@ -7699,6 +6834,665 @@
 </p:sld>
 </file>
 
+<file path=ppt/slides/slide9.xml><?xml version="1.0" encoding="utf-8"?>
+<p:sld xmlns:a="http://schemas.openxmlformats.org/drawingml/2006/main" xmlns:r="http://schemas.openxmlformats.org/officeDocument/2006/relationships" xmlns:p="http://schemas.openxmlformats.org/presentationml/2006/main">
+  <p:cSld>
+    <p:spTree>
+      <p:nvGrpSpPr>
+        <p:cNvPr id="1" name=""/>
+        <p:cNvGrpSpPr/>
+        <p:nvPr/>
+      </p:nvGrpSpPr>
+      <p:grpSpPr>
+        <a:xfrm>
+          <a:off x="0" y="0"/>
+          <a:ext cx="0" cy="0"/>
+          <a:chOff x="0" y="0"/>
+          <a:chExt cx="0" cy="0"/>
+        </a:xfrm>
+      </p:grpSpPr>
+      <p:sp>
+        <p:nvSpPr>
+          <p:cNvPr id="2" name="Title 1"/>
+          <p:cNvSpPr>
+            <a:spLocks noGrp="1"/>
+          </p:cNvSpPr>
+          <p:nvPr>
+            <p:ph type="title"/>
+          </p:nvPr>
+        </p:nvSpPr>
+        <p:spPr/>
+        <p:txBody>
+          <a:bodyPr/>
+          <a:lstStyle/>
+          <a:p>
+            <a:r>
+              <a:rPr lang="en-US" dirty="0"/>
+              <a:t>Flow Control - </a:t>
+            </a:r>
+            <a:r>
+              <a:rPr lang="en-US" dirty="0" err="1"/>
+              <a:t>Pseudocode</a:t>
+            </a:r>
+            <a:endParaRPr lang="en-US" dirty="0"/>
+          </a:p>
+        </p:txBody>
+      </p:sp>
+      <p:sp>
+        <p:nvSpPr>
+          <p:cNvPr id="26" name="TextBox 25"/>
+          <p:cNvSpPr txBox="1"/>
+          <p:nvPr/>
+        </p:nvSpPr>
+        <p:spPr>
+          <a:xfrm>
+            <a:off x="838200" y="1690688"/>
+            <a:ext cx="4828822" cy="2308324"/>
+          </a:xfrm>
+          <a:prstGeom prst="rect">
+            <a:avLst/>
+          </a:prstGeom>
+          <a:noFill/>
+        </p:spPr>
+        <p:txBody>
+          <a:bodyPr wrap="none" rtlCol="0">
+            <a:spAutoFit/>
+          </a:bodyPr>
+          <a:lstStyle/>
+          <a:p>
+            <a:pPr defTabSz="457200">
+              <a:tabLst>
+                <a:tab pos="0" algn="l"/>
+              </a:tabLst>
+            </a:pPr>
+            <a:r>
+              <a:rPr lang="en-US" dirty="0"/>
+              <a:t>if it's raining then </a:t>
+            </a:r>
+          </a:p>
+          <a:p>
+            <a:pPr defTabSz="457200">
+              <a:tabLst>
+                <a:tab pos="0" algn="l"/>
+              </a:tabLst>
+            </a:pPr>
+            <a:r>
+              <a:rPr lang="en-US" dirty="0"/>
+              <a:t>		if you have an umbrella then </a:t>
+            </a:r>
+          </a:p>
+          <a:p>
+            <a:pPr defTabSz="457200">
+              <a:tabLst>
+                <a:tab pos="0" algn="l"/>
+              </a:tabLst>
+            </a:pPr>
+            <a:r>
+              <a:rPr lang="en-US" dirty="0"/>
+              <a:t>			grab your umbrella and go to work </a:t>
+            </a:r>
+          </a:p>
+          <a:p>
+            <a:pPr defTabSz="457200">
+              <a:tabLst>
+                <a:tab pos="0" algn="l"/>
+              </a:tabLst>
+            </a:pPr>
+            <a:r>
+              <a:rPr lang="en-US" dirty="0"/>
+              <a:t>		otherwise </a:t>
+            </a:r>
+          </a:p>
+          <a:p>
+            <a:pPr defTabSz="457200">
+              <a:tabLst>
+                <a:tab pos="0" algn="l"/>
+              </a:tabLst>
+            </a:pPr>
+            <a:r>
+              <a:rPr lang="en-US" dirty="0"/>
+              <a:t>			if you have a jacket then </a:t>
+            </a:r>
+          </a:p>
+          <a:p>
+            <a:pPr defTabSz="457200">
+              <a:tabLst>
+                <a:tab pos="0" algn="l"/>
+              </a:tabLst>
+            </a:pPr>
+            <a:r>
+              <a:rPr lang="en-US" dirty="0"/>
+              <a:t>				grab your jacket and go to work </a:t>
+            </a:r>
+          </a:p>
+          <a:p>
+            <a:pPr defTabSz="457200">
+              <a:tabLst>
+                <a:tab pos="0" algn="l"/>
+              </a:tabLst>
+            </a:pPr>
+            <a:r>
+              <a:rPr lang="en-US" dirty="0"/>
+              <a:t>			otherwise </a:t>
+            </a:r>
+          </a:p>
+          <a:p>
+            <a:pPr defTabSz="457200">
+              <a:tabLst>
+                <a:tab pos="0" algn="l"/>
+              </a:tabLst>
+            </a:pPr>
+            <a:r>
+              <a:rPr lang="en-US" dirty="0"/>
+              <a:t>				Sadly, you're going to get soaked :/</a:t>
+            </a:r>
+          </a:p>
+        </p:txBody>
+      </p:sp>
+      <p:pic>
+        <p:nvPicPr>
+          <p:cNvPr id="3" name="Picture 2"/>
+          <p:cNvPicPr>
+            <a:picLocks noChangeAspect="1"/>
+          </p:cNvPicPr>
+          <p:nvPr/>
+        </p:nvPicPr>
+        <p:blipFill>
+          <a:blip r:embed="rId2"/>
+          <a:stretch>
+            <a:fillRect/>
+          </a:stretch>
+        </p:blipFill>
+        <p:spPr>
+          <a:xfrm>
+            <a:off x="1304925" y="3999012"/>
+            <a:ext cx="9582150" cy="2162175"/>
+          </a:xfrm>
+          <a:prstGeom prst="rect">
+            <a:avLst/>
+          </a:prstGeom>
+        </p:spPr>
+      </p:pic>
+    </p:spTree>
+    <p:extLst>
+      <p:ext uri="{BB962C8B-B14F-4D97-AF65-F5344CB8AC3E}">
+        <p14:creationId xmlns:p14="http://schemas.microsoft.com/office/powerpoint/2010/main" val="1630613848"/>
+      </p:ext>
+    </p:extLst>
+  </p:cSld>
+  <p:clrMapOvr>
+    <a:masterClrMapping/>
+  </p:clrMapOvr>
+  <p:timing>
+    <p:tnLst>
+      <p:par>
+        <p:cTn id="1" dur="indefinite" restart="never" nodeType="tmRoot">
+          <p:childTnLst>
+            <p:seq concurrent="1" nextAc="seek">
+              <p:cTn id="2" dur="indefinite" nodeType="mainSeq">
+                <p:childTnLst>
+                  <p:par>
+                    <p:cTn id="3" fill="hold">
+                      <p:stCondLst>
+                        <p:cond delay="indefinite"/>
+                      </p:stCondLst>
+                      <p:childTnLst>
+                        <p:par>
+                          <p:cTn id="4" fill="hold">
+                            <p:stCondLst>
+                              <p:cond delay="0"/>
+                            </p:stCondLst>
+                            <p:childTnLst>
+                              <p:par>
+                                <p:cTn id="5" presetID="1" presetClass="entr" presetSubtype="0" fill="hold" nodeType="clickEffect">
+                                  <p:stCondLst>
+                                    <p:cond delay="0"/>
+                                  </p:stCondLst>
+                                  <p:childTnLst>
+                                    <p:set>
+                                      <p:cBhvr>
+                                        <p:cTn id="6" dur="1" fill="hold">
+                                          <p:stCondLst>
+                                            <p:cond delay="0"/>
+                                          </p:stCondLst>
+                                        </p:cTn>
+                                        <p:tgtEl>
+                                          <p:spTgt spid="26">
+                                            <p:txEl>
+                                              <p:pRg st="0" end="0"/>
+                                            </p:txEl>
+                                          </p:spTgt>
+                                        </p:tgtEl>
+                                        <p:attrNameLst>
+                                          <p:attrName>style.visibility</p:attrName>
+                                        </p:attrNameLst>
+                                      </p:cBhvr>
+                                      <p:to>
+                                        <p:strVal val="visible"/>
+                                      </p:to>
+                                    </p:set>
+                                  </p:childTnLst>
+                                </p:cTn>
+                              </p:par>
+                            </p:childTnLst>
+                          </p:cTn>
+                        </p:par>
+                      </p:childTnLst>
+                    </p:cTn>
+                  </p:par>
+                  <p:par>
+                    <p:cTn id="7" fill="hold">
+                      <p:stCondLst>
+                        <p:cond delay="indefinite"/>
+                      </p:stCondLst>
+                      <p:childTnLst>
+                        <p:par>
+                          <p:cTn id="8" fill="hold">
+                            <p:stCondLst>
+                              <p:cond delay="0"/>
+                            </p:stCondLst>
+                            <p:childTnLst>
+                              <p:par>
+                                <p:cTn id="9" presetID="1" presetClass="entr" presetSubtype="0" fill="hold" nodeType="clickEffect">
+                                  <p:stCondLst>
+                                    <p:cond delay="0"/>
+                                  </p:stCondLst>
+                                  <p:childTnLst>
+                                    <p:set>
+                                      <p:cBhvr>
+                                        <p:cTn id="10" dur="1" fill="hold">
+                                          <p:stCondLst>
+                                            <p:cond delay="0"/>
+                                          </p:stCondLst>
+                                        </p:cTn>
+                                        <p:tgtEl>
+                                          <p:spTgt spid="26">
+                                            <p:txEl>
+                                              <p:pRg st="1" end="1"/>
+                                            </p:txEl>
+                                          </p:spTgt>
+                                        </p:tgtEl>
+                                        <p:attrNameLst>
+                                          <p:attrName>style.visibility</p:attrName>
+                                        </p:attrNameLst>
+                                      </p:cBhvr>
+                                      <p:to>
+                                        <p:strVal val="visible"/>
+                                      </p:to>
+                                    </p:set>
+                                  </p:childTnLst>
+                                </p:cTn>
+                              </p:par>
+                            </p:childTnLst>
+                          </p:cTn>
+                        </p:par>
+                      </p:childTnLst>
+                    </p:cTn>
+                  </p:par>
+                  <p:par>
+                    <p:cTn id="11" fill="hold">
+                      <p:stCondLst>
+                        <p:cond delay="indefinite"/>
+                      </p:stCondLst>
+                      <p:childTnLst>
+                        <p:par>
+                          <p:cTn id="12" fill="hold">
+                            <p:stCondLst>
+                              <p:cond delay="0"/>
+                            </p:stCondLst>
+                            <p:childTnLst>
+                              <p:par>
+                                <p:cTn id="13" presetID="1" presetClass="entr" presetSubtype="0" fill="hold" nodeType="clickEffect">
+                                  <p:stCondLst>
+                                    <p:cond delay="0"/>
+                                  </p:stCondLst>
+                                  <p:childTnLst>
+                                    <p:set>
+                                      <p:cBhvr>
+                                        <p:cTn id="14" dur="1" fill="hold">
+                                          <p:stCondLst>
+                                            <p:cond delay="0"/>
+                                          </p:stCondLst>
+                                        </p:cTn>
+                                        <p:tgtEl>
+                                          <p:spTgt spid="26">
+                                            <p:txEl>
+                                              <p:pRg st="2" end="2"/>
+                                            </p:txEl>
+                                          </p:spTgt>
+                                        </p:tgtEl>
+                                        <p:attrNameLst>
+                                          <p:attrName>style.visibility</p:attrName>
+                                        </p:attrNameLst>
+                                      </p:cBhvr>
+                                      <p:to>
+                                        <p:strVal val="visible"/>
+                                      </p:to>
+                                    </p:set>
+                                  </p:childTnLst>
+                                </p:cTn>
+                              </p:par>
+                            </p:childTnLst>
+                          </p:cTn>
+                        </p:par>
+                      </p:childTnLst>
+                    </p:cTn>
+                  </p:par>
+                  <p:par>
+                    <p:cTn id="15" fill="hold">
+                      <p:stCondLst>
+                        <p:cond delay="indefinite"/>
+                      </p:stCondLst>
+                      <p:childTnLst>
+                        <p:par>
+                          <p:cTn id="16" fill="hold">
+                            <p:stCondLst>
+                              <p:cond delay="0"/>
+                            </p:stCondLst>
+                            <p:childTnLst>
+                              <p:par>
+                                <p:cTn id="17" presetID="1" presetClass="entr" presetSubtype="0" fill="hold" nodeType="clickEffect">
+                                  <p:stCondLst>
+                                    <p:cond delay="0"/>
+                                  </p:stCondLst>
+                                  <p:childTnLst>
+                                    <p:set>
+                                      <p:cBhvr>
+                                        <p:cTn id="18" dur="1" fill="hold">
+                                          <p:stCondLst>
+                                            <p:cond delay="0"/>
+                                          </p:stCondLst>
+                                        </p:cTn>
+                                        <p:tgtEl>
+                                          <p:spTgt spid="26">
+                                            <p:txEl>
+                                              <p:pRg st="3" end="3"/>
+                                            </p:txEl>
+                                          </p:spTgt>
+                                        </p:tgtEl>
+                                        <p:attrNameLst>
+                                          <p:attrName>style.visibility</p:attrName>
+                                        </p:attrNameLst>
+                                      </p:cBhvr>
+                                      <p:to>
+                                        <p:strVal val="visible"/>
+                                      </p:to>
+                                    </p:set>
+                                  </p:childTnLst>
+                                </p:cTn>
+                              </p:par>
+                            </p:childTnLst>
+                          </p:cTn>
+                        </p:par>
+                      </p:childTnLst>
+                    </p:cTn>
+                  </p:par>
+                  <p:par>
+                    <p:cTn id="19" fill="hold">
+                      <p:stCondLst>
+                        <p:cond delay="indefinite"/>
+                      </p:stCondLst>
+                      <p:childTnLst>
+                        <p:par>
+                          <p:cTn id="20" fill="hold">
+                            <p:stCondLst>
+                              <p:cond delay="0"/>
+                            </p:stCondLst>
+                            <p:childTnLst>
+                              <p:par>
+                                <p:cTn id="21" presetID="1" presetClass="entr" presetSubtype="0" fill="hold" nodeType="clickEffect">
+                                  <p:stCondLst>
+                                    <p:cond delay="0"/>
+                                  </p:stCondLst>
+                                  <p:childTnLst>
+                                    <p:set>
+                                      <p:cBhvr>
+                                        <p:cTn id="22" dur="1" fill="hold">
+                                          <p:stCondLst>
+                                            <p:cond delay="0"/>
+                                          </p:stCondLst>
+                                        </p:cTn>
+                                        <p:tgtEl>
+                                          <p:spTgt spid="26">
+                                            <p:txEl>
+                                              <p:pRg st="4" end="4"/>
+                                            </p:txEl>
+                                          </p:spTgt>
+                                        </p:tgtEl>
+                                        <p:attrNameLst>
+                                          <p:attrName>style.visibility</p:attrName>
+                                        </p:attrNameLst>
+                                      </p:cBhvr>
+                                      <p:to>
+                                        <p:strVal val="visible"/>
+                                      </p:to>
+                                    </p:set>
+                                  </p:childTnLst>
+                                </p:cTn>
+                              </p:par>
+                            </p:childTnLst>
+                          </p:cTn>
+                        </p:par>
+                      </p:childTnLst>
+                    </p:cTn>
+                  </p:par>
+                  <p:par>
+                    <p:cTn id="23" fill="hold">
+                      <p:stCondLst>
+                        <p:cond delay="indefinite"/>
+                      </p:stCondLst>
+                      <p:childTnLst>
+                        <p:par>
+                          <p:cTn id="24" fill="hold">
+                            <p:stCondLst>
+                              <p:cond delay="0"/>
+                            </p:stCondLst>
+                            <p:childTnLst>
+                              <p:par>
+                                <p:cTn id="25" presetID="1" presetClass="entr" presetSubtype="0" fill="hold" nodeType="clickEffect">
+                                  <p:stCondLst>
+                                    <p:cond delay="0"/>
+                                  </p:stCondLst>
+                                  <p:childTnLst>
+                                    <p:set>
+                                      <p:cBhvr>
+                                        <p:cTn id="26" dur="1" fill="hold">
+                                          <p:stCondLst>
+                                            <p:cond delay="0"/>
+                                          </p:stCondLst>
+                                        </p:cTn>
+                                        <p:tgtEl>
+                                          <p:spTgt spid="26">
+                                            <p:txEl>
+                                              <p:pRg st="5" end="5"/>
+                                            </p:txEl>
+                                          </p:spTgt>
+                                        </p:tgtEl>
+                                        <p:attrNameLst>
+                                          <p:attrName>style.visibility</p:attrName>
+                                        </p:attrNameLst>
+                                      </p:cBhvr>
+                                      <p:to>
+                                        <p:strVal val="visible"/>
+                                      </p:to>
+                                    </p:set>
+                                  </p:childTnLst>
+                                </p:cTn>
+                              </p:par>
+                            </p:childTnLst>
+                          </p:cTn>
+                        </p:par>
+                      </p:childTnLst>
+                    </p:cTn>
+                  </p:par>
+                  <p:par>
+                    <p:cTn id="27" fill="hold">
+                      <p:stCondLst>
+                        <p:cond delay="indefinite"/>
+                      </p:stCondLst>
+                      <p:childTnLst>
+                        <p:par>
+                          <p:cTn id="28" fill="hold">
+                            <p:stCondLst>
+                              <p:cond delay="0"/>
+                            </p:stCondLst>
+                            <p:childTnLst>
+                              <p:par>
+                                <p:cTn id="29" presetID="1" presetClass="entr" presetSubtype="0" fill="hold" nodeType="clickEffect">
+                                  <p:stCondLst>
+                                    <p:cond delay="0"/>
+                                  </p:stCondLst>
+                                  <p:childTnLst>
+                                    <p:set>
+                                      <p:cBhvr>
+                                        <p:cTn id="30" dur="1" fill="hold">
+                                          <p:stCondLst>
+                                            <p:cond delay="0"/>
+                                          </p:stCondLst>
+                                        </p:cTn>
+                                        <p:tgtEl>
+                                          <p:spTgt spid="26">
+                                            <p:txEl>
+                                              <p:pRg st="6" end="6"/>
+                                            </p:txEl>
+                                          </p:spTgt>
+                                        </p:tgtEl>
+                                        <p:attrNameLst>
+                                          <p:attrName>style.visibility</p:attrName>
+                                        </p:attrNameLst>
+                                      </p:cBhvr>
+                                      <p:to>
+                                        <p:strVal val="visible"/>
+                                      </p:to>
+                                    </p:set>
+                                  </p:childTnLst>
+                                </p:cTn>
+                              </p:par>
+                            </p:childTnLst>
+                          </p:cTn>
+                        </p:par>
+                      </p:childTnLst>
+                    </p:cTn>
+                  </p:par>
+                  <p:par>
+                    <p:cTn id="31" fill="hold">
+                      <p:stCondLst>
+                        <p:cond delay="indefinite"/>
+                      </p:stCondLst>
+                      <p:childTnLst>
+                        <p:par>
+                          <p:cTn id="32" fill="hold">
+                            <p:stCondLst>
+                              <p:cond delay="0"/>
+                            </p:stCondLst>
+                            <p:childTnLst>
+                              <p:par>
+                                <p:cTn id="33" presetID="1" presetClass="entr" presetSubtype="0" fill="hold" nodeType="clickEffect">
+                                  <p:stCondLst>
+                                    <p:cond delay="0"/>
+                                  </p:stCondLst>
+                                  <p:childTnLst>
+                                    <p:set>
+                                      <p:cBhvr>
+                                        <p:cTn id="34" dur="1" fill="hold">
+                                          <p:stCondLst>
+                                            <p:cond delay="0"/>
+                                          </p:stCondLst>
+                                        </p:cTn>
+                                        <p:tgtEl>
+                                          <p:spTgt spid="26">
+                                            <p:txEl>
+                                              <p:pRg st="7" end="7"/>
+                                            </p:txEl>
+                                          </p:spTgt>
+                                        </p:tgtEl>
+                                        <p:attrNameLst>
+                                          <p:attrName>style.visibility</p:attrName>
+                                        </p:attrNameLst>
+                                      </p:cBhvr>
+                                      <p:to>
+                                        <p:strVal val="visible"/>
+                                      </p:to>
+                                    </p:set>
+                                  </p:childTnLst>
+                                </p:cTn>
+                              </p:par>
+                            </p:childTnLst>
+                          </p:cTn>
+                        </p:par>
+                      </p:childTnLst>
+                    </p:cTn>
+                  </p:par>
+                  <p:par>
+                    <p:cTn id="35" fill="hold">
+                      <p:stCondLst>
+                        <p:cond delay="indefinite"/>
+                      </p:stCondLst>
+                      <p:childTnLst>
+                        <p:par>
+                          <p:cTn id="36" fill="hold">
+                            <p:stCondLst>
+                              <p:cond delay="0"/>
+                            </p:stCondLst>
+                            <p:childTnLst>
+                              <p:par>
+                                <p:cTn id="37" presetID="1" presetClass="entr" presetSubtype="0" fill="hold" nodeType="clickEffect">
+                                  <p:stCondLst>
+                                    <p:cond delay="0"/>
+                                  </p:stCondLst>
+                                  <p:childTnLst>
+                                    <p:set>
+                                      <p:cBhvr>
+                                        <p:cTn id="38" dur="1" fill="hold">
+                                          <p:stCondLst>
+                                            <p:cond delay="0"/>
+                                          </p:stCondLst>
+                                        </p:cTn>
+                                        <p:tgtEl>
+                                          <p:spTgt spid="3"/>
+                                        </p:tgtEl>
+                                        <p:attrNameLst>
+                                          <p:attrName>style.visibility</p:attrName>
+                                        </p:attrNameLst>
+                                      </p:cBhvr>
+                                      <p:to>
+                                        <p:strVal val="visible"/>
+                                      </p:to>
+                                    </p:set>
+                                  </p:childTnLst>
+                                </p:cTn>
+                              </p:par>
+                            </p:childTnLst>
+                          </p:cTn>
+                        </p:par>
+                      </p:childTnLst>
+                    </p:cTn>
+                  </p:par>
+                </p:childTnLst>
+              </p:cTn>
+              <p:prevCondLst>
+                <p:cond evt="onPrev" delay="0">
+                  <p:tgtEl>
+                    <p:sldTgt/>
+                  </p:tgtEl>
+                </p:cond>
+              </p:prevCondLst>
+              <p:nextCondLst>
+                <p:cond evt="onNext" delay="0">
+                  <p:tgtEl>
+                    <p:sldTgt/>
+                  </p:tgtEl>
+                </p:cond>
+              </p:nextCondLst>
+            </p:seq>
+          </p:childTnLst>
+        </p:cTn>
+      </p:par>
+    </p:tnLst>
+  </p:timing>
+</p:sld>
+</file>
+
 <file path=ppt/theme/theme1.xml><?xml version="1.0" encoding="utf-8"?>
 <a:theme xmlns:a="http://schemas.openxmlformats.org/drawingml/2006/main" name="Office Theme">
   <a:themeElements>
